--- a/doc/Workshop-grpc.pptx
+++ b/doc/Workshop-grpc.pptx
@@ -11,11 +11,12 @@
     <p:sldId id="259" r:id="rId5"/>
     <p:sldId id="260" r:id="rId6"/>
     <p:sldId id="261" r:id="rId7"/>
-    <p:sldId id="262" r:id="rId8"/>
-    <p:sldId id="263" r:id="rId9"/>
-    <p:sldId id="264" r:id="rId10"/>
-    <p:sldId id="265" r:id="rId11"/>
-    <p:sldId id="266" r:id="rId12"/>
+    <p:sldId id="267" r:id="rId8"/>
+    <p:sldId id="262" r:id="rId9"/>
+    <p:sldId id="263" r:id="rId10"/>
+    <p:sldId id="264" r:id="rId11"/>
+    <p:sldId id="265" r:id="rId12"/>
+    <p:sldId id="266" r:id="rId13"/>
   </p:sldIdLst>
   <p:sldSz cx="9144000" cy="6858000" type="screen4x3"/>
   <p:notesSz cx="6858000" cy="9144000"/>
@@ -298,7 +299,7 @@
           <a:p>
             <a:fld id="{B3CF53F8-45F4-4924-B9C9-305402299CCE}" type="datetimeFigureOut">
               <a:rPr lang="nl-NL" smtClean="0"/>
-              <a:t>11-5-2017</a:t>
+              <a:t>15-5-2017</a:t>
             </a:fld>
             <a:endParaRPr lang="nl-NL"/>
           </a:p>
@@ -468,7 +469,7 @@
           <a:p>
             <a:fld id="{B3CF53F8-45F4-4924-B9C9-305402299CCE}" type="datetimeFigureOut">
               <a:rPr lang="nl-NL" smtClean="0"/>
-              <a:t>11-5-2017</a:t>
+              <a:t>15-5-2017</a:t>
             </a:fld>
             <a:endParaRPr lang="nl-NL"/>
           </a:p>
@@ -648,7 +649,7 @@
           <a:p>
             <a:fld id="{B3CF53F8-45F4-4924-B9C9-305402299CCE}" type="datetimeFigureOut">
               <a:rPr lang="nl-NL" smtClean="0"/>
-              <a:t>11-5-2017</a:t>
+              <a:t>15-5-2017</a:t>
             </a:fld>
             <a:endParaRPr lang="nl-NL"/>
           </a:p>
@@ -818,7 +819,7 @@
           <a:p>
             <a:fld id="{B3CF53F8-45F4-4924-B9C9-305402299CCE}" type="datetimeFigureOut">
               <a:rPr lang="nl-NL" smtClean="0"/>
-              <a:t>11-5-2017</a:t>
+              <a:t>15-5-2017</a:t>
             </a:fld>
             <a:endParaRPr lang="nl-NL"/>
           </a:p>
@@ -1064,7 +1065,7 @@
           <a:p>
             <a:fld id="{B3CF53F8-45F4-4924-B9C9-305402299CCE}" type="datetimeFigureOut">
               <a:rPr lang="nl-NL" smtClean="0"/>
-              <a:t>11-5-2017</a:t>
+              <a:t>15-5-2017</a:t>
             </a:fld>
             <a:endParaRPr lang="nl-NL"/>
           </a:p>
@@ -1352,7 +1353,7 @@
           <a:p>
             <a:fld id="{B3CF53F8-45F4-4924-B9C9-305402299CCE}" type="datetimeFigureOut">
               <a:rPr lang="nl-NL" smtClean="0"/>
-              <a:t>11-5-2017</a:t>
+              <a:t>15-5-2017</a:t>
             </a:fld>
             <a:endParaRPr lang="nl-NL"/>
           </a:p>
@@ -1774,7 +1775,7 @@
           <a:p>
             <a:fld id="{B3CF53F8-45F4-4924-B9C9-305402299CCE}" type="datetimeFigureOut">
               <a:rPr lang="nl-NL" smtClean="0"/>
-              <a:t>11-5-2017</a:t>
+              <a:t>15-5-2017</a:t>
             </a:fld>
             <a:endParaRPr lang="nl-NL"/>
           </a:p>
@@ -1892,7 +1893,7 @@
           <a:p>
             <a:fld id="{B3CF53F8-45F4-4924-B9C9-305402299CCE}" type="datetimeFigureOut">
               <a:rPr lang="nl-NL" smtClean="0"/>
-              <a:t>11-5-2017</a:t>
+              <a:t>15-5-2017</a:t>
             </a:fld>
             <a:endParaRPr lang="nl-NL"/>
           </a:p>
@@ -1987,7 +1988,7 @@
           <a:p>
             <a:fld id="{B3CF53F8-45F4-4924-B9C9-305402299CCE}" type="datetimeFigureOut">
               <a:rPr lang="nl-NL" smtClean="0"/>
-              <a:t>11-5-2017</a:t>
+              <a:t>15-5-2017</a:t>
             </a:fld>
             <a:endParaRPr lang="nl-NL"/>
           </a:p>
@@ -2264,7 +2265,7 @@
           <a:p>
             <a:fld id="{B3CF53F8-45F4-4924-B9C9-305402299CCE}" type="datetimeFigureOut">
               <a:rPr lang="nl-NL" smtClean="0"/>
-              <a:t>11-5-2017</a:t>
+              <a:t>15-5-2017</a:t>
             </a:fld>
             <a:endParaRPr lang="nl-NL"/>
           </a:p>
@@ -2517,7 +2518,7 @@
           <a:p>
             <a:fld id="{B3CF53F8-45F4-4924-B9C9-305402299CCE}" type="datetimeFigureOut">
               <a:rPr lang="nl-NL" smtClean="0"/>
-              <a:t>11-5-2017</a:t>
+              <a:t>15-5-2017</a:t>
             </a:fld>
             <a:endParaRPr lang="nl-NL"/>
           </a:p>
@@ -2730,7 +2731,7 @@
           <a:p>
             <a:fld id="{B3CF53F8-45F4-4924-B9C9-305402299CCE}" type="datetimeFigureOut">
               <a:rPr lang="nl-NL" smtClean="0"/>
-              <a:t>11-5-2017</a:t>
+              <a:t>15-5-2017</a:t>
             </a:fld>
             <a:endParaRPr lang="nl-NL"/>
           </a:p>
@@ -3318,11 +3319,7 @@
             </a:r>
             <a:r>
               <a:rPr lang="nl-NL" sz="2800" dirty="0" smtClean="0"/>
-              <a:t> code vervolg </a:t>
-            </a:r>
-            <a:r>
-              <a:rPr lang="nl-NL" sz="2800" dirty="0" smtClean="0"/>
-              <a:t>.. 4</a:t>
+              <a:t> code vervolg .. 3</a:t>
             </a:r>
             <a:endParaRPr lang="nl-NL" sz="2800" dirty="0"/>
           </a:p>
@@ -3351,7 +3348,7 @@
         </p:spPr>
         <p:txBody>
           <a:bodyPr>
-            <a:normAutofit fontScale="92500" lnSpcReduction="20000"/>
+            <a:normAutofit fontScale="85000" lnSpcReduction="20000"/>
           </a:bodyPr>
           <a:lstStyle/>
           <a:p>
@@ -3393,7 +3390,7 @@
                   <a:schemeClr val="tx2"/>
                 </a:solidFill>
               </a:rPr>
-              <a:t>Voorbeeld: </a:t>
+              <a:t>Voorbeeld:  </a:t>
             </a:r>
             <a:r>
               <a:rPr lang="en-US" sz="1800" dirty="0" err="1"/>
@@ -3405,35 +3402,19 @@
             </a:r>
             <a:r>
               <a:rPr lang="en-US" sz="1800" dirty="0" err="1"/>
-              <a:t>RouteChat</a:t>
+              <a:t>RecordRoute</a:t>
             </a:r>
             <a:r>
               <a:rPr lang="en-US" sz="1800" dirty="0"/>
-              <a:t>(stream </a:t>
-            </a:r>
-            <a:r>
-              <a:rPr lang="en-US" sz="1800" dirty="0" err="1" smtClean="0"/>
-              <a:t>RouteNote</a:t>
-            </a:r>
-            <a:r>
-              <a:rPr lang="en-US" sz="1800" dirty="0" smtClean="0"/>
-              <a:t>) </a:t>
+              <a:t>(stream Point) returns (</a:t>
+            </a:r>
+            <a:r>
+              <a:rPr lang="en-US" sz="1800" dirty="0" err="1"/>
+              <a:t>RouteSummary</a:t>
             </a:r>
             <a:r>
               <a:rPr lang="en-US" sz="1800" dirty="0"/>
-              <a:t>returns (stream </a:t>
-            </a:r>
-            <a:r>
-              <a:rPr lang="en-US" sz="1800" dirty="0" err="1"/>
-              <a:t>RouteNote</a:t>
-            </a:r>
-            <a:r>
-              <a:rPr lang="en-US" sz="1800" dirty="0" smtClean="0"/>
-              <a:t>) </a:t>
-            </a:r>
-            <a:r>
-              <a:rPr lang="en-US" sz="1800" dirty="0"/>
-              <a:t>{}</a:t>
+              <a:t>) {}</a:t>
             </a:r>
             <a:endParaRPr lang="nl-NL" sz="2000" dirty="0" smtClean="0">
               <a:solidFill>
@@ -3469,48 +3450,44 @@
               <a:t>new </a:t>
             </a:r>
             <a:r>
-              <a:rPr lang="nl-NL" sz="2000" dirty="0" err="1" smtClean="0">
+              <a:rPr lang="nl-NL" sz="2000" dirty="0" err="1">
                 <a:latin typeface="Consolas" panose="020B0609020204030204" pitchFamily="49" charset="0"/>
                 <a:cs typeface="Consolas" panose="020B0609020204030204" pitchFamily="49" charset="0"/>
               </a:rPr>
               <a:t>StreamObserver</a:t>
             </a:r>
             <a:r>
+              <a:rPr lang="nl-NL" sz="2000" dirty="0">
+                <a:latin typeface="Consolas" panose="020B0609020204030204" pitchFamily="49" charset="0"/>
+                <a:cs typeface="Consolas" panose="020B0609020204030204" pitchFamily="49" charset="0"/>
+              </a:rPr>
+              <a:t>&lt;Point&gt;() {</a:t>
+            </a:r>
+          </a:p>
+          <a:p>
+            <a:pPr marL="0" indent="0">
+              <a:buNone/>
+            </a:pPr>
+            <a:r>
+              <a:rPr lang="nl-NL" sz="2000" dirty="0">
+                <a:latin typeface="Consolas" panose="020B0609020204030204" pitchFamily="49" charset="0"/>
+                <a:cs typeface="Consolas" panose="020B0609020204030204" pitchFamily="49" charset="0"/>
+              </a:rPr>
+              <a:t> </a:t>
+            </a:r>
+            <a:r>
               <a:rPr lang="nl-NL" sz="2000" dirty="0" smtClean="0">
                 <a:latin typeface="Consolas" panose="020B0609020204030204" pitchFamily="49" charset="0"/>
                 <a:cs typeface="Consolas" panose="020B0609020204030204" pitchFamily="49" charset="0"/>
               </a:rPr>
-              <a:t>&lt;</a:t>
-            </a:r>
-            <a:r>
-              <a:rPr lang="en-US" sz="2000" dirty="0" err="1" smtClean="0"/>
-              <a:t>RouteNote</a:t>
-            </a:r>
-            <a:r>
-              <a:rPr lang="nl-NL" sz="2000" dirty="0" smtClean="0">
-                <a:latin typeface="Consolas" panose="020B0609020204030204" pitchFamily="49" charset="0"/>
-                <a:cs typeface="Consolas" panose="020B0609020204030204" pitchFamily="49" charset="0"/>
-              </a:rPr>
-              <a:t>&gt;() </a:t>
+              <a:t>  </a:t>
             </a:r>
             <a:r>
               <a:rPr lang="nl-NL" sz="2000" dirty="0">
                 <a:latin typeface="Consolas" panose="020B0609020204030204" pitchFamily="49" charset="0"/>
                 <a:cs typeface="Consolas" panose="020B0609020204030204" pitchFamily="49" charset="0"/>
               </a:rPr>
-              <a:t>{</a:t>
-            </a:r>
-          </a:p>
-          <a:p>
-            <a:pPr marL="0" indent="0">
-              <a:buNone/>
-            </a:pPr>
-            <a:r>
-              <a:rPr lang="nl-NL" sz="2000" dirty="0">
-                <a:latin typeface="Consolas" panose="020B0609020204030204" pitchFamily="49" charset="0"/>
-                <a:cs typeface="Consolas" panose="020B0609020204030204" pitchFamily="49" charset="0"/>
-              </a:rPr>
-              <a:t>  @</a:t>
+              <a:t>@</a:t>
             </a:r>
             <a:r>
               <a:rPr lang="nl-NL" sz="2000" dirty="0" err="1">
@@ -3533,7 +3510,21 @@
                 <a:latin typeface="Consolas" panose="020B0609020204030204" pitchFamily="49" charset="0"/>
                 <a:cs typeface="Consolas" panose="020B0609020204030204" pitchFamily="49" charset="0"/>
               </a:rPr>
-              <a:t>  public </a:t>
+              <a:t> </a:t>
+            </a:r>
+            <a:r>
+              <a:rPr lang="nl-NL" sz="2000" dirty="0" smtClean="0">
+                <a:latin typeface="Consolas" panose="020B0609020204030204" pitchFamily="49" charset="0"/>
+                <a:cs typeface="Consolas" panose="020B0609020204030204" pitchFamily="49" charset="0"/>
+              </a:rPr>
+              <a:t>  </a:t>
+            </a:r>
+            <a:r>
+              <a:rPr lang="nl-NL" sz="2000" dirty="0">
+                <a:latin typeface="Consolas" panose="020B0609020204030204" pitchFamily="49" charset="0"/>
+                <a:cs typeface="Consolas" panose="020B0609020204030204" pitchFamily="49" charset="0"/>
+              </a:rPr>
+              <a:t>public </a:t>
             </a:r>
             <a:r>
               <a:rPr lang="nl-NL" sz="2000" dirty="0" err="1">
@@ -3550,107 +3541,55 @@
               <a:t> </a:t>
             </a:r>
             <a:r>
-              <a:rPr lang="nl-NL" sz="2000" dirty="0" err="1" smtClean="0">
+              <a:rPr lang="nl-NL" sz="2000" dirty="0" err="1">
                 <a:latin typeface="Consolas" panose="020B0609020204030204" pitchFamily="49" charset="0"/>
                 <a:cs typeface="Consolas" panose="020B0609020204030204" pitchFamily="49" charset="0"/>
               </a:rPr>
               <a:t>onNext</a:t>
             </a:r>
             <a:r>
+              <a:rPr lang="nl-NL" sz="2000" dirty="0">
+                <a:latin typeface="Consolas" panose="020B0609020204030204" pitchFamily="49" charset="0"/>
+                <a:cs typeface="Consolas" panose="020B0609020204030204" pitchFamily="49" charset="0"/>
+              </a:rPr>
+              <a:t>(Point point) {</a:t>
+            </a:r>
+          </a:p>
+          <a:p>
+            <a:pPr marL="0" indent="0">
+              <a:buNone/>
+            </a:pPr>
+            <a:r>
+              <a:rPr lang="nl-NL" sz="2000" dirty="0">
+                <a:latin typeface="Consolas" panose="020B0609020204030204" pitchFamily="49" charset="0"/>
+                <a:cs typeface="Consolas" panose="020B0609020204030204" pitchFamily="49" charset="0"/>
+              </a:rPr>
+              <a:t>	...</a:t>
+            </a:r>
+          </a:p>
+          <a:p>
+            <a:pPr marL="0" indent="0">
+              <a:buNone/>
+            </a:pPr>
+            <a:r>
               <a:rPr lang="nl-NL" sz="2000" dirty="0" smtClean="0">
                 <a:latin typeface="Consolas" panose="020B0609020204030204" pitchFamily="49" charset="0"/>
                 <a:cs typeface="Consolas" panose="020B0609020204030204" pitchFamily="49" charset="0"/>
               </a:rPr>
-              <a:t>(</a:t>
-            </a:r>
-            <a:r>
-              <a:rPr lang="en-US" sz="2000" dirty="0" err="1"/>
-              <a:t>RouteNote</a:t>
-            </a:r>
-            <a:r>
-              <a:rPr lang="en-US" sz="2000" dirty="0"/>
-              <a:t> </a:t>
-            </a:r>
-            <a:r>
-              <a:rPr lang="nl-NL" sz="2000" dirty="0" err="1" smtClean="0">
-                <a:latin typeface="Consolas" panose="020B0609020204030204" pitchFamily="49" charset="0"/>
-                <a:cs typeface="Consolas" panose="020B0609020204030204" pitchFamily="49" charset="0"/>
-              </a:rPr>
-              <a:t>note</a:t>
+              <a:t>   </a:t>
             </a:r>
             <a:r>
               <a:rPr lang="nl-NL" sz="2000" dirty="0">
                 <a:latin typeface="Consolas" panose="020B0609020204030204" pitchFamily="49" charset="0"/>
                 <a:cs typeface="Consolas" panose="020B0609020204030204" pitchFamily="49" charset="0"/>
               </a:rPr>
-              <a:t>) {</a:t>
-            </a:r>
-          </a:p>
-          <a:p>
-            <a:pPr marL="0" indent="0">
-              <a:buNone/>
-            </a:pPr>
-            <a:r>
-              <a:rPr lang="nl-NL" sz="2000" dirty="0">
-                <a:latin typeface="Consolas" panose="020B0609020204030204" pitchFamily="49" charset="0"/>
-                <a:cs typeface="Consolas" panose="020B0609020204030204" pitchFamily="49" charset="0"/>
-              </a:rPr>
-              <a:t>      ...</a:t>
-            </a:r>
-          </a:p>
-          <a:p>
-            <a:pPr marL="0" indent="0">
-              <a:buNone/>
-            </a:pPr>
-            <a:r>
-              <a:rPr lang="nl-NL" sz="2000" dirty="0">
-                <a:latin typeface="Consolas" panose="020B0609020204030204" pitchFamily="49" charset="0"/>
-                <a:cs typeface="Consolas" panose="020B0609020204030204" pitchFamily="49" charset="0"/>
-              </a:rPr>
-              <a:t>      </a:t>
-            </a:r>
-            <a:r>
-              <a:rPr lang="nl-NL" sz="2000" dirty="0" err="1" smtClean="0">
-                <a:latin typeface="Consolas" panose="020B0609020204030204" pitchFamily="49" charset="0"/>
-                <a:cs typeface="Consolas" panose="020B0609020204030204" pitchFamily="49" charset="0"/>
-              </a:rPr>
-              <a:t>responseObserver.onNext</a:t>
-            </a:r>
-            <a:r>
-              <a:rPr lang="nl-NL" sz="2000" dirty="0" smtClean="0">
-                <a:latin typeface="Consolas" panose="020B0609020204030204" pitchFamily="49" charset="0"/>
-                <a:cs typeface="Consolas" panose="020B0609020204030204" pitchFamily="49" charset="0"/>
-              </a:rPr>
-              <a:t>(</a:t>
-            </a:r>
-            <a:r>
-              <a:rPr lang="nl-NL" sz="2000" dirty="0" err="1" smtClean="0">
-                <a:latin typeface="Consolas" panose="020B0609020204030204" pitchFamily="49" charset="0"/>
-                <a:cs typeface="Consolas" panose="020B0609020204030204" pitchFamily="49" charset="0"/>
-              </a:rPr>
-              <a:t>RouteNote</a:t>
-            </a:r>
-            <a:r>
-              <a:rPr lang="nl-NL" sz="2000" dirty="0" smtClean="0">
-                <a:latin typeface="Consolas" panose="020B0609020204030204" pitchFamily="49" charset="0"/>
-                <a:cs typeface="Consolas" panose="020B0609020204030204" pitchFamily="49" charset="0"/>
-              </a:rPr>
-              <a:t>..</a:t>
-            </a:r>
-            <a:r>
-              <a:rPr lang="nl-NL" sz="2000" dirty="0" err="1" smtClean="0">
-                <a:latin typeface="Consolas" panose="020B0609020204030204" pitchFamily="49" charset="0"/>
-                <a:cs typeface="Consolas" panose="020B0609020204030204" pitchFamily="49" charset="0"/>
-              </a:rPr>
-              <a:t>build</a:t>
-            </a:r>
-            <a:r>
-              <a:rPr lang="nl-NL" sz="2000" dirty="0" smtClean="0">
-                <a:latin typeface="Consolas" panose="020B0609020204030204" pitchFamily="49" charset="0"/>
-                <a:cs typeface="Consolas" panose="020B0609020204030204" pitchFamily="49" charset="0"/>
-              </a:rPr>
-              <a:t>());</a:t>
-            </a:r>
+              <a:t>}</a:t>
+            </a:r>
+          </a:p>
+          <a:p>
+            <a:pPr marL="0" indent="0">
+              <a:buNone/>
+            </a:pPr>
             <a:endParaRPr lang="nl-NL" sz="2000" dirty="0">
               <a:latin typeface="Consolas" panose="020B0609020204030204" pitchFamily="49" charset="0"/>
               <a:cs typeface="Consolas" panose="020B0609020204030204" pitchFamily="49" charset="0"/>
@@ -3661,17 +3600,26 @@
               <a:buNone/>
             </a:pPr>
             <a:r>
+              <a:rPr lang="nl-NL" sz="2000" dirty="0" smtClean="0">
+                <a:latin typeface="Consolas" panose="020B0609020204030204" pitchFamily="49" charset="0"/>
+                <a:cs typeface="Consolas" panose="020B0609020204030204" pitchFamily="49" charset="0"/>
+              </a:rPr>
+              <a:t>   </a:t>
+            </a:r>
+            <a:r>
               <a:rPr lang="nl-NL" sz="2000" dirty="0">
                 <a:latin typeface="Consolas" panose="020B0609020204030204" pitchFamily="49" charset="0"/>
                 <a:cs typeface="Consolas" panose="020B0609020204030204" pitchFamily="49" charset="0"/>
               </a:rPr>
-              <a:t>  }</a:t>
-            </a:r>
-          </a:p>
-          <a:p>
-            <a:pPr marL="0" indent="0">
-              <a:buNone/>
-            </a:pPr>
+              <a:t>@</a:t>
+            </a:r>
+            <a:r>
+              <a:rPr lang="nl-NL" sz="2000" dirty="0" err="1">
+                <a:latin typeface="Consolas" panose="020B0609020204030204" pitchFamily="49" charset="0"/>
+                <a:cs typeface="Consolas" panose="020B0609020204030204" pitchFamily="49" charset="0"/>
+              </a:rPr>
+              <a:t>Override</a:t>
+            </a:r>
             <a:endParaRPr lang="nl-NL" sz="2000" dirty="0">
               <a:latin typeface="Consolas" panose="020B0609020204030204" pitchFamily="49" charset="0"/>
               <a:cs typeface="Consolas" panose="020B0609020204030204" pitchFamily="49" charset="0"/>
@@ -3682,19 +3630,104 @@
               <a:buNone/>
             </a:pPr>
             <a:r>
+              <a:rPr lang="nl-NL" sz="2000" dirty="0" smtClean="0">
+                <a:latin typeface="Consolas" panose="020B0609020204030204" pitchFamily="49" charset="0"/>
+                <a:cs typeface="Consolas" panose="020B0609020204030204" pitchFamily="49" charset="0"/>
+              </a:rPr>
+              <a:t>   </a:t>
+            </a:r>
+            <a:r>
               <a:rPr lang="nl-NL" sz="2000" dirty="0">
                 <a:latin typeface="Consolas" panose="020B0609020204030204" pitchFamily="49" charset="0"/>
                 <a:cs typeface="Consolas" panose="020B0609020204030204" pitchFamily="49" charset="0"/>
               </a:rPr>
-              <a:t>  @</a:t>
+              <a:t>public </a:t>
             </a:r>
             <a:r>
               <a:rPr lang="nl-NL" sz="2000" dirty="0" err="1">
                 <a:latin typeface="Consolas" panose="020B0609020204030204" pitchFamily="49" charset="0"/>
                 <a:cs typeface="Consolas" panose="020B0609020204030204" pitchFamily="49" charset="0"/>
               </a:rPr>
-              <a:t>Override</a:t>
-            </a:r>
+              <a:t>void</a:t>
+            </a:r>
+            <a:r>
+              <a:rPr lang="nl-NL" sz="2000" dirty="0">
+                <a:latin typeface="Consolas" panose="020B0609020204030204" pitchFamily="49" charset="0"/>
+                <a:cs typeface="Consolas" panose="020B0609020204030204" pitchFamily="49" charset="0"/>
+              </a:rPr>
+              <a:t> </a:t>
+            </a:r>
+            <a:r>
+              <a:rPr lang="nl-NL" sz="2000" dirty="0" err="1">
+                <a:latin typeface="Consolas" panose="020B0609020204030204" pitchFamily="49" charset="0"/>
+                <a:cs typeface="Consolas" panose="020B0609020204030204" pitchFamily="49" charset="0"/>
+              </a:rPr>
+              <a:t>onError</a:t>
+            </a:r>
+            <a:r>
+              <a:rPr lang="nl-NL" sz="2000" dirty="0">
+                <a:latin typeface="Consolas" panose="020B0609020204030204" pitchFamily="49" charset="0"/>
+                <a:cs typeface="Consolas" panose="020B0609020204030204" pitchFamily="49" charset="0"/>
+              </a:rPr>
+              <a:t>(</a:t>
+            </a:r>
+            <a:r>
+              <a:rPr lang="nl-NL" sz="2000" dirty="0" err="1">
+                <a:latin typeface="Consolas" panose="020B0609020204030204" pitchFamily="49" charset="0"/>
+                <a:cs typeface="Consolas" panose="020B0609020204030204" pitchFamily="49" charset="0"/>
+              </a:rPr>
+              <a:t>Throwable</a:t>
+            </a:r>
+            <a:r>
+              <a:rPr lang="nl-NL" sz="2000" dirty="0">
+                <a:latin typeface="Consolas" panose="020B0609020204030204" pitchFamily="49" charset="0"/>
+                <a:cs typeface="Consolas" panose="020B0609020204030204" pitchFamily="49" charset="0"/>
+              </a:rPr>
+              <a:t> t) {</a:t>
+            </a:r>
+          </a:p>
+          <a:p>
+            <a:pPr marL="0" indent="0">
+              <a:buNone/>
+            </a:pPr>
+            <a:r>
+              <a:rPr lang="nl-NL" sz="2000" dirty="0" smtClean="0">
+                <a:latin typeface="Consolas" panose="020B0609020204030204" pitchFamily="49" charset="0"/>
+                <a:cs typeface="Consolas" panose="020B0609020204030204" pitchFamily="49" charset="0"/>
+              </a:rPr>
+              <a:t>     </a:t>
+            </a:r>
+            <a:r>
+              <a:rPr lang="nl-NL" sz="2000" dirty="0">
+                <a:latin typeface="Consolas" panose="020B0609020204030204" pitchFamily="49" charset="0"/>
+                <a:cs typeface="Consolas" panose="020B0609020204030204" pitchFamily="49" charset="0"/>
+              </a:rPr>
+              <a:t>...</a:t>
+            </a:r>
+          </a:p>
+          <a:p>
+            <a:pPr marL="0" indent="0">
+              <a:buNone/>
+            </a:pPr>
+            <a:r>
+              <a:rPr lang="nl-NL" sz="2000" dirty="0" smtClean="0">
+                <a:latin typeface="Consolas" panose="020B0609020204030204" pitchFamily="49" charset="0"/>
+                <a:cs typeface="Consolas" panose="020B0609020204030204" pitchFamily="49" charset="0"/>
+              </a:rPr>
+              <a:t>   </a:t>
+            </a:r>
+            <a:r>
+              <a:rPr lang="nl-NL" sz="2000" dirty="0">
+                <a:latin typeface="Consolas" panose="020B0609020204030204" pitchFamily="49" charset="0"/>
+                <a:cs typeface="Consolas" panose="020B0609020204030204" pitchFamily="49" charset="0"/>
+              </a:rPr>
+              <a:t>}</a:t>
+            </a:r>
+          </a:p>
+          <a:p>
+            <a:pPr marL="0" indent="0">
+              <a:buNone/>
+            </a:pPr>
             <a:endParaRPr lang="nl-NL" sz="2000" dirty="0">
               <a:latin typeface="Consolas" panose="020B0609020204030204" pitchFamily="49" charset="0"/>
               <a:cs typeface="Consolas" panose="020B0609020204030204" pitchFamily="49" charset="0"/>
@@ -3705,71 +3738,19 @@
               <a:buNone/>
             </a:pPr>
             <a:r>
-              <a:rPr lang="nl-NL" sz="2000" dirty="0">
-                <a:latin typeface="Consolas" panose="020B0609020204030204" pitchFamily="49" charset="0"/>
-                <a:cs typeface="Consolas" panose="020B0609020204030204" pitchFamily="49" charset="0"/>
-              </a:rPr>
-              <a:t>  public </a:t>
+              <a:rPr lang="nl-NL" sz="2000" dirty="0" smtClean="0">
+                <a:latin typeface="Consolas" panose="020B0609020204030204" pitchFamily="49" charset="0"/>
+                <a:cs typeface="Consolas" panose="020B0609020204030204" pitchFamily="49" charset="0"/>
+              </a:rPr>
+              <a:t>   @</a:t>
             </a:r>
             <a:r>
               <a:rPr lang="nl-NL" sz="2000" dirty="0" err="1">
                 <a:latin typeface="Consolas" panose="020B0609020204030204" pitchFamily="49" charset="0"/>
                 <a:cs typeface="Consolas" panose="020B0609020204030204" pitchFamily="49" charset="0"/>
               </a:rPr>
-              <a:t>void</a:t>
-            </a:r>
-            <a:r>
-              <a:rPr lang="nl-NL" sz="2000" dirty="0">
-                <a:latin typeface="Consolas" panose="020B0609020204030204" pitchFamily="49" charset="0"/>
-                <a:cs typeface="Consolas" panose="020B0609020204030204" pitchFamily="49" charset="0"/>
-              </a:rPr>
-              <a:t> </a:t>
-            </a:r>
-            <a:r>
-              <a:rPr lang="nl-NL" sz="2000" dirty="0" err="1">
-                <a:latin typeface="Consolas" panose="020B0609020204030204" pitchFamily="49" charset="0"/>
-                <a:cs typeface="Consolas" panose="020B0609020204030204" pitchFamily="49" charset="0"/>
-              </a:rPr>
-              <a:t>onError</a:t>
-            </a:r>
-            <a:r>
-              <a:rPr lang="nl-NL" sz="2000" dirty="0">
-                <a:latin typeface="Consolas" panose="020B0609020204030204" pitchFamily="49" charset="0"/>
-                <a:cs typeface="Consolas" panose="020B0609020204030204" pitchFamily="49" charset="0"/>
-              </a:rPr>
-              <a:t>(</a:t>
-            </a:r>
-            <a:r>
-              <a:rPr lang="nl-NL" sz="2000" dirty="0" err="1">
-                <a:latin typeface="Consolas" panose="020B0609020204030204" pitchFamily="49" charset="0"/>
-                <a:cs typeface="Consolas" panose="020B0609020204030204" pitchFamily="49" charset="0"/>
-              </a:rPr>
-              <a:t>Throwable</a:t>
-            </a:r>
-            <a:r>
-              <a:rPr lang="nl-NL" sz="2000" dirty="0">
-                <a:latin typeface="Consolas" panose="020B0609020204030204" pitchFamily="49" charset="0"/>
-                <a:cs typeface="Consolas" panose="020B0609020204030204" pitchFamily="49" charset="0"/>
-              </a:rPr>
-              <a:t> t) {</a:t>
-            </a:r>
-          </a:p>
-          <a:p>
-            <a:pPr marL="0" indent="0">
-              <a:buNone/>
-            </a:pPr>
-            <a:r>
-              <a:rPr lang="nl-NL" sz="2000" dirty="0">
-                <a:latin typeface="Consolas" panose="020B0609020204030204" pitchFamily="49" charset="0"/>
-                <a:cs typeface="Consolas" panose="020B0609020204030204" pitchFamily="49" charset="0"/>
-              </a:rPr>
-              <a:t>  }</a:t>
-            </a:r>
-          </a:p>
-          <a:p>
-            <a:pPr marL="0" indent="0">
-              <a:buNone/>
-            </a:pPr>
+              <a:t>Override</a:t>
+            </a:r>
             <a:endParaRPr lang="nl-NL" sz="2000" dirty="0">
               <a:latin typeface="Consolas" panose="020B0609020204030204" pitchFamily="49" charset="0"/>
               <a:cs typeface="Consolas" panose="020B0609020204030204" pitchFamily="49" charset="0"/>
@@ -3784,14 +3765,103 @@
                 <a:latin typeface="Consolas" panose="020B0609020204030204" pitchFamily="49" charset="0"/>
                 <a:cs typeface="Consolas" panose="020B0609020204030204" pitchFamily="49" charset="0"/>
               </a:rPr>
-              <a:t>  @</a:t>
+              <a:t> </a:t>
+            </a:r>
+            <a:r>
+              <a:rPr lang="nl-NL" sz="2000" dirty="0" smtClean="0">
+                <a:latin typeface="Consolas" panose="020B0609020204030204" pitchFamily="49" charset="0"/>
+                <a:cs typeface="Consolas" panose="020B0609020204030204" pitchFamily="49" charset="0"/>
+              </a:rPr>
+              <a:t>  public </a:t>
             </a:r>
             <a:r>
               <a:rPr lang="nl-NL" sz="2000" dirty="0" err="1">
                 <a:latin typeface="Consolas" panose="020B0609020204030204" pitchFamily="49" charset="0"/>
                 <a:cs typeface="Consolas" panose="020B0609020204030204" pitchFamily="49" charset="0"/>
               </a:rPr>
-              <a:t>Override</a:t>
+              <a:t>void</a:t>
+            </a:r>
+            <a:r>
+              <a:rPr lang="nl-NL" sz="2000" dirty="0">
+                <a:latin typeface="Consolas" panose="020B0609020204030204" pitchFamily="49" charset="0"/>
+                <a:cs typeface="Consolas" panose="020B0609020204030204" pitchFamily="49" charset="0"/>
+              </a:rPr>
+              <a:t> </a:t>
+            </a:r>
+            <a:r>
+              <a:rPr lang="nl-NL" sz="2000" dirty="0" err="1">
+                <a:latin typeface="Consolas" panose="020B0609020204030204" pitchFamily="49" charset="0"/>
+                <a:cs typeface="Consolas" panose="020B0609020204030204" pitchFamily="49" charset="0"/>
+              </a:rPr>
+              <a:t>onCompleted</a:t>
+            </a:r>
+            <a:r>
+              <a:rPr lang="nl-NL" sz="2000" dirty="0">
+                <a:latin typeface="Consolas" panose="020B0609020204030204" pitchFamily="49" charset="0"/>
+                <a:cs typeface="Consolas" panose="020B0609020204030204" pitchFamily="49" charset="0"/>
+              </a:rPr>
+              <a:t>() {</a:t>
+            </a:r>
+          </a:p>
+          <a:p>
+            <a:pPr marL="0" indent="0">
+              <a:buNone/>
+            </a:pPr>
+            <a:r>
+              <a:rPr lang="nl-NL" sz="2000" dirty="0">
+                <a:latin typeface="Consolas" panose="020B0609020204030204" pitchFamily="49" charset="0"/>
+                <a:cs typeface="Consolas" panose="020B0609020204030204" pitchFamily="49" charset="0"/>
+              </a:rPr>
+              <a:t> </a:t>
+            </a:r>
+            <a:r>
+              <a:rPr lang="nl-NL" sz="2000" dirty="0" smtClean="0">
+                <a:latin typeface="Consolas" panose="020B0609020204030204" pitchFamily="49" charset="0"/>
+                <a:cs typeface="Consolas" panose="020B0609020204030204" pitchFamily="49" charset="0"/>
+              </a:rPr>
+              <a:t>    </a:t>
+            </a:r>
+            <a:r>
+              <a:rPr lang="nl-NL" sz="2000" dirty="0" err="1" smtClean="0">
+                <a:latin typeface="Consolas" panose="020B0609020204030204" pitchFamily="49" charset="0"/>
+                <a:cs typeface="Consolas" panose="020B0609020204030204" pitchFamily="49" charset="0"/>
+              </a:rPr>
+              <a:t>responseObserver.onNext</a:t>
+            </a:r>
+            <a:r>
+              <a:rPr lang="nl-NL" sz="2000" dirty="0" smtClean="0">
+                <a:latin typeface="Consolas" panose="020B0609020204030204" pitchFamily="49" charset="0"/>
+                <a:cs typeface="Consolas" panose="020B0609020204030204" pitchFamily="49" charset="0"/>
+              </a:rPr>
+              <a:t>(</a:t>
+            </a:r>
+            <a:r>
+              <a:rPr lang="nl-NL" sz="2000" dirty="0" err="1" smtClean="0">
+                <a:latin typeface="Consolas" panose="020B0609020204030204" pitchFamily="49" charset="0"/>
+                <a:cs typeface="Consolas" panose="020B0609020204030204" pitchFamily="49" charset="0"/>
+              </a:rPr>
+              <a:t>RouteSummary.newBuilder</a:t>
+            </a:r>
+            <a:r>
+              <a:rPr lang="nl-NL" sz="2000" dirty="0" smtClean="0">
+                <a:latin typeface="Consolas" panose="020B0609020204030204" pitchFamily="49" charset="0"/>
+                <a:cs typeface="Consolas" panose="020B0609020204030204" pitchFamily="49" charset="0"/>
+              </a:rPr>
+              <a:t>()..</a:t>
+            </a:r>
+            <a:r>
+              <a:rPr lang="nl-NL" sz="2000" dirty="0" err="1" smtClean="0">
+                <a:latin typeface="Consolas" panose="020B0609020204030204" pitchFamily="49" charset="0"/>
+                <a:cs typeface="Consolas" panose="020B0609020204030204" pitchFamily="49" charset="0"/>
+              </a:rPr>
+              <a:t>build</a:t>
+            </a:r>
+            <a:r>
+              <a:rPr lang="nl-NL" sz="2000" dirty="0" smtClean="0">
+                <a:latin typeface="Consolas" panose="020B0609020204030204" pitchFamily="49" charset="0"/>
+                <a:cs typeface="Consolas" panose="020B0609020204030204" pitchFamily="49" charset="0"/>
+              </a:rPr>
+              <a:t>();</a:t>
             </a:r>
             <a:endParaRPr lang="nl-NL" sz="2000" dirty="0">
               <a:latin typeface="Consolas" panose="020B0609020204030204" pitchFamily="49" charset="0"/>
@@ -3807,93 +3877,82 @@
                 <a:latin typeface="Consolas" panose="020B0609020204030204" pitchFamily="49" charset="0"/>
                 <a:cs typeface="Consolas" panose="020B0609020204030204" pitchFamily="49" charset="0"/>
               </a:rPr>
-              <a:t>  public </a:t>
-            </a:r>
-            <a:r>
-              <a:rPr lang="nl-NL" sz="2000" dirty="0" err="1">
-                <a:latin typeface="Consolas" panose="020B0609020204030204" pitchFamily="49" charset="0"/>
-                <a:cs typeface="Consolas" panose="020B0609020204030204" pitchFamily="49" charset="0"/>
-              </a:rPr>
-              <a:t>void</a:t>
+              <a:t>  </a:t>
+            </a:r>
+            <a:r>
+              <a:rPr lang="nl-NL" sz="2000" dirty="0" smtClean="0">
+                <a:latin typeface="Consolas" panose="020B0609020204030204" pitchFamily="49" charset="0"/>
+                <a:cs typeface="Consolas" panose="020B0609020204030204" pitchFamily="49" charset="0"/>
+              </a:rPr>
+              <a:t>   </a:t>
+            </a:r>
+            <a:r>
+              <a:rPr lang="nl-NL" sz="2000" dirty="0" err="1" smtClean="0">
+                <a:latin typeface="Consolas" panose="020B0609020204030204" pitchFamily="49" charset="0"/>
+                <a:cs typeface="Consolas" panose="020B0609020204030204" pitchFamily="49" charset="0"/>
+              </a:rPr>
+              <a:t>responseObserver.onCompleted</a:t>
             </a:r>
             <a:r>
               <a:rPr lang="nl-NL" sz="2000" dirty="0">
                 <a:latin typeface="Consolas" panose="020B0609020204030204" pitchFamily="49" charset="0"/>
                 <a:cs typeface="Consolas" panose="020B0609020204030204" pitchFamily="49" charset="0"/>
               </a:rPr>
+              <a:t>();</a:t>
+            </a:r>
+          </a:p>
+          <a:p>
+            <a:pPr marL="0" indent="0">
+              <a:buNone/>
+            </a:pPr>
+            <a:r>
+              <a:rPr lang="nl-NL" sz="2000" dirty="0">
+                <a:latin typeface="Consolas" panose="020B0609020204030204" pitchFamily="49" charset="0"/>
+                <a:cs typeface="Consolas" panose="020B0609020204030204" pitchFamily="49" charset="0"/>
+              </a:rPr>
+              <a:t>  </a:t>
+            </a:r>
+            <a:r>
+              <a:rPr lang="nl-NL" sz="2000" dirty="0" smtClean="0">
+                <a:latin typeface="Consolas" panose="020B0609020204030204" pitchFamily="49" charset="0"/>
+                <a:cs typeface="Consolas" panose="020B0609020204030204" pitchFamily="49" charset="0"/>
+              </a:rPr>
+              <a:t>}</a:t>
+            </a:r>
+            <a:endParaRPr lang="nl-NL" sz="2000" dirty="0">
+              <a:latin typeface="Consolas" panose="020B0609020204030204" pitchFamily="49" charset="0"/>
+              <a:cs typeface="Consolas" panose="020B0609020204030204" pitchFamily="49" charset="0"/>
+            </a:endParaRPr>
+          </a:p>
+          <a:p>
+            <a:pPr marL="0" indent="0">
+              <a:buNone/>
+            </a:pPr>
+            <a:r>
+              <a:rPr lang="nl-NL" sz="2000" dirty="0">
+                <a:latin typeface="Consolas" panose="020B0609020204030204" pitchFamily="49" charset="0"/>
+                <a:cs typeface="Consolas" panose="020B0609020204030204" pitchFamily="49" charset="0"/>
+              </a:rPr>
               <a:t> </a:t>
             </a:r>
             <a:r>
-              <a:rPr lang="nl-NL" sz="2000" dirty="0" err="1">
-                <a:latin typeface="Consolas" panose="020B0609020204030204" pitchFamily="49" charset="0"/>
-                <a:cs typeface="Consolas" panose="020B0609020204030204" pitchFamily="49" charset="0"/>
-              </a:rPr>
-              <a:t>onCompleted</a:t>
-            </a:r>
-            <a:r>
-              <a:rPr lang="nl-NL" sz="2000" dirty="0">
-                <a:latin typeface="Consolas" panose="020B0609020204030204" pitchFamily="49" charset="0"/>
-                <a:cs typeface="Consolas" panose="020B0609020204030204" pitchFamily="49" charset="0"/>
-              </a:rPr>
-              <a:t>() {</a:t>
-            </a:r>
-          </a:p>
-          <a:p>
-            <a:pPr marL="0" indent="0">
-              <a:buNone/>
-            </a:pPr>
-            <a:r>
-              <a:rPr lang="nl-NL" sz="2000" dirty="0">
-                <a:latin typeface="Consolas" panose="020B0609020204030204" pitchFamily="49" charset="0"/>
-                <a:cs typeface="Consolas" panose="020B0609020204030204" pitchFamily="49" charset="0"/>
-              </a:rPr>
-              <a:t>    </a:t>
-            </a:r>
-            <a:r>
-              <a:rPr lang="nl-NL" sz="2000" dirty="0" err="1">
-                <a:latin typeface="Consolas" panose="020B0609020204030204" pitchFamily="49" charset="0"/>
-                <a:cs typeface="Consolas" panose="020B0609020204030204" pitchFamily="49" charset="0"/>
-              </a:rPr>
-              <a:t>responseObserver.onCompleted</a:t>
-            </a:r>
-            <a:r>
-              <a:rPr lang="nl-NL" sz="2000" dirty="0">
-                <a:latin typeface="Consolas" panose="020B0609020204030204" pitchFamily="49" charset="0"/>
-                <a:cs typeface="Consolas" panose="020B0609020204030204" pitchFamily="49" charset="0"/>
-              </a:rPr>
-              <a:t>();</a:t>
-            </a:r>
-          </a:p>
-          <a:p>
-            <a:pPr marL="0" indent="0">
-              <a:buNone/>
-            </a:pPr>
-            <a:r>
-              <a:rPr lang="nl-NL" sz="2000" dirty="0">
-                <a:latin typeface="Consolas" panose="020B0609020204030204" pitchFamily="49" charset="0"/>
-                <a:cs typeface="Consolas" panose="020B0609020204030204" pitchFamily="49" charset="0"/>
-              </a:rPr>
-              <a:t>  }</a:t>
-            </a:r>
-          </a:p>
-          <a:p>
-            <a:pPr marL="0" indent="0">
-              <a:buNone/>
-            </a:pPr>
-            <a:r>
-              <a:rPr lang="nl-NL" sz="2000" dirty="0">
+              <a:rPr lang="nl-NL" sz="2000" dirty="0" smtClean="0">
                 <a:latin typeface="Consolas" panose="020B0609020204030204" pitchFamily="49" charset="0"/>
                 <a:cs typeface="Consolas" panose="020B0609020204030204" pitchFamily="49" charset="0"/>
               </a:rPr>
               <a:t>};</a:t>
             </a:r>
+            <a:endParaRPr lang="nl-NL" sz="2000" dirty="0">
+              <a:latin typeface="Consolas" panose="020B0609020204030204" pitchFamily="49" charset="0"/>
+              <a:cs typeface="Consolas" panose="020B0609020204030204" pitchFamily="49" charset="0"/>
+            </a:endParaRPr>
           </a:p>
         </p:txBody>
       </p:sp>
     </p:spTree>
     <p:extLst>
       <p:ext uri="{BB962C8B-B14F-4D97-AF65-F5344CB8AC3E}">
-        <p14:creationId xmlns:p14="http://schemas.microsoft.com/office/powerpoint/2010/main" val="2349294803"/>
+        <p14:creationId xmlns:p14="http://schemas.microsoft.com/office/powerpoint/2010/main" val="293693459"/>
       </p:ext>
     </p:extLst>
   </p:cSld>
@@ -3943,8 +4002,20 @@
           <a:lstStyle/>
           <a:p>
             <a:r>
+              <a:rPr lang="nl-NL" sz="2800" dirty="0" err="1" smtClean="0"/>
+              <a:t>Implement</a:t>
+            </a:r>
+            <a:r>
               <a:rPr lang="nl-NL" sz="2800" dirty="0" smtClean="0"/>
-              <a:t>Hands-on</a:t>
+              <a:t> </a:t>
+            </a:r>
+            <a:r>
+              <a:rPr lang="nl-NL" sz="2800" dirty="0" err="1" smtClean="0"/>
+              <a:t>grpc</a:t>
+            </a:r>
+            <a:r>
+              <a:rPr lang="nl-NL" sz="2800" dirty="0" smtClean="0"/>
+              <a:t> code vervolg .. 4</a:t>
             </a:r>
             <a:endParaRPr lang="nl-NL" sz="2800" dirty="0"/>
           </a:p>
@@ -3973,10 +4044,632 @@
         </p:spPr>
         <p:txBody>
           <a:bodyPr>
+            <a:normAutofit fontScale="92500" lnSpcReduction="20000"/>
+          </a:bodyPr>
+          <a:lstStyle/>
+          <a:p>
+            <a:pPr marL="0" indent="0">
+              <a:buNone/>
+            </a:pPr>
+            <a:r>
+              <a:rPr lang="nl-NL" sz="2400" dirty="0" smtClean="0">
+                <a:solidFill>
+                  <a:schemeClr val="tx2"/>
+                </a:solidFill>
+              </a:rPr>
+              <a:t>Server, </a:t>
+            </a:r>
+            <a:r>
+              <a:rPr lang="nl-NL" sz="2400" dirty="0" err="1" smtClean="0">
+                <a:solidFill>
+                  <a:schemeClr val="tx2"/>
+                </a:solidFill>
+              </a:rPr>
+              <a:t>implement</a:t>
+            </a:r>
+            <a:r>
+              <a:rPr lang="nl-NL" sz="2400" dirty="0" smtClean="0">
+                <a:solidFill>
+                  <a:schemeClr val="tx2"/>
+                </a:solidFill>
+              </a:rPr>
+              <a:t> services:</a:t>
+            </a:r>
+          </a:p>
+          <a:p>
+            <a:pPr marL="0" indent="0">
+              <a:buNone/>
+            </a:pPr>
+            <a:r>
+              <a:rPr lang="nl-NL" sz="2000" dirty="0" smtClean="0">
+                <a:solidFill>
+                  <a:schemeClr val="tx2"/>
+                </a:solidFill>
+              </a:rPr>
+              <a:t>Voorbeeld: </a:t>
+            </a:r>
+            <a:r>
+              <a:rPr lang="en-US" sz="1800" dirty="0" err="1"/>
+              <a:t>rpc</a:t>
+            </a:r>
+            <a:r>
+              <a:rPr lang="en-US" sz="1800" dirty="0"/>
+              <a:t> </a:t>
+            </a:r>
+            <a:r>
+              <a:rPr lang="en-US" sz="1800" dirty="0" err="1"/>
+              <a:t>RouteChat</a:t>
+            </a:r>
+            <a:r>
+              <a:rPr lang="en-US" sz="1800" dirty="0"/>
+              <a:t>(stream </a:t>
+            </a:r>
+            <a:r>
+              <a:rPr lang="en-US" sz="1800" dirty="0" err="1" smtClean="0"/>
+              <a:t>RouteNote</a:t>
+            </a:r>
+            <a:r>
+              <a:rPr lang="en-US" sz="1800" dirty="0" smtClean="0"/>
+              <a:t>) </a:t>
+            </a:r>
+            <a:r>
+              <a:rPr lang="en-US" sz="1800" dirty="0"/>
+              <a:t>returns (stream </a:t>
+            </a:r>
+            <a:r>
+              <a:rPr lang="en-US" sz="1800" dirty="0" err="1"/>
+              <a:t>RouteNote</a:t>
+            </a:r>
+            <a:r>
+              <a:rPr lang="en-US" sz="1800" dirty="0" smtClean="0"/>
+              <a:t>) </a:t>
+            </a:r>
+            <a:r>
+              <a:rPr lang="en-US" sz="1800" dirty="0"/>
+              <a:t>{}</a:t>
+            </a:r>
+            <a:endParaRPr lang="nl-NL" sz="2000" dirty="0" smtClean="0">
+              <a:solidFill>
+                <a:schemeClr val="tx2"/>
+              </a:solidFill>
+            </a:endParaRPr>
+          </a:p>
+          <a:p>
+            <a:pPr marL="0" indent="0">
+              <a:buNone/>
+            </a:pPr>
+            <a:endParaRPr lang="nl-NL" sz="2000" dirty="0" smtClean="0">
+              <a:latin typeface="Consolas" panose="020B0609020204030204" pitchFamily="49" charset="0"/>
+              <a:cs typeface="Consolas" panose="020B0609020204030204" pitchFamily="49" charset="0"/>
+            </a:endParaRPr>
+          </a:p>
+          <a:p>
+            <a:pPr marL="0" indent="0">
+              <a:buNone/>
+            </a:pPr>
+            <a:r>
+              <a:rPr lang="nl-NL" sz="2000" dirty="0" smtClean="0">
+                <a:latin typeface="Consolas" panose="020B0609020204030204" pitchFamily="49" charset="0"/>
+                <a:cs typeface="Consolas" panose="020B0609020204030204" pitchFamily="49" charset="0"/>
+              </a:rPr>
+              <a:t>return </a:t>
+            </a:r>
+            <a:r>
+              <a:rPr lang="nl-NL" sz="2000" dirty="0">
+                <a:latin typeface="Consolas" panose="020B0609020204030204" pitchFamily="49" charset="0"/>
+                <a:cs typeface="Consolas" panose="020B0609020204030204" pitchFamily="49" charset="0"/>
+              </a:rPr>
+              <a:t>new </a:t>
+            </a:r>
+            <a:r>
+              <a:rPr lang="nl-NL" sz="2000" dirty="0" err="1" smtClean="0">
+                <a:latin typeface="Consolas" panose="020B0609020204030204" pitchFamily="49" charset="0"/>
+                <a:cs typeface="Consolas" panose="020B0609020204030204" pitchFamily="49" charset="0"/>
+              </a:rPr>
+              <a:t>StreamObserver</a:t>
+            </a:r>
+            <a:r>
+              <a:rPr lang="nl-NL" sz="2000" dirty="0" smtClean="0">
+                <a:latin typeface="Consolas" panose="020B0609020204030204" pitchFamily="49" charset="0"/>
+                <a:cs typeface="Consolas" panose="020B0609020204030204" pitchFamily="49" charset="0"/>
+              </a:rPr>
+              <a:t>&lt;</a:t>
+            </a:r>
+            <a:r>
+              <a:rPr lang="en-US" sz="2000" dirty="0" err="1" smtClean="0"/>
+              <a:t>RouteNote</a:t>
+            </a:r>
+            <a:r>
+              <a:rPr lang="nl-NL" sz="2000" dirty="0" smtClean="0">
+                <a:latin typeface="Consolas" panose="020B0609020204030204" pitchFamily="49" charset="0"/>
+                <a:cs typeface="Consolas" panose="020B0609020204030204" pitchFamily="49" charset="0"/>
+              </a:rPr>
+              <a:t>&gt;() </a:t>
+            </a:r>
+            <a:r>
+              <a:rPr lang="nl-NL" sz="2000" dirty="0">
+                <a:latin typeface="Consolas" panose="020B0609020204030204" pitchFamily="49" charset="0"/>
+                <a:cs typeface="Consolas" panose="020B0609020204030204" pitchFamily="49" charset="0"/>
+              </a:rPr>
+              <a:t>{</a:t>
+            </a:r>
+          </a:p>
+          <a:p>
+            <a:pPr marL="0" indent="0">
+              <a:buNone/>
+            </a:pPr>
+            <a:r>
+              <a:rPr lang="nl-NL" sz="2000" dirty="0">
+                <a:latin typeface="Consolas" panose="020B0609020204030204" pitchFamily="49" charset="0"/>
+                <a:cs typeface="Consolas" panose="020B0609020204030204" pitchFamily="49" charset="0"/>
+              </a:rPr>
+              <a:t>  @</a:t>
+            </a:r>
+            <a:r>
+              <a:rPr lang="nl-NL" sz="2000" dirty="0" err="1">
+                <a:latin typeface="Consolas" panose="020B0609020204030204" pitchFamily="49" charset="0"/>
+                <a:cs typeface="Consolas" panose="020B0609020204030204" pitchFamily="49" charset="0"/>
+              </a:rPr>
+              <a:t>Override</a:t>
+            </a:r>
+            <a:endParaRPr lang="nl-NL" sz="2000" dirty="0">
+              <a:latin typeface="Consolas" panose="020B0609020204030204" pitchFamily="49" charset="0"/>
+              <a:cs typeface="Consolas" panose="020B0609020204030204" pitchFamily="49" charset="0"/>
+            </a:endParaRPr>
+          </a:p>
+          <a:p>
+            <a:pPr marL="0" indent="0">
+              <a:buNone/>
+            </a:pPr>
+            <a:r>
+              <a:rPr lang="nl-NL" sz="2000" dirty="0">
+                <a:latin typeface="Consolas" panose="020B0609020204030204" pitchFamily="49" charset="0"/>
+                <a:cs typeface="Consolas" panose="020B0609020204030204" pitchFamily="49" charset="0"/>
+              </a:rPr>
+              <a:t>  public </a:t>
+            </a:r>
+            <a:r>
+              <a:rPr lang="nl-NL" sz="2000" dirty="0" err="1">
+                <a:latin typeface="Consolas" panose="020B0609020204030204" pitchFamily="49" charset="0"/>
+                <a:cs typeface="Consolas" panose="020B0609020204030204" pitchFamily="49" charset="0"/>
+              </a:rPr>
+              <a:t>void</a:t>
+            </a:r>
+            <a:r>
+              <a:rPr lang="nl-NL" sz="2000" dirty="0">
+                <a:latin typeface="Consolas" panose="020B0609020204030204" pitchFamily="49" charset="0"/>
+                <a:cs typeface="Consolas" panose="020B0609020204030204" pitchFamily="49" charset="0"/>
+              </a:rPr>
+              <a:t> </a:t>
+            </a:r>
+            <a:r>
+              <a:rPr lang="nl-NL" sz="2000" dirty="0" err="1" smtClean="0">
+                <a:latin typeface="Consolas" panose="020B0609020204030204" pitchFamily="49" charset="0"/>
+                <a:cs typeface="Consolas" panose="020B0609020204030204" pitchFamily="49" charset="0"/>
+              </a:rPr>
+              <a:t>onNext</a:t>
+            </a:r>
+            <a:r>
+              <a:rPr lang="nl-NL" sz="2000" dirty="0" smtClean="0">
+                <a:latin typeface="Consolas" panose="020B0609020204030204" pitchFamily="49" charset="0"/>
+                <a:cs typeface="Consolas" panose="020B0609020204030204" pitchFamily="49" charset="0"/>
+              </a:rPr>
+              <a:t>(</a:t>
+            </a:r>
+            <a:r>
+              <a:rPr lang="en-US" sz="2000" dirty="0" err="1"/>
+              <a:t>RouteNote</a:t>
+            </a:r>
+            <a:r>
+              <a:rPr lang="en-US" sz="2000" dirty="0"/>
+              <a:t> </a:t>
+            </a:r>
+            <a:r>
+              <a:rPr lang="nl-NL" sz="2000" dirty="0" err="1" smtClean="0">
+                <a:latin typeface="Consolas" panose="020B0609020204030204" pitchFamily="49" charset="0"/>
+                <a:cs typeface="Consolas" panose="020B0609020204030204" pitchFamily="49" charset="0"/>
+              </a:rPr>
+              <a:t>note</a:t>
+            </a:r>
+            <a:r>
+              <a:rPr lang="nl-NL" sz="2000" dirty="0">
+                <a:latin typeface="Consolas" panose="020B0609020204030204" pitchFamily="49" charset="0"/>
+                <a:cs typeface="Consolas" panose="020B0609020204030204" pitchFamily="49" charset="0"/>
+              </a:rPr>
+              <a:t>) {</a:t>
+            </a:r>
+          </a:p>
+          <a:p>
+            <a:pPr marL="0" indent="0">
+              <a:buNone/>
+            </a:pPr>
+            <a:r>
+              <a:rPr lang="nl-NL" sz="2000" dirty="0">
+                <a:latin typeface="Consolas" panose="020B0609020204030204" pitchFamily="49" charset="0"/>
+                <a:cs typeface="Consolas" panose="020B0609020204030204" pitchFamily="49" charset="0"/>
+              </a:rPr>
+              <a:t>      ...</a:t>
+            </a:r>
+          </a:p>
+          <a:p>
+            <a:pPr marL="0" indent="0">
+              <a:buNone/>
+            </a:pPr>
+            <a:r>
+              <a:rPr lang="nl-NL" sz="2000" dirty="0">
+                <a:latin typeface="Consolas" panose="020B0609020204030204" pitchFamily="49" charset="0"/>
+                <a:cs typeface="Consolas" panose="020B0609020204030204" pitchFamily="49" charset="0"/>
+              </a:rPr>
+              <a:t>      </a:t>
+            </a:r>
+            <a:r>
+              <a:rPr lang="nl-NL" sz="2000" dirty="0" err="1" smtClean="0">
+                <a:latin typeface="Consolas" panose="020B0609020204030204" pitchFamily="49" charset="0"/>
+                <a:cs typeface="Consolas" panose="020B0609020204030204" pitchFamily="49" charset="0"/>
+              </a:rPr>
+              <a:t>responseObserver.onNext</a:t>
+            </a:r>
+            <a:r>
+              <a:rPr lang="nl-NL" sz="2000" dirty="0" smtClean="0">
+                <a:latin typeface="Consolas" panose="020B0609020204030204" pitchFamily="49" charset="0"/>
+                <a:cs typeface="Consolas" panose="020B0609020204030204" pitchFamily="49" charset="0"/>
+              </a:rPr>
+              <a:t>(</a:t>
+            </a:r>
+            <a:r>
+              <a:rPr lang="nl-NL" sz="2000" dirty="0" err="1" smtClean="0">
+                <a:latin typeface="Consolas" panose="020B0609020204030204" pitchFamily="49" charset="0"/>
+                <a:cs typeface="Consolas" panose="020B0609020204030204" pitchFamily="49" charset="0"/>
+              </a:rPr>
+              <a:t>RouteNote</a:t>
+            </a:r>
+            <a:r>
+              <a:rPr lang="nl-NL" sz="2000" dirty="0" smtClean="0">
+                <a:latin typeface="Consolas" panose="020B0609020204030204" pitchFamily="49" charset="0"/>
+                <a:cs typeface="Consolas" panose="020B0609020204030204" pitchFamily="49" charset="0"/>
+              </a:rPr>
+              <a:t>..</a:t>
+            </a:r>
+            <a:r>
+              <a:rPr lang="nl-NL" sz="2000" dirty="0" err="1" smtClean="0">
+                <a:latin typeface="Consolas" panose="020B0609020204030204" pitchFamily="49" charset="0"/>
+                <a:cs typeface="Consolas" panose="020B0609020204030204" pitchFamily="49" charset="0"/>
+              </a:rPr>
+              <a:t>build</a:t>
+            </a:r>
+            <a:r>
+              <a:rPr lang="nl-NL" sz="2000" dirty="0" smtClean="0">
+                <a:latin typeface="Consolas" panose="020B0609020204030204" pitchFamily="49" charset="0"/>
+                <a:cs typeface="Consolas" panose="020B0609020204030204" pitchFamily="49" charset="0"/>
+              </a:rPr>
+              <a:t>());</a:t>
+            </a:r>
+            <a:endParaRPr lang="nl-NL" sz="2000" dirty="0">
+              <a:latin typeface="Consolas" panose="020B0609020204030204" pitchFamily="49" charset="0"/>
+              <a:cs typeface="Consolas" panose="020B0609020204030204" pitchFamily="49" charset="0"/>
+            </a:endParaRPr>
+          </a:p>
+          <a:p>
+            <a:pPr marL="0" indent="0">
+              <a:buNone/>
+            </a:pPr>
+            <a:r>
+              <a:rPr lang="nl-NL" sz="2000" dirty="0">
+                <a:latin typeface="Consolas" panose="020B0609020204030204" pitchFamily="49" charset="0"/>
+                <a:cs typeface="Consolas" panose="020B0609020204030204" pitchFamily="49" charset="0"/>
+              </a:rPr>
+              <a:t>  }</a:t>
+            </a:r>
+          </a:p>
+          <a:p>
+            <a:pPr marL="0" indent="0">
+              <a:buNone/>
+            </a:pPr>
+            <a:endParaRPr lang="nl-NL" sz="2000" dirty="0">
+              <a:latin typeface="Consolas" panose="020B0609020204030204" pitchFamily="49" charset="0"/>
+              <a:cs typeface="Consolas" panose="020B0609020204030204" pitchFamily="49" charset="0"/>
+            </a:endParaRPr>
+          </a:p>
+          <a:p>
+            <a:pPr marL="0" indent="0">
+              <a:buNone/>
+            </a:pPr>
+            <a:r>
+              <a:rPr lang="nl-NL" sz="2000" dirty="0">
+                <a:latin typeface="Consolas" panose="020B0609020204030204" pitchFamily="49" charset="0"/>
+                <a:cs typeface="Consolas" panose="020B0609020204030204" pitchFamily="49" charset="0"/>
+              </a:rPr>
+              <a:t>  @</a:t>
+            </a:r>
+            <a:r>
+              <a:rPr lang="nl-NL" sz="2000" dirty="0" err="1">
+                <a:latin typeface="Consolas" panose="020B0609020204030204" pitchFamily="49" charset="0"/>
+                <a:cs typeface="Consolas" panose="020B0609020204030204" pitchFamily="49" charset="0"/>
+              </a:rPr>
+              <a:t>Override</a:t>
+            </a:r>
+            <a:endParaRPr lang="nl-NL" sz="2000" dirty="0">
+              <a:latin typeface="Consolas" panose="020B0609020204030204" pitchFamily="49" charset="0"/>
+              <a:cs typeface="Consolas" panose="020B0609020204030204" pitchFamily="49" charset="0"/>
+            </a:endParaRPr>
+          </a:p>
+          <a:p>
+            <a:pPr marL="0" indent="0">
+              <a:buNone/>
+            </a:pPr>
+            <a:r>
+              <a:rPr lang="nl-NL" sz="2000" dirty="0">
+                <a:latin typeface="Consolas" panose="020B0609020204030204" pitchFamily="49" charset="0"/>
+                <a:cs typeface="Consolas" panose="020B0609020204030204" pitchFamily="49" charset="0"/>
+              </a:rPr>
+              <a:t>  public </a:t>
+            </a:r>
+            <a:r>
+              <a:rPr lang="nl-NL" sz="2000" dirty="0" err="1">
+                <a:latin typeface="Consolas" panose="020B0609020204030204" pitchFamily="49" charset="0"/>
+                <a:cs typeface="Consolas" panose="020B0609020204030204" pitchFamily="49" charset="0"/>
+              </a:rPr>
+              <a:t>void</a:t>
+            </a:r>
+            <a:r>
+              <a:rPr lang="nl-NL" sz="2000" dirty="0">
+                <a:latin typeface="Consolas" panose="020B0609020204030204" pitchFamily="49" charset="0"/>
+                <a:cs typeface="Consolas" panose="020B0609020204030204" pitchFamily="49" charset="0"/>
+              </a:rPr>
+              <a:t> </a:t>
+            </a:r>
+            <a:r>
+              <a:rPr lang="nl-NL" sz="2000" dirty="0" err="1">
+                <a:latin typeface="Consolas" panose="020B0609020204030204" pitchFamily="49" charset="0"/>
+                <a:cs typeface="Consolas" panose="020B0609020204030204" pitchFamily="49" charset="0"/>
+              </a:rPr>
+              <a:t>onError</a:t>
+            </a:r>
+            <a:r>
+              <a:rPr lang="nl-NL" sz="2000" dirty="0">
+                <a:latin typeface="Consolas" panose="020B0609020204030204" pitchFamily="49" charset="0"/>
+                <a:cs typeface="Consolas" panose="020B0609020204030204" pitchFamily="49" charset="0"/>
+              </a:rPr>
+              <a:t>(</a:t>
+            </a:r>
+            <a:r>
+              <a:rPr lang="nl-NL" sz="2000" dirty="0" err="1">
+                <a:latin typeface="Consolas" panose="020B0609020204030204" pitchFamily="49" charset="0"/>
+                <a:cs typeface="Consolas" panose="020B0609020204030204" pitchFamily="49" charset="0"/>
+              </a:rPr>
+              <a:t>Throwable</a:t>
+            </a:r>
+            <a:r>
+              <a:rPr lang="nl-NL" sz="2000" dirty="0">
+                <a:latin typeface="Consolas" panose="020B0609020204030204" pitchFamily="49" charset="0"/>
+                <a:cs typeface="Consolas" panose="020B0609020204030204" pitchFamily="49" charset="0"/>
+              </a:rPr>
+              <a:t> t) {</a:t>
+            </a:r>
+          </a:p>
+          <a:p>
+            <a:pPr marL="0" indent="0">
+              <a:buNone/>
+            </a:pPr>
+            <a:r>
+              <a:rPr lang="nl-NL" sz="2000" dirty="0">
+                <a:latin typeface="Consolas" panose="020B0609020204030204" pitchFamily="49" charset="0"/>
+                <a:cs typeface="Consolas" panose="020B0609020204030204" pitchFamily="49" charset="0"/>
+              </a:rPr>
+              <a:t>  }</a:t>
+            </a:r>
+          </a:p>
+          <a:p>
+            <a:pPr marL="0" indent="0">
+              <a:buNone/>
+            </a:pPr>
+            <a:endParaRPr lang="nl-NL" sz="2000" dirty="0">
+              <a:latin typeface="Consolas" panose="020B0609020204030204" pitchFamily="49" charset="0"/>
+              <a:cs typeface="Consolas" panose="020B0609020204030204" pitchFamily="49" charset="0"/>
+            </a:endParaRPr>
+          </a:p>
+          <a:p>
+            <a:pPr marL="0" indent="0">
+              <a:buNone/>
+            </a:pPr>
+            <a:r>
+              <a:rPr lang="nl-NL" sz="2000" dirty="0">
+                <a:latin typeface="Consolas" panose="020B0609020204030204" pitchFamily="49" charset="0"/>
+                <a:cs typeface="Consolas" panose="020B0609020204030204" pitchFamily="49" charset="0"/>
+              </a:rPr>
+              <a:t>  @</a:t>
+            </a:r>
+            <a:r>
+              <a:rPr lang="nl-NL" sz="2000" dirty="0" err="1">
+                <a:latin typeface="Consolas" panose="020B0609020204030204" pitchFamily="49" charset="0"/>
+                <a:cs typeface="Consolas" panose="020B0609020204030204" pitchFamily="49" charset="0"/>
+              </a:rPr>
+              <a:t>Override</a:t>
+            </a:r>
+            <a:endParaRPr lang="nl-NL" sz="2000" dirty="0">
+              <a:latin typeface="Consolas" panose="020B0609020204030204" pitchFamily="49" charset="0"/>
+              <a:cs typeface="Consolas" panose="020B0609020204030204" pitchFamily="49" charset="0"/>
+            </a:endParaRPr>
+          </a:p>
+          <a:p>
+            <a:pPr marL="0" indent="0">
+              <a:buNone/>
+            </a:pPr>
+            <a:r>
+              <a:rPr lang="nl-NL" sz="2000" dirty="0">
+                <a:latin typeface="Consolas" panose="020B0609020204030204" pitchFamily="49" charset="0"/>
+                <a:cs typeface="Consolas" panose="020B0609020204030204" pitchFamily="49" charset="0"/>
+              </a:rPr>
+              <a:t>  public </a:t>
+            </a:r>
+            <a:r>
+              <a:rPr lang="nl-NL" sz="2000" dirty="0" err="1">
+                <a:latin typeface="Consolas" panose="020B0609020204030204" pitchFamily="49" charset="0"/>
+                <a:cs typeface="Consolas" panose="020B0609020204030204" pitchFamily="49" charset="0"/>
+              </a:rPr>
+              <a:t>void</a:t>
+            </a:r>
+            <a:r>
+              <a:rPr lang="nl-NL" sz="2000" dirty="0">
+                <a:latin typeface="Consolas" panose="020B0609020204030204" pitchFamily="49" charset="0"/>
+                <a:cs typeface="Consolas" panose="020B0609020204030204" pitchFamily="49" charset="0"/>
+              </a:rPr>
+              <a:t> </a:t>
+            </a:r>
+            <a:r>
+              <a:rPr lang="nl-NL" sz="2000" dirty="0" err="1">
+                <a:latin typeface="Consolas" panose="020B0609020204030204" pitchFamily="49" charset="0"/>
+                <a:cs typeface="Consolas" panose="020B0609020204030204" pitchFamily="49" charset="0"/>
+              </a:rPr>
+              <a:t>onCompleted</a:t>
+            </a:r>
+            <a:r>
+              <a:rPr lang="nl-NL" sz="2000" dirty="0">
+                <a:latin typeface="Consolas" panose="020B0609020204030204" pitchFamily="49" charset="0"/>
+                <a:cs typeface="Consolas" panose="020B0609020204030204" pitchFamily="49" charset="0"/>
+              </a:rPr>
+              <a:t>() {</a:t>
+            </a:r>
+          </a:p>
+          <a:p>
+            <a:pPr marL="0" indent="0">
+              <a:buNone/>
+            </a:pPr>
+            <a:r>
+              <a:rPr lang="nl-NL" sz="2000" dirty="0">
+                <a:latin typeface="Consolas" panose="020B0609020204030204" pitchFamily="49" charset="0"/>
+                <a:cs typeface="Consolas" panose="020B0609020204030204" pitchFamily="49" charset="0"/>
+              </a:rPr>
+              <a:t>    </a:t>
+            </a:r>
+            <a:r>
+              <a:rPr lang="nl-NL" sz="2000" dirty="0" err="1">
+                <a:latin typeface="Consolas" panose="020B0609020204030204" pitchFamily="49" charset="0"/>
+                <a:cs typeface="Consolas" panose="020B0609020204030204" pitchFamily="49" charset="0"/>
+              </a:rPr>
+              <a:t>responseObserver.onCompleted</a:t>
+            </a:r>
+            <a:r>
+              <a:rPr lang="nl-NL" sz="2000" dirty="0">
+                <a:latin typeface="Consolas" panose="020B0609020204030204" pitchFamily="49" charset="0"/>
+                <a:cs typeface="Consolas" panose="020B0609020204030204" pitchFamily="49" charset="0"/>
+              </a:rPr>
+              <a:t>();</a:t>
+            </a:r>
+          </a:p>
+          <a:p>
+            <a:pPr marL="0" indent="0">
+              <a:buNone/>
+            </a:pPr>
+            <a:r>
+              <a:rPr lang="nl-NL" sz="2000" dirty="0">
+                <a:latin typeface="Consolas" panose="020B0609020204030204" pitchFamily="49" charset="0"/>
+                <a:cs typeface="Consolas" panose="020B0609020204030204" pitchFamily="49" charset="0"/>
+              </a:rPr>
+              <a:t>  }</a:t>
+            </a:r>
+          </a:p>
+          <a:p>
+            <a:pPr marL="0" indent="0">
+              <a:buNone/>
+            </a:pPr>
+            <a:r>
+              <a:rPr lang="nl-NL" sz="2000" dirty="0">
+                <a:latin typeface="Consolas" panose="020B0609020204030204" pitchFamily="49" charset="0"/>
+                <a:cs typeface="Consolas" panose="020B0609020204030204" pitchFamily="49" charset="0"/>
+              </a:rPr>
+              <a:t>};</a:t>
+            </a:r>
+          </a:p>
+        </p:txBody>
+      </p:sp>
+    </p:spTree>
+    <p:extLst>
+      <p:ext uri="{BB962C8B-B14F-4D97-AF65-F5344CB8AC3E}">
+        <p14:creationId xmlns:p14="http://schemas.microsoft.com/office/powerpoint/2010/main" val="2349294803"/>
+      </p:ext>
+    </p:extLst>
+  </p:cSld>
+  <p:clrMapOvr>
+    <a:masterClrMapping/>
+  </p:clrMapOvr>
+</p:sld>
+</file>
+
+<file path=ppt/slides/slide12.xml><?xml version="1.0" encoding="utf-8"?>
+<p:sld xmlns:a="http://schemas.openxmlformats.org/drawingml/2006/main" xmlns:r="http://schemas.openxmlformats.org/officeDocument/2006/relationships" xmlns:p="http://schemas.openxmlformats.org/presentationml/2006/main">
+  <p:cSld>
+    <p:spTree>
+      <p:nvGrpSpPr>
+        <p:cNvPr id="1" name=""/>
+        <p:cNvGrpSpPr/>
+        <p:nvPr/>
+      </p:nvGrpSpPr>
+      <p:grpSpPr>
+        <a:xfrm>
+          <a:off x="0" y="0"/>
+          <a:ext cx="0" cy="0"/>
+          <a:chOff x="0" y="0"/>
+          <a:chExt cx="0" cy="0"/>
+        </a:xfrm>
+      </p:grpSpPr>
+      <p:sp>
+        <p:nvSpPr>
+          <p:cNvPr id="2" name="Title 1"/>
+          <p:cNvSpPr>
+            <a:spLocks noGrp="1"/>
+          </p:cNvSpPr>
+          <p:nvPr>
+            <p:ph type="title"/>
+          </p:nvPr>
+        </p:nvSpPr>
+        <p:spPr>
+          <a:xfrm>
+            <a:off x="457200" y="274638"/>
+            <a:ext cx="8229600" cy="562074"/>
+          </a:xfrm>
+        </p:spPr>
+        <p:txBody>
+          <a:bodyPr>
             <a:normAutofit/>
           </a:bodyPr>
           <a:lstStyle/>
           <a:p>
+            <a:r>
+              <a:rPr lang="nl-NL" sz="2800" dirty="0" smtClean="0"/>
+              <a:t>Hands-on</a:t>
+            </a:r>
+            <a:endParaRPr lang="nl-NL" sz="2800" dirty="0"/>
+          </a:p>
+        </p:txBody>
+      </p:sp>
+      <p:sp>
+        <p:nvSpPr>
+          <p:cNvPr id="3" name="Content Placeholder 2"/>
+          <p:cNvSpPr>
+            <a:spLocks noGrp="1"/>
+          </p:cNvSpPr>
+          <p:nvPr>
+            <p:ph idx="1"/>
+          </p:nvPr>
+        </p:nvSpPr>
+        <p:spPr>
+          <a:xfrm>
+            <a:off x="467544" y="908720"/>
+            <a:ext cx="8424936" cy="5688632"/>
+          </a:xfrm>
+          <a:ln>
+            <a:solidFill>
+              <a:schemeClr val="tx1"/>
+            </a:solidFill>
+          </a:ln>
+        </p:spPr>
+        <p:txBody>
+          <a:bodyPr>
+            <a:normAutofit/>
+          </a:bodyPr>
+          <a:lstStyle/>
+          <a:p>
             <a:pPr marL="0" indent="0">
               <a:buNone/>
             </a:pPr>
@@ -3999,15 +4692,7 @@
                   <a:schemeClr val="tx2"/>
                 </a:solidFill>
               </a:rPr>
-              <a:t>d</a:t>
-            </a:r>
-            <a:r>
-              <a:rPr lang="nl-NL" sz="2400" dirty="0" err="1" smtClean="0">
-                <a:solidFill>
-                  <a:schemeClr val="tx2"/>
-                </a:solidFill>
-              </a:rPr>
-              <a:t>oc</a:t>
+              <a:t>doc</a:t>
             </a:r>
             <a:r>
               <a:rPr lang="nl-NL" sz="2400" dirty="0" smtClean="0">
@@ -4377,11 +5062,7 @@
           <a:p>
             <a:r>
               <a:rPr lang="nl-NL" dirty="0" smtClean="0"/>
-              <a:t>Heeft de voordelen </a:t>
-            </a:r>
-            <a:r>
-              <a:rPr lang="nl-NL" dirty="0" smtClean="0"/>
-              <a:t>van </a:t>
+              <a:t>Heeft de voordelen van </a:t>
             </a:r>
             <a:r>
               <a:rPr lang="nl-NL" dirty="0" err="1" smtClean="0"/>
@@ -4389,11 +5070,7 @@
             </a:r>
             <a:r>
               <a:rPr lang="nl-NL" dirty="0" smtClean="0"/>
-              <a:t> </a:t>
-            </a:r>
-            <a:r>
-              <a:rPr lang="nl-NL" dirty="0" smtClean="0"/>
-              <a:t>:</a:t>
+              <a:t> :</a:t>
             </a:r>
             <a:br>
               <a:rPr lang="nl-NL" dirty="0" smtClean="0"/>
@@ -5066,7 +5743,7 @@
         </p:spPr>
         <p:txBody>
           <a:bodyPr>
-            <a:normAutofit fontScale="92500" lnSpcReduction="10000"/>
+            <a:normAutofit/>
           </a:bodyPr>
           <a:lstStyle/>
           <a:p>
@@ -5074,17 +5751,38 @@
               <a:buNone/>
             </a:pPr>
             <a:r>
+              <a:rPr lang="nl-NL" sz="1900" dirty="0" smtClean="0">
+                <a:latin typeface="Consolas" panose="020B0609020204030204" pitchFamily="49" charset="0"/>
+                <a:cs typeface="Consolas" panose="020B0609020204030204" pitchFamily="49" charset="0"/>
+              </a:rPr>
+              <a:t>// ‘</a:t>
+            </a:r>
+            <a:r>
               <a:rPr lang="nl-NL" sz="1900" dirty="0" err="1" smtClean="0">
                 <a:latin typeface="Consolas" panose="020B0609020204030204" pitchFamily="49" charset="0"/>
                 <a:cs typeface="Consolas" panose="020B0609020204030204" pitchFamily="49" charset="0"/>
               </a:rPr>
-              <a:t>enum</a:t>
+              <a:t>inheritance</a:t>
             </a:r>
             <a:r>
               <a:rPr lang="nl-NL" sz="1900" dirty="0" smtClean="0">
                 <a:latin typeface="Consolas" panose="020B0609020204030204" pitchFamily="49" charset="0"/>
                 <a:cs typeface="Consolas" panose="020B0609020204030204" pitchFamily="49" charset="0"/>
               </a:rPr>
+              <a:t>’ is </a:t>
+            </a:r>
+            <a:r>
+              <a:rPr lang="nl-NL" sz="1900" dirty="0" err="1" smtClean="0">
+                <a:latin typeface="Consolas" panose="020B0609020204030204" pitchFamily="49" charset="0"/>
+                <a:cs typeface="Consolas" panose="020B0609020204030204" pitchFamily="49" charset="0"/>
+              </a:rPr>
+              <a:t>supported</a:t>
+            </a:r>
+            <a:r>
+              <a:rPr lang="nl-NL" sz="1900" dirty="0" smtClean="0">
+                <a:latin typeface="Consolas" panose="020B0609020204030204" pitchFamily="49" charset="0"/>
+                <a:cs typeface="Consolas" panose="020B0609020204030204" pitchFamily="49" charset="0"/>
+              </a:rPr>
               <a:t> </a:t>
             </a:r>
             <a:r>
@@ -5092,241 +5790,16 @@
                 <a:latin typeface="Consolas" panose="020B0609020204030204" pitchFamily="49" charset="0"/>
                 <a:cs typeface="Consolas" panose="020B0609020204030204" pitchFamily="49" charset="0"/>
               </a:rPr>
-              <a:t>GeslachtMsg</a:t>
+              <a:t>with</a:t>
             </a:r>
             <a:r>
               <a:rPr lang="nl-NL" sz="1900" dirty="0" smtClean="0">
                 <a:latin typeface="Consolas" panose="020B0609020204030204" pitchFamily="49" charset="0"/>
                 <a:cs typeface="Consolas" panose="020B0609020204030204" pitchFamily="49" charset="0"/>
               </a:rPr>
-              <a:t> {</a:t>
-            </a:r>
-            <a:br>
-              <a:rPr lang="nl-NL" sz="1900" dirty="0" smtClean="0">
-                <a:latin typeface="Consolas" panose="020B0609020204030204" pitchFamily="49" charset="0"/>
-                <a:cs typeface="Consolas" panose="020B0609020204030204" pitchFamily="49" charset="0"/>
-              </a:rPr>
-            </a:br>
-            <a:r>
-              <a:rPr lang="nl-NL" sz="1700" dirty="0" smtClean="0">
-                <a:latin typeface="Consolas" panose="020B0609020204030204" pitchFamily="49" charset="0"/>
-                <a:cs typeface="Consolas" panose="020B0609020204030204" pitchFamily="49" charset="0"/>
-              </a:rPr>
-              <a:t>   MAN = 0;</a:t>
-            </a:r>
-            <a:br>
-              <a:rPr lang="nl-NL" sz="1700" dirty="0" smtClean="0">
-                <a:latin typeface="Consolas" panose="020B0609020204030204" pitchFamily="49" charset="0"/>
-                <a:cs typeface="Consolas" panose="020B0609020204030204" pitchFamily="49" charset="0"/>
-              </a:rPr>
-            </a:br>
-            <a:r>
-              <a:rPr lang="nl-NL" sz="1700" dirty="0" smtClean="0">
-                <a:latin typeface="Consolas" panose="020B0609020204030204" pitchFamily="49" charset="0"/>
-                <a:cs typeface="Consolas" panose="020B0609020204030204" pitchFamily="49" charset="0"/>
-              </a:rPr>
-              <a:t>   VROUW = 1;</a:t>
-            </a:r>
-            <a:br>
-              <a:rPr lang="nl-NL" sz="1700" dirty="0" smtClean="0">
-                <a:latin typeface="Consolas" panose="020B0609020204030204" pitchFamily="49" charset="0"/>
-                <a:cs typeface="Consolas" panose="020B0609020204030204" pitchFamily="49" charset="0"/>
-              </a:rPr>
-            </a:br>
-            <a:r>
-              <a:rPr lang="nl-NL" sz="1700" dirty="0" smtClean="0">
-                <a:latin typeface="Consolas" panose="020B0609020204030204" pitchFamily="49" charset="0"/>
-                <a:cs typeface="Consolas" panose="020B0609020204030204" pitchFamily="49" charset="0"/>
-              </a:rPr>
-              <a:t>   NEUTRAAL = 2;</a:t>
-            </a:r>
-            <a:br>
-              <a:rPr lang="nl-NL" sz="1700" dirty="0" smtClean="0">
-                <a:latin typeface="Consolas" panose="020B0609020204030204" pitchFamily="49" charset="0"/>
-                <a:cs typeface="Consolas" panose="020B0609020204030204" pitchFamily="49" charset="0"/>
-              </a:rPr>
-            </a:br>
-            <a:r>
-              <a:rPr lang="nl-NL" sz="1900" dirty="0" smtClean="0">
-                <a:latin typeface="Consolas" panose="020B0609020204030204" pitchFamily="49" charset="0"/>
-                <a:cs typeface="Consolas" panose="020B0609020204030204" pitchFamily="49" charset="0"/>
-              </a:rPr>
-              <a:t>}</a:t>
-            </a:r>
-            <a:br>
-              <a:rPr lang="nl-NL" sz="1900" dirty="0" smtClean="0">
-                <a:latin typeface="Consolas" panose="020B0609020204030204" pitchFamily="49" charset="0"/>
-                <a:cs typeface="Consolas" panose="020B0609020204030204" pitchFamily="49" charset="0"/>
-              </a:rPr>
-            </a:br>
-            <a:r>
-              <a:rPr lang="nl-NL" sz="2200" dirty="0" smtClean="0">
-                <a:latin typeface="Consolas" panose="020B0609020204030204" pitchFamily="49" charset="0"/>
-                <a:cs typeface="Consolas" panose="020B0609020204030204" pitchFamily="49" charset="0"/>
-              </a:rPr>
-              <a:t>import “</a:t>
-            </a:r>
-            <a:r>
-              <a:rPr lang="nl-NL" sz="2200" dirty="0" err="1" smtClean="0">
-                <a:latin typeface="Consolas" panose="020B0609020204030204" pitchFamily="49" charset="0"/>
-                <a:cs typeface="Consolas" panose="020B0609020204030204" pitchFamily="49" charset="0"/>
-              </a:rPr>
-              <a:t>andere.proto</a:t>
-            </a:r>
-            <a:r>
-              <a:rPr lang="nl-NL" sz="2200" dirty="0" smtClean="0">
-                <a:latin typeface="Consolas" panose="020B0609020204030204" pitchFamily="49" charset="0"/>
-                <a:cs typeface="Consolas" panose="020B0609020204030204" pitchFamily="49" charset="0"/>
-              </a:rPr>
-              <a:t>”; </a:t>
-            </a:r>
-          </a:p>
-          <a:p>
-            <a:pPr marL="0" indent="0">
-              <a:buNone/>
-            </a:pPr>
-            <a:r>
-              <a:rPr lang="nl-NL" sz="2200" dirty="0" smtClean="0">
-                <a:latin typeface="Consolas" panose="020B0609020204030204" pitchFamily="49" charset="0"/>
-                <a:cs typeface="Consolas" panose="020B0609020204030204" pitchFamily="49" charset="0"/>
-              </a:rPr>
-              <a:t>-----</a:t>
-            </a:r>
-          </a:p>
-          <a:p>
-            <a:pPr marL="0" indent="0">
-              <a:buNone/>
-            </a:pPr>
-            <a:r>
-              <a:rPr lang="nl-NL" sz="2400" dirty="0">
-                <a:solidFill>
-                  <a:schemeClr val="tx2"/>
-                </a:solidFill>
-              </a:rPr>
-              <a:t>Compileren kan met </a:t>
-            </a:r>
-            <a:r>
-              <a:rPr lang="nl-NL" sz="2400" dirty="0" err="1">
-                <a:solidFill>
-                  <a:schemeClr val="tx2"/>
-                </a:solidFill>
-              </a:rPr>
-              <a:t>protoc</a:t>
-            </a:r>
-            <a:r>
-              <a:rPr lang="nl-NL" sz="2400" dirty="0">
-                <a:solidFill>
-                  <a:schemeClr val="tx2"/>
-                </a:solidFill>
-              </a:rPr>
-              <a:t>, </a:t>
-            </a:r>
-            <a:r>
-              <a:rPr lang="nl-NL" sz="2400" dirty="0" err="1">
-                <a:solidFill>
-                  <a:schemeClr val="tx2"/>
-                </a:solidFill>
-              </a:rPr>
-              <a:t>mvn</a:t>
-            </a:r>
-            <a:r>
-              <a:rPr lang="nl-NL" sz="2400" dirty="0">
-                <a:solidFill>
-                  <a:schemeClr val="tx2"/>
-                </a:solidFill>
-              </a:rPr>
-              <a:t> en/of </a:t>
-            </a:r>
-            <a:r>
-              <a:rPr lang="nl-NL" sz="2400" dirty="0" err="1">
-                <a:solidFill>
-                  <a:schemeClr val="tx2"/>
-                </a:solidFill>
-              </a:rPr>
-              <a:t>gradle</a:t>
-            </a:r>
-            <a:r>
-              <a:rPr lang="nl-NL" sz="2400" dirty="0">
-                <a:solidFill>
-                  <a:schemeClr val="tx2"/>
-                </a:solidFill>
-              </a:rPr>
-              <a:t> :</a:t>
-            </a:r>
-          </a:p>
-          <a:p>
-            <a:pPr marL="0" indent="0">
-              <a:buNone/>
-            </a:pPr>
-            <a:r>
-              <a:rPr lang="nl-NL" sz="2200" dirty="0" err="1" smtClean="0">
-                <a:latin typeface="Consolas" panose="020B0609020204030204" pitchFamily="49" charset="0"/>
-                <a:cs typeface="Consolas" panose="020B0609020204030204" pitchFamily="49" charset="0"/>
-              </a:rPr>
-              <a:t>mvn</a:t>
-            </a:r>
-            <a:r>
-              <a:rPr lang="nl-NL" sz="2200" dirty="0" smtClean="0">
-                <a:latin typeface="Consolas" panose="020B0609020204030204" pitchFamily="49" charset="0"/>
-                <a:cs typeface="Consolas" panose="020B0609020204030204" pitchFamily="49" charset="0"/>
-              </a:rPr>
-              <a:t> </a:t>
-            </a:r>
-            <a:r>
-              <a:rPr lang="nl-NL" sz="2200" dirty="0" err="1" smtClean="0">
-                <a:latin typeface="Consolas" panose="020B0609020204030204" pitchFamily="49" charset="0"/>
-                <a:cs typeface="Consolas" panose="020B0609020204030204" pitchFamily="49" charset="0"/>
-              </a:rPr>
-              <a:t>protobuf:compile</a:t>
-            </a:r>
-            <a:r>
-              <a:rPr lang="nl-NL" sz="2200" dirty="0" smtClean="0">
-                <a:latin typeface="Consolas" panose="020B0609020204030204" pitchFamily="49" charset="0"/>
-                <a:cs typeface="Consolas" panose="020B0609020204030204" pitchFamily="49" charset="0"/>
-              </a:rPr>
-              <a:t/>
-            </a:r>
-            <a:br>
-              <a:rPr lang="nl-NL" sz="2200" dirty="0" smtClean="0">
-                <a:latin typeface="Consolas" panose="020B0609020204030204" pitchFamily="49" charset="0"/>
-                <a:cs typeface="Consolas" panose="020B0609020204030204" pitchFamily="49" charset="0"/>
-              </a:rPr>
-            </a:br>
-            <a:r>
-              <a:rPr lang="nl-NL" sz="2200" dirty="0" err="1">
-                <a:latin typeface="Consolas" panose="020B0609020204030204" pitchFamily="49" charset="0"/>
-                <a:cs typeface="Consolas" panose="020B0609020204030204" pitchFamily="49" charset="0"/>
-              </a:rPr>
-              <a:t>mvn</a:t>
-            </a:r>
-            <a:r>
-              <a:rPr lang="nl-NL" sz="2200" dirty="0">
-                <a:latin typeface="Consolas" panose="020B0609020204030204" pitchFamily="49" charset="0"/>
-                <a:cs typeface="Consolas" panose="020B0609020204030204" pitchFamily="49" charset="0"/>
-              </a:rPr>
-              <a:t> </a:t>
-            </a:r>
-            <a:r>
-              <a:rPr lang="nl-NL" sz="2200" dirty="0" err="1" smtClean="0">
-                <a:latin typeface="Consolas" panose="020B0609020204030204" pitchFamily="49" charset="0"/>
-                <a:cs typeface="Consolas" panose="020B0609020204030204" pitchFamily="49" charset="0"/>
-              </a:rPr>
-              <a:t>protobuf:compile-custom</a:t>
-            </a:r>
-            <a:r>
-              <a:rPr lang="nl-NL" sz="2200" dirty="0" smtClean="0">
-                <a:latin typeface="Consolas" panose="020B0609020204030204" pitchFamily="49" charset="0"/>
-                <a:cs typeface="Consolas" panose="020B0609020204030204" pitchFamily="49" charset="0"/>
-              </a:rPr>
-              <a:t/>
-            </a:r>
-            <a:br>
-              <a:rPr lang="nl-NL" sz="2200" dirty="0" smtClean="0">
-                <a:latin typeface="Consolas" panose="020B0609020204030204" pitchFamily="49" charset="0"/>
-                <a:cs typeface="Consolas" panose="020B0609020204030204" pitchFamily="49" charset="0"/>
-              </a:rPr>
-            </a:br>
-            <a:endParaRPr lang="nl-NL" sz="2200" dirty="0" smtClean="0">
+              <a:t>:</a:t>
+            </a:r>
+            <a:endParaRPr lang="nl-NL" sz="1900" dirty="0" smtClean="0">
               <a:latin typeface="Consolas" panose="020B0609020204030204" pitchFamily="49" charset="0"/>
               <a:cs typeface="Consolas" panose="020B0609020204030204" pitchFamily="49" charset="0"/>
             </a:endParaRPr>
@@ -5336,272 +5809,405 @@
               <a:buNone/>
             </a:pPr>
             <a:r>
-              <a:rPr lang="nl-NL" sz="2400" dirty="0">
-                <a:solidFill>
-                  <a:schemeClr val="tx2"/>
-                </a:solidFill>
-              </a:rPr>
-              <a:t>Deze genereerd code in ./target/</a:t>
-            </a:r>
-            <a:r>
-              <a:rPr lang="nl-NL" sz="2400" dirty="0" err="1">
-                <a:solidFill>
-                  <a:schemeClr val="tx2"/>
-                </a:solidFill>
-              </a:rPr>
-              <a:t>generated</a:t>
-            </a:r>
-            <a:r>
-              <a:rPr lang="nl-NL" sz="2400" dirty="0">
-                <a:solidFill>
-                  <a:schemeClr val="tx2"/>
-                </a:solidFill>
-              </a:rPr>
-              <a:t>-source/</a:t>
-            </a:r>
-            <a:r>
-              <a:rPr lang="nl-NL" sz="2400" dirty="0" err="1">
-                <a:solidFill>
-                  <a:schemeClr val="tx2"/>
-                </a:solidFill>
-              </a:rPr>
-              <a:t>protobuf</a:t>
-            </a:r>
-            <a:r>
-              <a:rPr lang="nl-NL" sz="2400" dirty="0">
-                <a:solidFill>
-                  <a:schemeClr val="tx2"/>
-                </a:solidFill>
-              </a:rPr>
-              <a:t>/</a:t>
-            </a:r>
-            <a:r>
-              <a:rPr lang="nl-NL" sz="2400" dirty="0" err="1">
-                <a:solidFill>
-                  <a:schemeClr val="tx2"/>
-                </a:solidFill>
-              </a:rPr>
-              <a:t>java</a:t>
-            </a:r>
-            <a:r>
-              <a:rPr lang="nl-NL" sz="2400" dirty="0">
-                <a:solidFill>
-                  <a:schemeClr val="tx2"/>
-                </a:solidFill>
+              <a:rPr lang="nl-NL" sz="1900" dirty="0" err="1" smtClean="0">
+                <a:latin typeface="Consolas" panose="020B0609020204030204" pitchFamily="49" charset="0"/>
+                <a:cs typeface="Consolas" panose="020B0609020204030204" pitchFamily="49" charset="0"/>
+              </a:rPr>
+              <a:t>message</a:t>
+            </a:r>
+            <a:r>
+              <a:rPr lang="nl-NL" sz="1900" dirty="0" smtClean="0">
+                <a:latin typeface="Consolas" panose="020B0609020204030204" pitchFamily="49" charset="0"/>
+                <a:cs typeface="Consolas" panose="020B0609020204030204" pitchFamily="49" charset="0"/>
+              </a:rPr>
+              <a:t> </a:t>
+            </a:r>
+            <a:r>
+              <a:rPr lang="nl-NL" sz="1900" dirty="0" err="1" smtClean="0">
+                <a:latin typeface="Consolas" panose="020B0609020204030204" pitchFamily="49" charset="0"/>
+                <a:cs typeface="Consolas" panose="020B0609020204030204" pitchFamily="49" charset="0"/>
+              </a:rPr>
+              <a:t>GenericMsg</a:t>
+            </a:r>
+            <a:r>
+              <a:rPr lang="nl-NL" sz="1900" dirty="0" smtClean="0">
+                <a:latin typeface="Consolas" panose="020B0609020204030204" pitchFamily="49" charset="0"/>
+                <a:cs typeface="Consolas" panose="020B0609020204030204" pitchFamily="49" charset="0"/>
+              </a:rPr>
+              <a:t> {</a:t>
+            </a:r>
+          </a:p>
+          <a:p>
+            <a:pPr marL="0" indent="0">
+              <a:buNone/>
+            </a:pPr>
+            <a:r>
+              <a:rPr lang="nl-NL" sz="1900" dirty="0">
+                <a:latin typeface="Consolas" panose="020B0609020204030204" pitchFamily="49" charset="0"/>
+                <a:cs typeface="Consolas" panose="020B0609020204030204" pitchFamily="49" charset="0"/>
+              </a:rPr>
+              <a:t> </a:t>
+            </a:r>
+            <a:r>
+              <a:rPr lang="nl-NL" sz="1900" dirty="0" smtClean="0">
+                <a:latin typeface="Consolas" panose="020B0609020204030204" pitchFamily="49" charset="0"/>
+                <a:cs typeface="Consolas" panose="020B0609020204030204" pitchFamily="49" charset="0"/>
+              </a:rPr>
+              <a:t> </a:t>
+            </a:r>
+            <a:r>
+              <a:rPr lang="nl-NL" sz="1900" dirty="0" err="1" smtClean="0">
+                <a:latin typeface="Consolas" panose="020B0609020204030204" pitchFamily="49" charset="0"/>
+                <a:cs typeface="Consolas" panose="020B0609020204030204" pitchFamily="49" charset="0"/>
+              </a:rPr>
+              <a:t>oneof</a:t>
+            </a:r>
+            <a:r>
+              <a:rPr lang="nl-NL" sz="1900" dirty="0" smtClean="0">
+                <a:latin typeface="Consolas" panose="020B0609020204030204" pitchFamily="49" charset="0"/>
+                <a:cs typeface="Consolas" panose="020B0609020204030204" pitchFamily="49" charset="0"/>
+              </a:rPr>
+              <a:t> </a:t>
+            </a:r>
+            <a:r>
+              <a:rPr lang="nl-NL" sz="1900" dirty="0" err="1" smtClean="0">
+                <a:latin typeface="Consolas" panose="020B0609020204030204" pitchFamily="49" charset="0"/>
+                <a:cs typeface="Consolas" panose="020B0609020204030204" pitchFamily="49" charset="0"/>
+              </a:rPr>
+              <a:t>value</a:t>
+            </a:r>
+            <a:r>
+              <a:rPr lang="nl-NL" sz="1900" dirty="0" smtClean="0">
+                <a:latin typeface="Consolas" panose="020B0609020204030204" pitchFamily="49" charset="0"/>
+                <a:cs typeface="Consolas" panose="020B0609020204030204" pitchFamily="49" charset="0"/>
+              </a:rPr>
+              <a:t> {</a:t>
+            </a:r>
+          </a:p>
+          <a:p>
+            <a:pPr marL="0" indent="0">
+              <a:buNone/>
+            </a:pPr>
+            <a:r>
+              <a:rPr lang="nl-NL" sz="1900" dirty="0" smtClean="0">
+                <a:latin typeface="Consolas" panose="020B0609020204030204" pitchFamily="49" charset="0"/>
+                <a:cs typeface="Consolas" panose="020B0609020204030204" pitchFamily="49" charset="0"/>
+              </a:rPr>
+              <a:t>    Specific01Msg specific01 = 1;</a:t>
+            </a:r>
+          </a:p>
+          <a:p>
+            <a:pPr marL="0" indent="0">
+              <a:buNone/>
+            </a:pPr>
+            <a:r>
+              <a:rPr lang="nl-NL" sz="1900" dirty="0">
+                <a:latin typeface="Consolas" panose="020B0609020204030204" pitchFamily="49" charset="0"/>
+                <a:cs typeface="Consolas" panose="020B0609020204030204" pitchFamily="49" charset="0"/>
               </a:rPr>
               <a:t>  </a:t>
             </a:r>
             <a:r>
-              <a:rPr lang="nl-NL" sz="2400" dirty="0" smtClean="0">
-                <a:solidFill>
-                  <a:schemeClr val="tx2"/>
-                </a:solidFill>
+              <a:rPr lang="nl-NL" sz="1900" dirty="0" smtClean="0">
+                <a:latin typeface="Consolas" panose="020B0609020204030204" pitchFamily="49" charset="0"/>
+                <a:cs typeface="Consolas" panose="020B0609020204030204" pitchFamily="49" charset="0"/>
+              </a:rPr>
+              <a:t>  Specific02Msg specific02 </a:t>
+            </a:r>
+            <a:r>
+              <a:rPr lang="nl-NL" sz="1900" dirty="0">
+                <a:latin typeface="Consolas" panose="020B0609020204030204" pitchFamily="49" charset="0"/>
+                <a:cs typeface="Consolas" panose="020B0609020204030204" pitchFamily="49" charset="0"/>
+              </a:rPr>
+              <a:t>= </a:t>
+            </a:r>
+            <a:r>
+              <a:rPr lang="nl-NL" sz="1900" dirty="0" smtClean="0">
+                <a:latin typeface="Consolas" panose="020B0609020204030204" pitchFamily="49" charset="0"/>
+                <a:cs typeface="Consolas" panose="020B0609020204030204" pitchFamily="49" charset="0"/>
+              </a:rPr>
+              <a:t>2;</a:t>
+            </a:r>
+            <a:br>
+              <a:rPr lang="nl-NL" sz="1900" dirty="0" smtClean="0">
+                <a:latin typeface="Consolas" panose="020B0609020204030204" pitchFamily="49" charset="0"/>
+                <a:cs typeface="Consolas" panose="020B0609020204030204" pitchFamily="49" charset="0"/>
+              </a:rPr>
+            </a:br>
+            <a:r>
+              <a:rPr lang="nl-NL" sz="1900" dirty="0" smtClean="0">
+                <a:latin typeface="Consolas" panose="020B0609020204030204" pitchFamily="49" charset="0"/>
+                <a:cs typeface="Consolas" panose="020B0609020204030204" pitchFamily="49" charset="0"/>
+              </a:rPr>
+              <a:t>  }</a:t>
+            </a:r>
+            <a:br>
+              <a:rPr lang="nl-NL" sz="1900" dirty="0" smtClean="0">
+                <a:latin typeface="Consolas" panose="020B0609020204030204" pitchFamily="49" charset="0"/>
+                <a:cs typeface="Consolas" panose="020B0609020204030204" pitchFamily="49" charset="0"/>
+              </a:rPr>
+            </a:br>
+            <a:r>
+              <a:rPr lang="nl-NL" sz="1900" dirty="0" smtClean="0">
+                <a:latin typeface="Consolas" panose="020B0609020204030204" pitchFamily="49" charset="0"/>
+                <a:cs typeface="Consolas" panose="020B0609020204030204" pitchFamily="49" charset="0"/>
+              </a:rPr>
+              <a:t>  ..</a:t>
+            </a:r>
+          </a:p>
+          <a:p>
+            <a:pPr marL="0" indent="0">
+              <a:buNone/>
+            </a:pPr>
+            <a:r>
+              <a:rPr lang="nl-NL" sz="1900" dirty="0" smtClean="0">
+                <a:latin typeface="Consolas" panose="020B0609020204030204" pitchFamily="49" charset="0"/>
+                <a:cs typeface="Consolas" panose="020B0609020204030204" pitchFamily="49" charset="0"/>
+              </a:rPr>
+              <a:t>}</a:t>
+            </a:r>
+          </a:p>
+          <a:p>
+            <a:pPr marL="0" indent="0">
+              <a:buNone/>
+            </a:pPr>
+            <a:r>
+              <a:rPr lang="nl-NL" sz="1900" dirty="0" smtClean="0">
+                <a:latin typeface="Consolas" panose="020B0609020204030204" pitchFamily="49" charset="0"/>
+                <a:cs typeface="Consolas" panose="020B0609020204030204" pitchFamily="49" charset="0"/>
+              </a:rPr>
+              <a:t>//</a:t>
+            </a:r>
+            <a:r>
+              <a:rPr lang="nl-NL" sz="1900" dirty="0" err="1" smtClean="0">
+                <a:latin typeface="Consolas" panose="020B0609020204030204" pitchFamily="49" charset="0"/>
+                <a:cs typeface="Consolas" panose="020B0609020204030204" pitchFamily="49" charset="0"/>
+              </a:rPr>
+              <a:t>enumerations</a:t>
+            </a:r>
+            <a:r>
+              <a:rPr lang="nl-NL" sz="1900" smtClean="0">
+                <a:latin typeface="Consolas" panose="020B0609020204030204" pitchFamily="49" charset="0"/>
+                <a:cs typeface="Consolas" panose="020B0609020204030204" pitchFamily="49" charset="0"/>
               </a:rPr>
               <a:t>:</a:t>
             </a:r>
-            <a:r>
-              <a:rPr lang="nl-NL" sz="2200" dirty="0">
-                <a:solidFill>
-                  <a:schemeClr val="tx2"/>
-                </a:solidFill>
-              </a:rPr>
-              <a:t/>
+            <a:endParaRPr lang="nl-NL" sz="1900" dirty="0" smtClean="0">
+              <a:latin typeface="Consolas" panose="020B0609020204030204" pitchFamily="49" charset="0"/>
+              <a:cs typeface="Consolas" panose="020B0609020204030204" pitchFamily="49" charset="0"/>
+            </a:endParaRPr>
+          </a:p>
+          <a:p>
+            <a:pPr marL="0" indent="0">
+              <a:buNone/>
+            </a:pPr>
+            <a:r>
+              <a:rPr lang="nl-NL" sz="1900" dirty="0" err="1" smtClean="0">
+                <a:latin typeface="Consolas" panose="020B0609020204030204" pitchFamily="49" charset="0"/>
+                <a:cs typeface="Consolas" panose="020B0609020204030204" pitchFamily="49" charset="0"/>
+              </a:rPr>
+              <a:t>enum</a:t>
+            </a:r>
+            <a:r>
+              <a:rPr lang="nl-NL" sz="1900" dirty="0" smtClean="0">
+                <a:latin typeface="Consolas" panose="020B0609020204030204" pitchFamily="49" charset="0"/>
+                <a:cs typeface="Consolas" panose="020B0609020204030204" pitchFamily="49" charset="0"/>
+              </a:rPr>
+              <a:t> </a:t>
+            </a:r>
+            <a:r>
+              <a:rPr lang="nl-NL" sz="1900" dirty="0" err="1" smtClean="0">
+                <a:latin typeface="Consolas" panose="020B0609020204030204" pitchFamily="49" charset="0"/>
+                <a:cs typeface="Consolas" panose="020B0609020204030204" pitchFamily="49" charset="0"/>
+              </a:rPr>
+              <a:t>GeslachtMsg</a:t>
+            </a:r>
+            <a:r>
+              <a:rPr lang="nl-NL" sz="1900" dirty="0" smtClean="0">
+                <a:latin typeface="Consolas" panose="020B0609020204030204" pitchFamily="49" charset="0"/>
+                <a:cs typeface="Consolas" panose="020B0609020204030204" pitchFamily="49" charset="0"/>
+              </a:rPr>
+              <a:t> {</a:t>
             </a:r>
             <a:br>
-              <a:rPr lang="nl-NL" sz="2200" dirty="0">
-                <a:solidFill>
-                  <a:schemeClr val="tx2"/>
-                </a:solidFill>
+              <a:rPr lang="nl-NL" sz="1900" dirty="0" smtClean="0">
+                <a:latin typeface="Consolas" panose="020B0609020204030204" pitchFamily="49" charset="0"/>
+                <a:cs typeface="Consolas" panose="020B0609020204030204" pitchFamily="49" charset="0"/>
               </a:rPr>
             </a:br>
             <a:r>
-              <a:rPr lang="nl-NL" sz="2200" dirty="0">
-                <a:latin typeface="Consolas" panose="020B0609020204030204" pitchFamily="49" charset="0"/>
-                <a:cs typeface="Consolas" panose="020B0609020204030204" pitchFamily="49" charset="0"/>
-              </a:rPr>
-              <a:t>XxxMsg.java + XxxMsgOrBuilder.java </a:t>
+              <a:rPr lang="nl-NL" sz="1700" dirty="0" smtClean="0">
+                <a:latin typeface="Consolas" panose="020B0609020204030204" pitchFamily="49" charset="0"/>
+                <a:cs typeface="Consolas" panose="020B0609020204030204" pitchFamily="49" charset="0"/>
+              </a:rPr>
+              <a:t>   MAN = 0;</a:t>
             </a:r>
             <a:br>
-              <a:rPr lang="nl-NL" sz="2200" dirty="0">
+              <a:rPr lang="nl-NL" sz="1700" dirty="0" smtClean="0">
                 <a:latin typeface="Consolas" panose="020B0609020204030204" pitchFamily="49" charset="0"/>
                 <a:cs typeface="Consolas" panose="020B0609020204030204" pitchFamily="49" charset="0"/>
               </a:rPr>
             </a:br>
             <a:r>
+              <a:rPr lang="nl-NL" sz="1700" dirty="0" smtClean="0">
+                <a:latin typeface="Consolas" panose="020B0609020204030204" pitchFamily="49" charset="0"/>
+                <a:cs typeface="Consolas" panose="020B0609020204030204" pitchFamily="49" charset="0"/>
+              </a:rPr>
+              <a:t>   VROUW = 1;</a:t>
+            </a:r>
+            <a:br>
+              <a:rPr lang="nl-NL" sz="1700" dirty="0" smtClean="0">
+                <a:latin typeface="Consolas" panose="020B0609020204030204" pitchFamily="49" charset="0"/>
+                <a:cs typeface="Consolas" panose="020B0609020204030204" pitchFamily="49" charset="0"/>
+              </a:rPr>
+            </a:br>
+            <a:r>
+              <a:rPr lang="nl-NL" sz="1700" dirty="0" smtClean="0">
+                <a:latin typeface="Consolas" panose="020B0609020204030204" pitchFamily="49" charset="0"/>
+                <a:cs typeface="Consolas" panose="020B0609020204030204" pitchFamily="49" charset="0"/>
+              </a:rPr>
+              <a:t>   NEUTRAAL = 2;</a:t>
+            </a:r>
+            <a:br>
+              <a:rPr lang="nl-NL" sz="1700" dirty="0" smtClean="0">
+                <a:latin typeface="Consolas" panose="020B0609020204030204" pitchFamily="49" charset="0"/>
+                <a:cs typeface="Consolas" panose="020B0609020204030204" pitchFamily="49" charset="0"/>
+              </a:rPr>
+            </a:br>
+            <a:r>
+              <a:rPr lang="nl-NL" sz="1900" dirty="0" smtClean="0">
+                <a:latin typeface="Consolas" panose="020B0609020204030204" pitchFamily="49" charset="0"/>
+                <a:cs typeface="Consolas" panose="020B0609020204030204" pitchFamily="49" charset="0"/>
+              </a:rPr>
+              <a:t>}</a:t>
+            </a:r>
+          </a:p>
+          <a:p>
+            <a:pPr marL="0" indent="0">
+              <a:buNone/>
+            </a:pPr>
+            <a:endParaRPr lang="nl-NL" sz="1900" dirty="0" smtClean="0">
+              <a:latin typeface="Consolas" panose="020B0609020204030204" pitchFamily="49" charset="0"/>
+              <a:cs typeface="Consolas" panose="020B0609020204030204" pitchFamily="49" charset="0"/>
+            </a:endParaRPr>
+          </a:p>
+          <a:p>
+            <a:pPr marL="0" indent="0">
+              <a:buNone/>
+            </a:pPr>
+            <a:r>
+              <a:rPr lang="nl-NL" sz="1900" dirty="0" smtClean="0">
+                <a:latin typeface="Consolas" panose="020B0609020204030204" pitchFamily="49" charset="0"/>
+                <a:cs typeface="Consolas" panose="020B0609020204030204" pitchFamily="49" charset="0"/>
+              </a:rPr>
+              <a:t>// </a:t>
+            </a:r>
+            <a:r>
+              <a:rPr lang="nl-NL" sz="1900" dirty="0" err="1" smtClean="0">
+                <a:latin typeface="Consolas" panose="020B0609020204030204" pitchFamily="49" charset="0"/>
+                <a:cs typeface="Consolas" panose="020B0609020204030204" pitchFamily="49" charset="0"/>
+              </a:rPr>
+              <a:t>other</a:t>
+            </a:r>
+            <a:r>
+              <a:rPr lang="nl-NL" sz="1900" dirty="0" smtClean="0">
+                <a:latin typeface="Consolas" panose="020B0609020204030204" pitchFamily="49" charset="0"/>
+                <a:cs typeface="Consolas" panose="020B0609020204030204" pitchFamily="49" charset="0"/>
+              </a:rPr>
+              <a:t> </a:t>
+            </a:r>
+            <a:r>
+              <a:rPr lang="nl-NL" sz="1900" dirty="0" err="1" smtClean="0">
+                <a:latin typeface="Consolas" panose="020B0609020204030204" pitchFamily="49" charset="0"/>
+                <a:cs typeface="Consolas" panose="020B0609020204030204" pitchFamily="49" charset="0"/>
+              </a:rPr>
+              <a:t>proto</a:t>
+            </a:r>
+            <a:r>
+              <a:rPr lang="nl-NL" sz="1900" dirty="0" smtClean="0">
+                <a:latin typeface="Consolas" panose="020B0609020204030204" pitchFamily="49" charset="0"/>
+                <a:cs typeface="Consolas" panose="020B0609020204030204" pitchFamily="49" charset="0"/>
+              </a:rPr>
+              <a:t> file(s) </a:t>
+            </a:r>
+            <a:r>
+              <a:rPr lang="nl-NL" sz="1900" dirty="0" err="1" smtClean="0">
+                <a:latin typeface="Consolas" panose="020B0609020204030204" pitchFamily="49" charset="0"/>
+                <a:cs typeface="Consolas" panose="020B0609020204030204" pitchFamily="49" charset="0"/>
+              </a:rPr>
+              <a:t>can</a:t>
+            </a:r>
+            <a:r>
+              <a:rPr lang="nl-NL" sz="1900" dirty="0" smtClean="0">
+                <a:latin typeface="Consolas" panose="020B0609020204030204" pitchFamily="49" charset="0"/>
+                <a:cs typeface="Consolas" panose="020B0609020204030204" pitchFamily="49" charset="0"/>
+              </a:rPr>
+              <a:t> </a:t>
+            </a:r>
+            <a:r>
+              <a:rPr lang="nl-NL" sz="1900" dirty="0" err="1" smtClean="0">
+                <a:latin typeface="Consolas" panose="020B0609020204030204" pitchFamily="49" charset="0"/>
+                <a:cs typeface="Consolas" panose="020B0609020204030204" pitchFamily="49" charset="0"/>
+              </a:rPr>
+              <a:t>be</a:t>
+            </a:r>
+            <a:r>
+              <a:rPr lang="nl-NL" sz="1900" dirty="0" smtClean="0">
+                <a:latin typeface="Consolas" panose="020B0609020204030204" pitchFamily="49" charset="0"/>
+                <a:cs typeface="Consolas" panose="020B0609020204030204" pitchFamily="49" charset="0"/>
+              </a:rPr>
+              <a:t> </a:t>
+            </a:r>
+            <a:r>
+              <a:rPr lang="nl-NL" sz="1900" dirty="0" err="1" smtClean="0">
+                <a:latin typeface="Consolas" panose="020B0609020204030204" pitchFamily="49" charset="0"/>
+                <a:cs typeface="Consolas" panose="020B0609020204030204" pitchFamily="49" charset="0"/>
+              </a:rPr>
+              <a:t>used</a:t>
+            </a:r>
+            <a:r>
+              <a:rPr lang="nl-NL" sz="1900" dirty="0" smtClean="0">
+                <a:latin typeface="Consolas" panose="020B0609020204030204" pitchFamily="49" charset="0"/>
+                <a:cs typeface="Consolas" panose="020B0609020204030204" pitchFamily="49" charset="0"/>
+              </a:rPr>
+              <a:t>.</a:t>
+            </a:r>
+            <a:endParaRPr lang="nl-NL" sz="1900" dirty="0">
+              <a:latin typeface="Consolas" panose="020B0609020204030204" pitchFamily="49" charset="0"/>
+              <a:cs typeface="Consolas" panose="020B0609020204030204" pitchFamily="49" charset="0"/>
+            </a:endParaRPr>
+          </a:p>
+          <a:p>
+            <a:pPr marL="0" indent="0">
+              <a:buNone/>
+            </a:pPr>
+            <a:r>
+              <a:rPr lang="nl-NL" sz="2200" dirty="0" smtClean="0">
+                <a:latin typeface="Consolas" panose="020B0609020204030204" pitchFamily="49" charset="0"/>
+                <a:cs typeface="Consolas" panose="020B0609020204030204" pitchFamily="49" charset="0"/>
+              </a:rPr>
+              <a:t>import </a:t>
+            </a:r>
+            <a:r>
+              <a:rPr lang="nl-NL" sz="2200" dirty="0" smtClean="0">
+                <a:latin typeface="Consolas" panose="020B0609020204030204" pitchFamily="49" charset="0"/>
+                <a:cs typeface="Consolas" panose="020B0609020204030204" pitchFamily="49" charset="0"/>
+              </a:rPr>
+              <a:t>“</a:t>
+            </a:r>
+            <a:r>
               <a:rPr lang="nl-NL" sz="2200" dirty="0" err="1" smtClean="0">
-                <a:solidFill>
-                  <a:schemeClr val="tx2"/>
-                </a:solidFill>
-              </a:rPr>
-              <a:t>resp</a:t>
+                <a:latin typeface="Consolas" panose="020B0609020204030204" pitchFamily="49" charset="0"/>
+                <a:cs typeface="Consolas" panose="020B0609020204030204" pitchFamily="49" charset="0"/>
+              </a:rPr>
+              <a:t>andere.proto</a:t>
             </a:r>
             <a:r>
               <a:rPr lang="nl-NL" sz="2200" dirty="0" smtClean="0">
-                <a:solidFill>
-                  <a:schemeClr val="tx2"/>
-                </a:solidFill>
-              </a:rPr>
-              <a:t>: ./target/</a:t>
-            </a:r>
-            <a:r>
-              <a:rPr lang="nl-NL" sz="2200" dirty="0" err="1" smtClean="0">
-                <a:solidFill>
-                  <a:schemeClr val="tx2"/>
-                </a:solidFill>
-              </a:rPr>
-              <a:t>generated</a:t>
-            </a:r>
-            <a:r>
-              <a:rPr lang="nl-NL" sz="2200" dirty="0" smtClean="0">
-                <a:solidFill>
-                  <a:schemeClr val="tx2"/>
-                </a:solidFill>
-              </a:rPr>
-              <a:t>-source/</a:t>
-            </a:r>
-            <a:r>
-              <a:rPr lang="nl-NL" sz="2200" dirty="0" err="1" smtClean="0">
-                <a:solidFill>
-                  <a:schemeClr val="tx2"/>
-                </a:solidFill>
-              </a:rPr>
-              <a:t>protobuf</a:t>
-            </a:r>
-            <a:r>
-              <a:rPr lang="nl-NL" sz="2200" dirty="0" smtClean="0">
-                <a:solidFill>
-                  <a:schemeClr val="tx2"/>
-                </a:solidFill>
-              </a:rPr>
-              <a:t>/</a:t>
-            </a:r>
-            <a:r>
-              <a:rPr lang="nl-NL" sz="2200" dirty="0" err="1" smtClean="0">
-                <a:solidFill>
-                  <a:schemeClr val="tx2"/>
-                </a:solidFill>
-              </a:rPr>
-              <a:t>java-grpc</a:t>
-            </a:r>
-            <a:r>
-              <a:rPr lang="nl-NL" sz="2200" dirty="0" smtClean="0">
-                <a:solidFill>
-                  <a:schemeClr val="tx2"/>
-                </a:solidFill>
-              </a:rPr>
-              <a:t> </a:t>
-            </a:r>
-            <a:r>
-              <a:rPr lang="nl-NL" sz="2200" dirty="0" smtClean="0"/>
-              <a:t>:</a:t>
-            </a:r>
-          </a:p>
-          <a:p>
-            <a:pPr marL="0" indent="0">
-              <a:buNone/>
-            </a:pPr>
-            <a:r>
-              <a:rPr lang="nl-NL" sz="2200" dirty="0" smtClean="0">
-                <a:latin typeface="Consolas" panose="020B0609020204030204" pitchFamily="49" charset="0"/>
-                <a:cs typeface="Consolas" panose="020B0609020204030204" pitchFamily="49" charset="0"/>
-              </a:rPr>
-              <a:t>ServiceNaamGrpc.java </a:t>
-            </a:r>
-            <a:r>
-              <a:rPr lang="nl-NL" sz="2200" dirty="0" smtClean="0">
-                <a:solidFill>
-                  <a:schemeClr val="tx2"/>
-                </a:solidFill>
-                <a:latin typeface="Consolas" panose="020B0609020204030204" pitchFamily="49" charset="0"/>
-                <a:cs typeface="Consolas" panose="020B0609020204030204" pitchFamily="49" charset="0"/>
-              </a:rPr>
-              <a:t>, deze bevat:</a:t>
-            </a:r>
-            <a:br>
-              <a:rPr lang="nl-NL" sz="2200" dirty="0" smtClean="0">
-                <a:solidFill>
-                  <a:schemeClr val="tx2"/>
-                </a:solidFill>
-                <a:latin typeface="Consolas" panose="020B0609020204030204" pitchFamily="49" charset="0"/>
-                <a:cs typeface="Consolas" panose="020B0609020204030204" pitchFamily="49" charset="0"/>
-              </a:rPr>
-            </a:br>
-            <a:r>
-              <a:rPr lang="nl-NL" sz="2200" dirty="0" err="1" smtClean="0">
-                <a:latin typeface="Consolas" panose="020B0609020204030204" pitchFamily="49" charset="0"/>
-                <a:cs typeface="Consolas" panose="020B0609020204030204" pitchFamily="49" charset="0"/>
-              </a:rPr>
-              <a:t>newStub</a:t>
-            </a:r>
-            <a:r>
-              <a:rPr lang="nl-NL" sz="2200" dirty="0" smtClean="0">
-                <a:latin typeface="Consolas" panose="020B0609020204030204" pitchFamily="49" charset="0"/>
-                <a:cs typeface="Consolas" panose="020B0609020204030204" pitchFamily="49" charset="0"/>
-              </a:rPr>
-              <a:t>(</a:t>
-            </a:r>
-            <a:r>
-              <a:rPr lang="nl-NL" sz="2200" dirty="0" err="1" smtClean="0">
-                <a:latin typeface="Consolas" panose="020B0609020204030204" pitchFamily="49" charset="0"/>
-                <a:cs typeface="Consolas" panose="020B0609020204030204" pitchFamily="49" charset="0"/>
-              </a:rPr>
-              <a:t>channel</a:t>
-            </a:r>
-            <a:r>
-              <a:rPr lang="nl-NL" sz="2200" dirty="0" smtClean="0">
-                <a:latin typeface="Consolas" panose="020B0609020204030204" pitchFamily="49" charset="0"/>
-                <a:cs typeface="Consolas" panose="020B0609020204030204" pitchFamily="49" charset="0"/>
-              </a:rPr>
-              <a:t>)</a:t>
-            </a:r>
-          </a:p>
-          <a:p>
-            <a:pPr marL="0" indent="0">
-              <a:buNone/>
-            </a:pPr>
-            <a:r>
-              <a:rPr lang="nl-NL" sz="2200" dirty="0" err="1" smtClean="0">
-                <a:latin typeface="Consolas" panose="020B0609020204030204" pitchFamily="49" charset="0"/>
-                <a:cs typeface="Consolas" panose="020B0609020204030204" pitchFamily="49" charset="0"/>
-              </a:rPr>
-              <a:t>newBlockingStub</a:t>
-            </a:r>
-            <a:r>
-              <a:rPr lang="nl-NL" sz="2200" dirty="0" smtClean="0">
-                <a:latin typeface="Consolas" panose="020B0609020204030204" pitchFamily="49" charset="0"/>
-                <a:cs typeface="Consolas" panose="020B0609020204030204" pitchFamily="49" charset="0"/>
-              </a:rPr>
-              <a:t>(</a:t>
-            </a:r>
-            <a:r>
-              <a:rPr lang="nl-NL" sz="2200" dirty="0" err="1" smtClean="0">
-                <a:latin typeface="Consolas" panose="020B0609020204030204" pitchFamily="49" charset="0"/>
-                <a:cs typeface="Consolas" panose="020B0609020204030204" pitchFamily="49" charset="0"/>
-              </a:rPr>
-              <a:t>channel</a:t>
-            </a:r>
-            <a:r>
-              <a:rPr lang="nl-NL" sz="2200" dirty="0" smtClean="0">
-                <a:latin typeface="Consolas" panose="020B0609020204030204" pitchFamily="49" charset="0"/>
-                <a:cs typeface="Consolas" panose="020B0609020204030204" pitchFamily="49" charset="0"/>
-              </a:rPr>
-              <a:t>)</a:t>
-            </a:r>
-          </a:p>
-          <a:p>
-            <a:pPr marL="0" indent="0">
-              <a:buNone/>
-            </a:pPr>
-            <a:r>
-              <a:rPr lang="nl-NL" sz="2200" dirty="0" err="1">
-                <a:latin typeface="Consolas" panose="020B0609020204030204" pitchFamily="49" charset="0"/>
-                <a:cs typeface="Consolas" panose="020B0609020204030204" pitchFamily="49" charset="0"/>
-              </a:rPr>
-              <a:t>ServiceNaamGrpc.ServiceNaamImplBase</a:t>
-            </a:r>
-            <a:r>
-              <a:rPr lang="nl-NL" sz="2200" dirty="0" smtClean="0"/>
-              <a:t> </a:t>
+                <a:latin typeface="Consolas" panose="020B0609020204030204" pitchFamily="49" charset="0"/>
+                <a:cs typeface="Consolas" panose="020B0609020204030204" pitchFamily="49" charset="0"/>
+              </a:rPr>
+              <a:t>”; </a:t>
             </a:r>
           </a:p>
           <a:p>
@@ -5666,23 +6272,11 @@
           <a:p>
             <a:r>
               <a:rPr lang="nl-NL" sz="2800" dirty="0" err="1" smtClean="0"/>
-              <a:t>Implement</a:t>
+              <a:t>Protobuf</a:t>
             </a:r>
             <a:r>
               <a:rPr lang="nl-NL" sz="2800" dirty="0" smtClean="0"/>
-              <a:t> </a:t>
-            </a:r>
-            <a:r>
-              <a:rPr lang="nl-NL" sz="2800" dirty="0" err="1" smtClean="0"/>
-              <a:t>grpc</a:t>
-            </a:r>
-            <a:r>
-              <a:rPr lang="nl-NL" sz="2800" dirty="0" smtClean="0"/>
-              <a:t> </a:t>
-            </a:r>
-            <a:r>
-              <a:rPr lang="nl-NL" sz="2800" dirty="0" smtClean="0"/>
-              <a:t>code ..1</a:t>
+              <a:t> vervolg …</a:t>
             </a:r>
             <a:endParaRPr lang="nl-NL" sz="2800" dirty="0"/>
           </a:p>
@@ -5700,8 +6294,8 @@
         </p:nvSpPr>
         <p:spPr>
           <a:xfrm>
-            <a:off x="467544" y="908720"/>
-            <a:ext cx="8424936" cy="5688632"/>
+            <a:off x="467544" y="980728"/>
+            <a:ext cx="8136904" cy="5616624"/>
           </a:xfrm>
         </p:spPr>
         <p:txBody>
@@ -5719,70 +6313,90 @@
                   <a:schemeClr val="tx2"/>
                 </a:solidFill>
               </a:rPr>
-              <a:t>Starten van de server (zonder security)</a:t>
-            </a:r>
-            <a:endParaRPr lang="nl-NL" sz="2400" dirty="0">
-              <a:solidFill>
-                <a:schemeClr val="tx2"/>
-              </a:solidFill>
-            </a:endParaRPr>
-          </a:p>
-          <a:p>
-            <a:pPr marL="0" indent="0">
-              <a:buNone/>
-            </a:pPr>
-            <a:r>
-              <a:rPr lang="nl-NL" sz="2000" dirty="0"/>
-              <a:t>server = </a:t>
-            </a:r>
-            <a:r>
-              <a:rPr lang="nl-NL" sz="2000" dirty="0" err="1"/>
-              <a:t>ServerBuilder.forPort</a:t>
-            </a:r>
-            <a:r>
-              <a:rPr lang="nl-NL" sz="2000" dirty="0"/>
-              <a:t>(int).</a:t>
-            </a:r>
-            <a:r>
-              <a:rPr lang="nl-NL" sz="2000" dirty="0" err="1" smtClean="0"/>
-              <a:t>addService</a:t>
-            </a:r>
-            <a:r>
-              <a:rPr lang="nl-NL" sz="2000" dirty="0" smtClean="0"/>
-              <a:t>(service-</a:t>
-            </a:r>
-            <a:r>
-              <a:rPr lang="nl-NL" sz="2000" dirty="0" err="1" smtClean="0"/>
-              <a:t>impl</a:t>
-            </a:r>
-            <a:r>
-              <a:rPr lang="nl-NL" sz="2000" dirty="0"/>
-              <a:t>).</a:t>
-            </a:r>
-            <a:r>
-              <a:rPr lang="nl-NL" sz="2000" dirty="0" err="1"/>
-              <a:t>build</a:t>
-            </a:r>
-            <a:r>
-              <a:rPr lang="nl-NL" sz="2000" dirty="0"/>
-              <a:t>();</a:t>
-            </a:r>
-          </a:p>
-          <a:p>
-            <a:pPr marL="0" indent="0">
-              <a:buNone/>
-            </a:pPr>
-            <a:r>
-              <a:rPr lang="nl-NL" sz="2000" dirty="0" err="1"/>
-              <a:t>server.start</a:t>
-            </a:r>
-            <a:r>
-              <a:rPr lang="nl-NL" sz="2000" dirty="0" smtClean="0"/>
-              <a:t>();</a:t>
-            </a:r>
-            <a:br>
-              <a:rPr lang="nl-NL" sz="2000" dirty="0" smtClean="0"/>
-            </a:br>
+              <a:t>Compileren </a:t>
+            </a:r>
+            <a:r>
+              <a:rPr lang="nl-NL" sz="2400" dirty="0">
+                <a:solidFill>
+                  <a:schemeClr val="tx2"/>
+                </a:solidFill>
+              </a:rPr>
+              <a:t>kan met </a:t>
+            </a:r>
+            <a:r>
+              <a:rPr lang="nl-NL" sz="2400" dirty="0" err="1">
+                <a:solidFill>
+                  <a:schemeClr val="tx2"/>
+                </a:solidFill>
+              </a:rPr>
+              <a:t>protoc</a:t>
+            </a:r>
+            <a:r>
+              <a:rPr lang="nl-NL" sz="2400" dirty="0">
+                <a:solidFill>
+                  <a:schemeClr val="tx2"/>
+                </a:solidFill>
+              </a:rPr>
+              <a:t>, </a:t>
+            </a:r>
+            <a:r>
+              <a:rPr lang="nl-NL" sz="2400" dirty="0" err="1">
+                <a:solidFill>
+                  <a:schemeClr val="tx2"/>
+                </a:solidFill>
+              </a:rPr>
+              <a:t>mvn</a:t>
+            </a:r>
+            <a:r>
+              <a:rPr lang="nl-NL" sz="2400" dirty="0">
+                <a:solidFill>
+                  <a:schemeClr val="tx2"/>
+                </a:solidFill>
+              </a:rPr>
+              <a:t> en/of </a:t>
+            </a:r>
+            <a:r>
+              <a:rPr lang="nl-NL" sz="2400" dirty="0" err="1">
+                <a:solidFill>
+                  <a:schemeClr val="tx2"/>
+                </a:solidFill>
+              </a:rPr>
+              <a:t>gradle</a:t>
+            </a:r>
+            <a:r>
+              <a:rPr lang="nl-NL" sz="2400" dirty="0">
+                <a:solidFill>
+                  <a:schemeClr val="tx2"/>
+                </a:solidFill>
+              </a:rPr>
+              <a:t> :</a:t>
+            </a:r>
+          </a:p>
+          <a:p>
+            <a:pPr marL="0" indent="0">
+              <a:buNone/>
+            </a:pPr>
+            <a:r>
+              <a:rPr lang="nl-NL" sz="2200" dirty="0" err="1" smtClean="0">
+                <a:latin typeface="Consolas" panose="020B0609020204030204" pitchFamily="49" charset="0"/>
+                <a:cs typeface="Consolas" panose="020B0609020204030204" pitchFamily="49" charset="0"/>
+              </a:rPr>
+              <a:t>mvn</a:t>
+            </a:r>
+            <a:r>
+              <a:rPr lang="nl-NL" sz="2200" dirty="0" smtClean="0">
+                <a:latin typeface="Consolas" panose="020B0609020204030204" pitchFamily="49" charset="0"/>
+                <a:cs typeface="Consolas" panose="020B0609020204030204" pitchFamily="49" charset="0"/>
+              </a:rPr>
+              <a:t> </a:t>
+            </a:r>
+            <a:r>
+              <a:rPr lang="nl-NL" sz="2200" dirty="0" err="1" smtClean="0">
+                <a:latin typeface="Consolas" panose="020B0609020204030204" pitchFamily="49" charset="0"/>
+                <a:cs typeface="Consolas" panose="020B0609020204030204" pitchFamily="49" charset="0"/>
+              </a:rPr>
+              <a:t>protobuf:compile</a:t>
+            </a:r>
             <a:r>
               <a:rPr lang="nl-NL" sz="2200" dirty="0" smtClean="0">
                 <a:latin typeface="Consolas" panose="020B0609020204030204" pitchFamily="49" charset="0"/>
@@ -5797,137 +6411,329 @@
               </a:rPr>
             </a:br>
             <a:r>
-              <a:rPr lang="nl-NL" sz="2000" dirty="0" smtClean="0">
+              <a:rPr lang="nl-NL" sz="2200" dirty="0" err="1">
+                <a:latin typeface="Consolas" panose="020B0609020204030204" pitchFamily="49" charset="0"/>
+                <a:cs typeface="Consolas" panose="020B0609020204030204" pitchFamily="49" charset="0"/>
+              </a:rPr>
+              <a:t>mvn</a:t>
+            </a:r>
+            <a:r>
+              <a:rPr lang="nl-NL" sz="2200" dirty="0">
+                <a:latin typeface="Consolas" panose="020B0609020204030204" pitchFamily="49" charset="0"/>
+                <a:cs typeface="Consolas" panose="020B0609020204030204" pitchFamily="49" charset="0"/>
+              </a:rPr>
+              <a:t> </a:t>
+            </a:r>
+            <a:r>
+              <a:rPr lang="nl-NL" sz="2200" dirty="0" err="1" smtClean="0">
+                <a:latin typeface="Consolas" panose="020B0609020204030204" pitchFamily="49" charset="0"/>
+                <a:cs typeface="Consolas" panose="020B0609020204030204" pitchFamily="49" charset="0"/>
+              </a:rPr>
+              <a:t>protobuf:compile-custom</a:t>
+            </a:r>
+            <a:r>
+              <a:rPr lang="nl-NL" sz="2200" dirty="0" smtClean="0">
+                <a:latin typeface="Consolas" panose="020B0609020204030204" pitchFamily="49" charset="0"/>
+                <a:cs typeface="Consolas" panose="020B0609020204030204" pitchFamily="49" charset="0"/>
+              </a:rPr>
+              <a:t/>
+            </a:r>
+            <a:br>
+              <a:rPr lang="nl-NL" sz="2200" dirty="0" smtClean="0">
+                <a:latin typeface="Consolas" panose="020B0609020204030204" pitchFamily="49" charset="0"/>
+                <a:cs typeface="Consolas" panose="020B0609020204030204" pitchFamily="49" charset="0"/>
+              </a:rPr>
+            </a:br>
+            <a:endParaRPr lang="nl-NL" sz="2200" dirty="0" smtClean="0">
+              <a:latin typeface="Consolas" panose="020B0609020204030204" pitchFamily="49" charset="0"/>
+              <a:cs typeface="Consolas" panose="020B0609020204030204" pitchFamily="49" charset="0"/>
+            </a:endParaRPr>
+          </a:p>
+          <a:p>
+            <a:pPr marL="0" indent="0">
+              <a:buNone/>
+            </a:pPr>
+            <a:r>
+              <a:rPr lang="nl-NL" sz="2400" dirty="0">
                 <a:solidFill>
                   <a:schemeClr val="tx2"/>
                 </a:solidFill>
               </a:rPr>
-              <a:t>Starten </a:t>
-            </a:r>
-            <a:r>
-              <a:rPr lang="nl-NL" sz="2000" dirty="0">
+              <a:t>Deze genereerd code in ./target/</a:t>
+            </a:r>
+            <a:r>
+              <a:rPr lang="nl-NL" sz="2400" dirty="0" err="1">
                 <a:solidFill>
                   <a:schemeClr val="tx2"/>
                 </a:solidFill>
               </a:rPr>
-              <a:t>van de </a:t>
-            </a:r>
-            <a:r>
-              <a:rPr lang="nl-NL" sz="2000" dirty="0" err="1" smtClean="0">
+              <a:t>generated</a:t>
+            </a:r>
+            <a:r>
+              <a:rPr lang="nl-NL" sz="2400" dirty="0">
                 <a:solidFill>
                   <a:schemeClr val="tx2"/>
                 </a:solidFill>
               </a:rPr>
-              <a:t>client</a:t>
-            </a:r>
-            <a:r>
-              <a:rPr lang="nl-NL" sz="2000" dirty="0" smtClean="0">
+              <a:t>-source/</a:t>
+            </a:r>
+            <a:r>
+              <a:rPr lang="nl-NL" sz="2400" dirty="0" err="1">
                 <a:solidFill>
                   <a:schemeClr val="tx2"/>
                 </a:solidFill>
               </a:rPr>
-              <a:t> (zonder security):</a:t>
+              <a:t>protobuf</a:t>
+            </a:r>
+            <a:r>
+              <a:rPr lang="nl-NL" sz="2400" dirty="0">
+                <a:solidFill>
+                  <a:schemeClr val="tx2"/>
+                </a:solidFill>
+              </a:rPr>
+              <a:t>/</a:t>
+            </a:r>
+            <a:r>
+              <a:rPr lang="nl-NL" sz="2400" dirty="0" err="1">
+                <a:solidFill>
+                  <a:schemeClr val="tx2"/>
+                </a:solidFill>
+              </a:rPr>
+              <a:t>java</a:t>
+            </a:r>
+            <a:r>
+              <a:rPr lang="nl-NL" sz="2400" dirty="0">
+                <a:solidFill>
+                  <a:schemeClr val="tx2"/>
+                </a:solidFill>
+              </a:rPr>
+              <a:t>  </a:t>
+            </a:r>
+            <a:r>
+              <a:rPr lang="nl-NL" sz="2400" dirty="0" smtClean="0">
+                <a:solidFill>
+                  <a:schemeClr val="tx2"/>
+                </a:solidFill>
+              </a:rPr>
+              <a:t>:</a:t>
+            </a:r>
+            <a:r>
+              <a:rPr lang="nl-NL" sz="2200" dirty="0">
+                <a:solidFill>
+                  <a:schemeClr val="tx2"/>
+                </a:solidFill>
+              </a:rPr>
+              <a:t/>
             </a:r>
             <a:br>
-              <a:rPr lang="nl-NL" sz="2000" dirty="0" smtClean="0">
+              <a:rPr lang="nl-NL" sz="2200" dirty="0">
                 <a:solidFill>
                   <a:schemeClr val="tx2"/>
                 </a:solidFill>
               </a:rPr>
             </a:br>
             <a:r>
-              <a:rPr lang="nl-NL" sz="2000" dirty="0" err="1"/>
+              <a:rPr lang="nl-NL" sz="2200" dirty="0">
+                <a:latin typeface="Consolas" panose="020B0609020204030204" pitchFamily="49" charset="0"/>
+                <a:cs typeface="Consolas" panose="020B0609020204030204" pitchFamily="49" charset="0"/>
+              </a:rPr>
+              <a:t>XxxMsg.java + XxxMsgOrBuilder.java </a:t>
+            </a:r>
+            <a:br>
+              <a:rPr lang="nl-NL" sz="2200" dirty="0">
+                <a:latin typeface="Consolas" panose="020B0609020204030204" pitchFamily="49" charset="0"/>
+                <a:cs typeface="Consolas" panose="020B0609020204030204" pitchFamily="49" charset="0"/>
+              </a:rPr>
+            </a:br>
+            <a:r>
+              <a:rPr lang="nl-NL" sz="2200" dirty="0" err="1" smtClean="0">
+                <a:solidFill>
+                  <a:schemeClr val="tx2"/>
+                </a:solidFill>
+              </a:rPr>
+              <a:t>resp</a:t>
+            </a:r>
+            <a:r>
+              <a:rPr lang="nl-NL" sz="2200" dirty="0" smtClean="0">
+                <a:solidFill>
+                  <a:schemeClr val="tx2"/>
+                </a:solidFill>
+              </a:rPr>
+              <a:t>: ./target/</a:t>
+            </a:r>
+            <a:r>
+              <a:rPr lang="nl-NL" sz="2200" dirty="0" err="1" smtClean="0">
+                <a:solidFill>
+                  <a:schemeClr val="tx2"/>
+                </a:solidFill>
+              </a:rPr>
+              <a:t>generated</a:t>
+            </a:r>
+            <a:r>
+              <a:rPr lang="nl-NL" sz="2200" dirty="0" smtClean="0">
+                <a:solidFill>
+                  <a:schemeClr val="tx2"/>
+                </a:solidFill>
+              </a:rPr>
+              <a:t>-source/</a:t>
+            </a:r>
+            <a:r>
+              <a:rPr lang="nl-NL" sz="2200" dirty="0" err="1" smtClean="0">
+                <a:solidFill>
+                  <a:schemeClr val="tx2"/>
+                </a:solidFill>
+              </a:rPr>
+              <a:t>protobuf</a:t>
+            </a:r>
+            <a:r>
+              <a:rPr lang="nl-NL" sz="2200" dirty="0" smtClean="0">
+                <a:solidFill>
+                  <a:schemeClr val="tx2"/>
+                </a:solidFill>
+              </a:rPr>
+              <a:t>/</a:t>
+            </a:r>
+            <a:r>
+              <a:rPr lang="nl-NL" sz="2200" dirty="0" err="1" smtClean="0">
+                <a:solidFill>
+                  <a:schemeClr val="tx2"/>
+                </a:solidFill>
+              </a:rPr>
+              <a:t>java-grpc</a:t>
+            </a:r>
+            <a:r>
+              <a:rPr lang="nl-NL" sz="2200" dirty="0" smtClean="0">
+                <a:solidFill>
+                  <a:schemeClr val="tx2"/>
+                </a:solidFill>
+              </a:rPr>
+              <a:t> </a:t>
+            </a:r>
+            <a:r>
+              <a:rPr lang="nl-NL" sz="2200" dirty="0" smtClean="0"/>
+              <a:t>:</a:t>
+            </a:r>
+          </a:p>
+          <a:p>
+            <a:pPr marL="0" indent="0">
+              <a:buNone/>
+            </a:pPr>
+            <a:r>
+              <a:rPr lang="nl-NL" sz="2200" dirty="0" smtClean="0">
+                <a:latin typeface="Consolas" panose="020B0609020204030204" pitchFamily="49" charset="0"/>
+                <a:cs typeface="Consolas" panose="020B0609020204030204" pitchFamily="49" charset="0"/>
+              </a:rPr>
+              <a:t>ServiceNaamGrpc.java </a:t>
+            </a:r>
+            <a:r>
+              <a:rPr lang="nl-NL" sz="2200" dirty="0" smtClean="0">
+                <a:solidFill>
+                  <a:schemeClr val="tx2"/>
+                </a:solidFill>
+                <a:latin typeface="Consolas" panose="020B0609020204030204" pitchFamily="49" charset="0"/>
+                <a:cs typeface="Consolas" panose="020B0609020204030204" pitchFamily="49" charset="0"/>
+              </a:rPr>
+              <a:t>, deze bevat:</a:t>
+            </a:r>
+            <a:br>
+              <a:rPr lang="nl-NL" sz="2200" dirty="0" smtClean="0">
+                <a:solidFill>
+                  <a:schemeClr val="tx2"/>
+                </a:solidFill>
+                <a:latin typeface="Consolas" panose="020B0609020204030204" pitchFamily="49" charset="0"/>
+                <a:cs typeface="Consolas" panose="020B0609020204030204" pitchFamily="49" charset="0"/>
+              </a:rPr>
+            </a:br>
+            <a:r>
+              <a:rPr lang="nl-NL" sz="2200" dirty="0" err="1" smtClean="0">
+                <a:latin typeface="Consolas" panose="020B0609020204030204" pitchFamily="49" charset="0"/>
+                <a:cs typeface="Consolas" panose="020B0609020204030204" pitchFamily="49" charset="0"/>
+              </a:rPr>
+              <a:t>newStub</a:t>
+            </a:r>
+            <a:r>
+              <a:rPr lang="nl-NL" sz="2200" dirty="0" smtClean="0">
+                <a:latin typeface="Consolas" panose="020B0609020204030204" pitchFamily="49" charset="0"/>
+                <a:cs typeface="Consolas" panose="020B0609020204030204" pitchFamily="49" charset="0"/>
+              </a:rPr>
+              <a:t>(</a:t>
+            </a:r>
+            <a:r>
+              <a:rPr lang="nl-NL" sz="2200" dirty="0" err="1" smtClean="0">
+                <a:latin typeface="Consolas" panose="020B0609020204030204" pitchFamily="49" charset="0"/>
+                <a:cs typeface="Consolas" panose="020B0609020204030204" pitchFamily="49" charset="0"/>
+              </a:rPr>
               <a:t>channel</a:t>
             </a:r>
             <a:r>
-              <a:rPr lang="nl-NL" sz="2000" dirty="0"/>
-              <a:t> = </a:t>
-            </a:r>
-            <a:r>
-              <a:rPr lang="nl-NL" sz="2000" dirty="0" err="1"/>
-              <a:t>ManagedChannelBuilder.forAddress</a:t>
-            </a:r>
-            <a:r>
-              <a:rPr lang="nl-NL" sz="2000" dirty="0"/>
-              <a:t>(host, port).</a:t>
-            </a:r>
-            <a:r>
-              <a:rPr lang="nl-NL" sz="2000" dirty="0" err="1"/>
-              <a:t>usePlaintext</a:t>
-            </a:r>
-            <a:r>
-              <a:rPr lang="nl-NL" sz="2000" dirty="0"/>
+              <a:rPr lang="nl-NL" sz="2200" dirty="0" smtClean="0">
+                <a:latin typeface="Consolas" panose="020B0609020204030204" pitchFamily="49" charset="0"/>
+                <a:cs typeface="Consolas" panose="020B0609020204030204" pitchFamily="49" charset="0"/>
+              </a:rPr>
+              <a:t>)</a:t>
+            </a:r>
+          </a:p>
+          <a:p>
+            <a:pPr marL="0" indent="0">
+              <a:buNone/>
+            </a:pPr>
+            <a:r>
+              <a:rPr lang="nl-NL" sz="2200" dirty="0" err="1" smtClean="0">
+                <a:latin typeface="Consolas" panose="020B0609020204030204" pitchFamily="49" charset="0"/>
+                <a:cs typeface="Consolas" panose="020B0609020204030204" pitchFamily="49" charset="0"/>
+              </a:rPr>
+              <a:t>newBlockingStub</a:t>
+            </a:r>
+            <a:r>
+              <a:rPr lang="nl-NL" sz="2200" dirty="0" smtClean="0">
+                <a:latin typeface="Consolas" panose="020B0609020204030204" pitchFamily="49" charset="0"/>
+                <a:cs typeface="Consolas" panose="020B0609020204030204" pitchFamily="49" charset="0"/>
+              </a:rPr>
               <a:t>(</a:t>
             </a:r>
             <a:r>
-              <a:rPr lang="nl-NL" sz="2000" dirty="0" err="1"/>
-              <a:t>true</a:t>
-            </a:r>
-            <a:r>
-              <a:rPr lang="nl-NL" sz="2000" dirty="0"/>
-              <a:t>));</a:t>
-            </a:r>
-          </a:p>
-          <a:p>
-            <a:pPr marL="0" indent="0">
-              <a:buNone/>
-            </a:pPr>
-            <a:r>
-              <a:rPr lang="nl-NL" sz="2000" dirty="0" smtClean="0">
-                <a:solidFill>
-                  <a:schemeClr val="tx2"/>
-                </a:solidFill>
-              </a:rPr>
-              <a:t/>
-            </a:r>
-            <a:br>
-              <a:rPr lang="nl-NL" sz="2000" dirty="0" smtClean="0">
-                <a:solidFill>
-                  <a:schemeClr val="tx2"/>
-                </a:solidFill>
-              </a:rPr>
-            </a:br>
-            <a:r>
-              <a:rPr lang="nl-NL" sz="2000" dirty="0" smtClean="0">
-                <a:solidFill>
-                  <a:schemeClr val="tx2"/>
-                </a:solidFill>
-              </a:rPr>
-              <a:t>//</a:t>
-            </a:r>
-            <a:r>
-              <a:rPr lang="nl-NL" sz="2000" dirty="0" err="1" smtClean="0">
-                <a:solidFill>
-                  <a:schemeClr val="tx2"/>
-                </a:solidFill>
-              </a:rPr>
-              <a:t>todo</a:t>
-            </a:r>
-            <a:r>
-              <a:rPr lang="nl-NL" sz="2000" dirty="0" smtClean="0">
-                <a:solidFill>
-                  <a:schemeClr val="tx2"/>
-                </a:solidFill>
-              </a:rPr>
-              <a:t> secure</a:t>
-            </a:r>
-          </a:p>
-          <a:p>
-            <a:pPr marL="0" indent="0">
-              <a:buNone/>
-            </a:pPr>
-            <a:endParaRPr lang="nl-NL" sz="2000" dirty="0">
-              <a:solidFill>
-                <a:schemeClr val="tx2"/>
-              </a:solidFill>
-            </a:endParaRPr>
+              <a:rPr lang="nl-NL" sz="2200" dirty="0" err="1" smtClean="0">
+                <a:latin typeface="Consolas" panose="020B0609020204030204" pitchFamily="49" charset="0"/>
+                <a:cs typeface="Consolas" panose="020B0609020204030204" pitchFamily="49" charset="0"/>
+              </a:rPr>
+              <a:t>channel</a:t>
+            </a:r>
+            <a:r>
+              <a:rPr lang="nl-NL" sz="2200" dirty="0" smtClean="0">
+                <a:latin typeface="Consolas" panose="020B0609020204030204" pitchFamily="49" charset="0"/>
+                <a:cs typeface="Consolas" panose="020B0609020204030204" pitchFamily="49" charset="0"/>
+              </a:rPr>
+              <a:t>)</a:t>
+            </a:r>
+          </a:p>
+          <a:p>
+            <a:pPr marL="0" indent="0">
+              <a:buNone/>
+            </a:pPr>
+            <a:r>
+              <a:rPr lang="nl-NL" sz="2200" dirty="0" err="1">
+                <a:latin typeface="Consolas" panose="020B0609020204030204" pitchFamily="49" charset="0"/>
+                <a:cs typeface="Consolas" panose="020B0609020204030204" pitchFamily="49" charset="0"/>
+              </a:rPr>
+              <a:t>ServiceNaamGrpc.ServiceNaamImplBase</a:t>
+            </a:r>
+            <a:r>
+              <a:rPr lang="nl-NL" sz="2200" dirty="0" smtClean="0"/>
+              <a:t> </a:t>
+            </a:r>
+          </a:p>
+          <a:p>
+            <a:pPr marL="0" indent="0">
+              <a:buNone/>
+            </a:pPr>
+            <a:endParaRPr lang="nl-NL" sz="2200" dirty="0" smtClean="0"/>
           </a:p>
         </p:txBody>
       </p:sp>
     </p:spTree>
     <p:extLst>
       <p:ext uri="{BB962C8B-B14F-4D97-AF65-F5344CB8AC3E}">
-        <p14:creationId xmlns:p14="http://schemas.microsoft.com/office/powerpoint/2010/main" val="1903909156"/>
+        <p14:creationId xmlns:p14="http://schemas.microsoft.com/office/powerpoint/2010/main" val="1402880628"/>
       </p:ext>
     </p:extLst>
   </p:cSld>
@@ -5990,11 +6796,7 @@
             </a:r>
             <a:r>
               <a:rPr lang="nl-NL" sz="2800" dirty="0" smtClean="0"/>
-              <a:t> code vervolg </a:t>
-            </a:r>
-            <a:r>
-              <a:rPr lang="nl-NL" sz="2800" dirty="0" smtClean="0"/>
-              <a:t>.. 2</a:t>
+              <a:t> code ..1</a:t>
             </a:r>
             <a:endParaRPr lang="nl-NL" sz="2800" dirty="0"/>
           </a:p>
@@ -6015,11 +6817,6 @@
             <a:off x="467544" y="908720"/>
             <a:ext cx="8424936" cy="5688632"/>
           </a:xfrm>
-          <a:ln>
-            <a:solidFill>
-              <a:schemeClr val="tx1"/>
-            </a:solidFill>
-          </a:ln>
         </p:spPr>
         <p:txBody>
           <a:bodyPr>
@@ -6036,72 +6833,9 @@
                   <a:schemeClr val="tx2"/>
                 </a:solidFill>
               </a:rPr>
-              <a:t>Server, </a:t>
-            </a:r>
-            <a:r>
-              <a:rPr lang="nl-NL" sz="2400" dirty="0" err="1" smtClean="0">
-                <a:solidFill>
-                  <a:schemeClr val="tx2"/>
-                </a:solidFill>
-              </a:rPr>
-              <a:t>implement</a:t>
-            </a:r>
-            <a:r>
-              <a:rPr lang="nl-NL" sz="2400" dirty="0" smtClean="0">
-                <a:solidFill>
-                  <a:schemeClr val="tx2"/>
-                </a:solidFill>
-              </a:rPr>
-              <a:t> services:</a:t>
-            </a:r>
-          </a:p>
-          <a:p>
-            <a:pPr marL="0" indent="0">
-              <a:buNone/>
-            </a:pPr>
-            <a:r>
-              <a:rPr lang="nl-NL" sz="2000" dirty="0" smtClean="0">
-                <a:solidFill>
-                  <a:schemeClr val="tx2"/>
-                </a:solidFill>
-              </a:rPr>
-              <a:t>Maak een class die: </a:t>
-            </a:r>
-            <a:r>
-              <a:rPr lang="nl-NL" sz="2000" dirty="0" err="1" smtClean="0">
-                <a:solidFill>
-                  <a:schemeClr val="tx2"/>
-                </a:solidFill>
-                <a:latin typeface="Consolas" panose="020B0609020204030204" pitchFamily="49" charset="0"/>
-                <a:cs typeface="Consolas" panose="020B0609020204030204" pitchFamily="49" charset="0"/>
-              </a:rPr>
-              <a:t>ServiceNaamGrpc.ServiceNaamImplBase</a:t>
-            </a:r>
-            <a:r>
-              <a:rPr lang="nl-NL" sz="2000" dirty="0">
-                <a:solidFill>
-                  <a:schemeClr val="tx2"/>
-                </a:solidFill>
-              </a:rPr>
-              <a:t> </a:t>
-            </a:r>
-            <a:r>
-              <a:rPr lang="nl-NL" sz="2000" dirty="0" err="1" smtClean="0">
-                <a:solidFill>
-                  <a:schemeClr val="tx2"/>
-                </a:solidFill>
-              </a:rPr>
-              <a:t>extends</a:t>
-            </a:r>
-            <a:r>
-              <a:rPr lang="nl-NL" sz="2000" dirty="0" smtClean="0">
-                <a:solidFill>
-                  <a:schemeClr val="tx2"/>
-                </a:solidFill>
-              </a:rPr>
-              <a:t>, en implementeer de bijbehorende methodes. </a:t>
-            </a:r>
-            <a:endParaRPr lang="nl-NL" sz="2000" dirty="0" smtClean="0">
+              <a:t>Starten van de server (zonder security)</a:t>
+            </a:r>
+            <a:endParaRPr lang="nl-NL" sz="2400" dirty="0">
               <a:solidFill>
                 <a:schemeClr val="tx2"/>
               </a:solidFill>
@@ -6112,207 +6846,202 @@
               <a:buNone/>
             </a:pPr>
             <a:r>
+              <a:rPr lang="nl-NL" sz="2000" dirty="0"/>
+              <a:t>server = </a:t>
+            </a:r>
+            <a:r>
+              <a:rPr lang="nl-NL" sz="2000" dirty="0" err="1"/>
+              <a:t>ServerBuilder.forPort</a:t>
+            </a:r>
+            <a:r>
+              <a:rPr lang="nl-NL" sz="2000" dirty="0"/>
+              <a:t>(int).</a:t>
+            </a:r>
+            <a:r>
+              <a:rPr lang="nl-NL" sz="2000" dirty="0" err="1" smtClean="0"/>
+              <a:t>addService</a:t>
+            </a:r>
+            <a:r>
+              <a:rPr lang="nl-NL" sz="2000" dirty="0" smtClean="0"/>
+              <a:t>(service-</a:t>
+            </a:r>
+            <a:r>
+              <a:rPr lang="nl-NL" sz="2000" dirty="0" err="1" smtClean="0"/>
+              <a:t>impl</a:t>
+            </a:r>
+            <a:r>
+              <a:rPr lang="nl-NL" sz="2000" dirty="0"/>
+              <a:t>).</a:t>
+            </a:r>
+            <a:r>
+              <a:rPr lang="nl-NL" sz="2000" dirty="0" err="1"/>
+              <a:t>build</a:t>
+            </a:r>
+            <a:r>
+              <a:rPr lang="nl-NL" sz="2000" dirty="0"/>
+              <a:t>();</a:t>
+            </a:r>
+          </a:p>
+          <a:p>
+            <a:pPr marL="0" indent="0">
+              <a:buNone/>
+            </a:pPr>
+            <a:r>
+              <a:rPr lang="nl-NL" sz="2000" dirty="0" err="1"/>
+              <a:t>server.start</a:t>
+            </a:r>
+            <a:r>
+              <a:rPr lang="nl-NL" sz="2000" dirty="0" smtClean="0"/>
+              <a:t>();</a:t>
+            </a:r>
+            <a:br>
+              <a:rPr lang="nl-NL" sz="2000" dirty="0" smtClean="0"/>
+            </a:br>
+            <a:r>
+              <a:rPr lang="nl-NL" sz="2200" dirty="0" smtClean="0">
+                <a:latin typeface="Consolas" panose="020B0609020204030204" pitchFamily="49" charset="0"/>
+                <a:cs typeface="Consolas" panose="020B0609020204030204" pitchFamily="49" charset="0"/>
+              </a:rPr>
+              <a:t/>
+            </a:r>
+            <a:br>
+              <a:rPr lang="nl-NL" sz="2200" dirty="0" smtClean="0">
+                <a:latin typeface="Consolas" panose="020B0609020204030204" pitchFamily="49" charset="0"/>
+                <a:cs typeface="Consolas" panose="020B0609020204030204" pitchFamily="49" charset="0"/>
+              </a:rPr>
+            </a:br>
+            <a:r>
               <a:rPr lang="nl-NL" sz="2000" dirty="0" smtClean="0">
                 <a:solidFill>
                   <a:schemeClr val="tx2"/>
                 </a:solidFill>
               </a:rPr>
-              <a:t>Voorbeeld returns(Feature) {} </a:t>
-            </a:r>
-            <a:endParaRPr lang="nl-NL" sz="2000" dirty="0" smtClean="0">
+              <a:t>Starten </a:t>
+            </a:r>
+            <a:r>
+              <a:rPr lang="nl-NL" sz="2000" dirty="0">
+                <a:solidFill>
+                  <a:schemeClr val="tx2"/>
+                </a:solidFill>
+              </a:rPr>
+              <a:t>van de </a:t>
+            </a:r>
+            <a:r>
+              <a:rPr lang="nl-NL" sz="2000" dirty="0" err="1" smtClean="0">
+                <a:solidFill>
+                  <a:schemeClr val="tx2"/>
+                </a:solidFill>
+              </a:rPr>
+              <a:t>client</a:t>
+            </a:r>
+            <a:r>
+              <a:rPr lang="nl-NL" sz="2000" dirty="0" smtClean="0">
+                <a:solidFill>
+                  <a:schemeClr val="tx2"/>
+                </a:solidFill>
+              </a:rPr>
+              <a:t> (zonder security):</a:t>
+            </a:r>
+            <a:br>
+              <a:rPr lang="nl-NL" sz="2000" dirty="0" smtClean="0">
+                <a:solidFill>
+                  <a:schemeClr val="tx2"/>
+                </a:solidFill>
+              </a:rPr>
+            </a:br>
+            <a:r>
+              <a:rPr lang="nl-NL" sz="2000" dirty="0" err="1"/>
+              <a:t>channel</a:t>
+            </a:r>
+            <a:r>
+              <a:rPr lang="nl-NL" sz="2000" dirty="0"/>
+              <a:t> = </a:t>
+            </a:r>
+            <a:r>
+              <a:rPr lang="nl-NL" sz="2000" dirty="0" err="1"/>
+              <a:t>ManagedChannelBuilder.forAddress</a:t>
+            </a:r>
+            <a:r>
+              <a:rPr lang="nl-NL" sz="2000" dirty="0"/>
+              <a:t>(host, port).</a:t>
+            </a:r>
+            <a:r>
+              <a:rPr lang="nl-NL" sz="2000" dirty="0" err="1"/>
+              <a:t>usePlaintext</a:t>
+            </a:r>
+            <a:r>
+              <a:rPr lang="nl-NL" sz="2000" dirty="0"/>
+              <a:t>(</a:t>
+            </a:r>
+            <a:r>
+              <a:rPr lang="nl-NL" sz="2000" dirty="0" err="1"/>
+              <a:t>true</a:t>
+            </a:r>
+            <a:r>
+              <a:rPr lang="nl-NL" sz="2000" dirty="0"/>
+              <a:t>));</a:t>
+            </a:r>
+          </a:p>
+          <a:p>
+            <a:pPr marL="0" indent="0">
+              <a:buNone/>
+            </a:pPr>
+            <a:r>
+              <a:rPr lang="nl-NL" sz="2000" dirty="0" smtClean="0">
+                <a:solidFill>
+                  <a:schemeClr val="tx2"/>
+                </a:solidFill>
+              </a:rPr>
+              <a:t/>
+            </a:r>
+            <a:br>
+              <a:rPr lang="nl-NL" sz="2000" dirty="0" smtClean="0">
+                <a:solidFill>
+                  <a:schemeClr val="tx2"/>
+                </a:solidFill>
+              </a:rPr>
+            </a:br>
+            <a:r>
+              <a:rPr lang="nl-NL" sz="2000" dirty="0" smtClean="0">
+                <a:solidFill>
+                  <a:schemeClr val="tx2"/>
+                </a:solidFill>
+              </a:rPr>
+              <a:t>//</a:t>
+            </a:r>
+            <a:r>
+              <a:rPr lang="nl-NL" sz="2000" dirty="0" err="1" smtClean="0">
+                <a:solidFill>
+                  <a:schemeClr val="tx2"/>
+                </a:solidFill>
+              </a:rPr>
+              <a:t>todo</a:t>
+            </a:r>
+            <a:r>
+              <a:rPr lang="nl-NL" sz="2000" dirty="0" smtClean="0">
+                <a:solidFill>
+                  <a:schemeClr val="tx2"/>
+                </a:solidFill>
+              </a:rPr>
+              <a:t> secure</a:t>
+            </a:r>
+          </a:p>
+          <a:p>
+            <a:pPr marL="0" indent="0">
+              <a:buNone/>
+            </a:pPr>
+            <a:endParaRPr lang="nl-NL" sz="2000" dirty="0">
               <a:solidFill>
                 <a:schemeClr val="tx2"/>
               </a:solidFill>
             </a:endParaRPr>
           </a:p>
-          <a:p>
-            <a:pPr marL="0" indent="0">
-              <a:buNone/>
-            </a:pPr>
-            <a:endParaRPr lang="nl-NL" sz="2000" dirty="0" smtClean="0">
-              <a:latin typeface="Consolas" panose="020B0609020204030204" pitchFamily="49" charset="0"/>
-              <a:cs typeface="Consolas" panose="020B0609020204030204" pitchFamily="49" charset="0"/>
-            </a:endParaRPr>
-          </a:p>
-          <a:p>
-            <a:pPr marL="0" indent="0">
-              <a:buNone/>
-            </a:pPr>
-            <a:r>
-              <a:rPr lang="nl-NL" sz="2000" dirty="0" smtClean="0">
-                <a:latin typeface="Consolas" panose="020B0609020204030204" pitchFamily="49" charset="0"/>
-                <a:cs typeface="Consolas" panose="020B0609020204030204" pitchFamily="49" charset="0"/>
-              </a:rPr>
-              <a:t>@</a:t>
-            </a:r>
-            <a:r>
-              <a:rPr lang="nl-NL" sz="2000" dirty="0" err="1">
-                <a:latin typeface="Consolas" panose="020B0609020204030204" pitchFamily="49" charset="0"/>
-                <a:cs typeface="Consolas" panose="020B0609020204030204" pitchFamily="49" charset="0"/>
-              </a:rPr>
-              <a:t>Override</a:t>
-            </a:r>
-            <a:endParaRPr lang="nl-NL" sz="2000" dirty="0">
-              <a:latin typeface="Consolas" panose="020B0609020204030204" pitchFamily="49" charset="0"/>
-              <a:cs typeface="Consolas" panose="020B0609020204030204" pitchFamily="49" charset="0"/>
-            </a:endParaRPr>
-          </a:p>
-          <a:p>
-            <a:pPr marL="0" indent="0">
-              <a:buNone/>
-            </a:pPr>
-            <a:r>
-              <a:rPr lang="nl-NL" sz="2000" dirty="0">
-                <a:latin typeface="Consolas" panose="020B0609020204030204" pitchFamily="49" charset="0"/>
-                <a:cs typeface="Consolas" panose="020B0609020204030204" pitchFamily="49" charset="0"/>
-              </a:rPr>
-              <a:t>public </a:t>
-            </a:r>
-            <a:r>
-              <a:rPr lang="nl-NL" sz="2000" dirty="0" err="1">
-                <a:latin typeface="Consolas" panose="020B0609020204030204" pitchFamily="49" charset="0"/>
-                <a:cs typeface="Consolas" panose="020B0609020204030204" pitchFamily="49" charset="0"/>
-              </a:rPr>
-              <a:t>void</a:t>
-            </a:r>
-            <a:r>
-              <a:rPr lang="nl-NL" sz="2000" dirty="0">
-                <a:latin typeface="Consolas" panose="020B0609020204030204" pitchFamily="49" charset="0"/>
-                <a:cs typeface="Consolas" panose="020B0609020204030204" pitchFamily="49" charset="0"/>
-              </a:rPr>
-              <a:t> </a:t>
-            </a:r>
-            <a:r>
-              <a:rPr lang="nl-NL" sz="2000" dirty="0" err="1">
-                <a:latin typeface="Consolas" panose="020B0609020204030204" pitchFamily="49" charset="0"/>
-                <a:cs typeface="Consolas" panose="020B0609020204030204" pitchFamily="49" charset="0"/>
-              </a:rPr>
-              <a:t>getFeature</a:t>
-            </a:r>
-            <a:r>
-              <a:rPr lang="nl-NL" sz="2000" dirty="0">
-                <a:latin typeface="Consolas" panose="020B0609020204030204" pitchFamily="49" charset="0"/>
-                <a:cs typeface="Consolas" panose="020B0609020204030204" pitchFamily="49" charset="0"/>
-              </a:rPr>
-              <a:t>(Point </a:t>
-            </a:r>
-            <a:r>
-              <a:rPr lang="nl-NL" sz="2000" dirty="0" err="1">
-                <a:latin typeface="Consolas" panose="020B0609020204030204" pitchFamily="49" charset="0"/>
-                <a:cs typeface="Consolas" panose="020B0609020204030204" pitchFamily="49" charset="0"/>
-              </a:rPr>
-              <a:t>request</a:t>
-            </a:r>
-            <a:r>
-              <a:rPr lang="nl-NL" sz="2000" dirty="0">
-                <a:latin typeface="Consolas" panose="020B0609020204030204" pitchFamily="49" charset="0"/>
-                <a:cs typeface="Consolas" panose="020B0609020204030204" pitchFamily="49" charset="0"/>
-              </a:rPr>
-              <a:t>, </a:t>
-            </a:r>
-            <a:r>
-              <a:rPr lang="nl-NL" sz="2000" dirty="0" err="1">
-                <a:latin typeface="Consolas" panose="020B0609020204030204" pitchFamily="49" charset="0"/>
-                <a:cs typeface="Consolas" panose="020B0609020204030204" pitchFamily="49" charset="0"/>
-              </a:rPr>
-              <a:t>StreamObserver</a:t>
-            </a:r>
-            <a:r>
-              <a:rPr lang="nl-NL" sz="2000" dirty="0">
-                <a:latin typeface="Consolas" panose="020B0609020204030204" pitchFamily="49" charset="0"/>
-                <a:cs typeface="Consolas" panose="020B0609020204030204" pitchFamily="49" charset="0"/>
-              </a:rPr>
-              <a:t>&lt;Feature&gt; </a:t>
-            </a:r>
-            <a:r>
-              <a:rPr lang="nl-NL" sz="2000" dirty="0" err="1" smtClean="0">
-                <a:latin typeface="Consolas" panose="020B0609020204030204" pitchFamily="49" charset="0"/>
-                <a:cs typeface="Consolas" panose="020B0609020204030204" pitchFamily="49" charset="0"/>
-              </a:rPr>
-              <a:t>esponseObserver</a:t>
-            </a:r>
-            <a:r>
-              <a:rPr lang="nl-NL" sz="2000" dirty="0">
-                <a:latin typeface="Consolas" panose="020B0609020204030204" pitchFamily="49" charset="0"/>
-                <a:cs typeface="Consolas" panose="020B0609020204030204" pitchFamily="49" charset="0"/>
-              </a:rPr>
-              <a:t>) {</a:t>
-            </a:r>
-          </a:p>
-          <a:p>
-            <a:pPr marL="0" indent="0">
-              <a:buNone/>
-            </a:pPr>
-            <a:r>
-              <a:rPr lang="nl-NL" sz="2000" dirty="0">
-                <a:latin typeface="Consolas" panose="020B0609020204030204" pitchFamily="49" charset="0"/>
-                <a:cs typeface="Consolas" panose="020B0609020204030204" pitchFamily="49" charset="0"/>
-              </a:rPr>
-              <a:t>  </a:t>
-            </a:r>
-            <a:r>
-              <a:rPr lang="nl-NL" sz="2000" dirty="0" err="1" smtClean="0">
-                <a:latin typeface="Consolas" panose="020B0609020204030204" pitchFamily="49" charset="0"/>
-                <a:cs typeface="Consolas" panose="020B0609020204030204" pitchFamily="49" charset="0"/>
-              </a:rPr>
-              <a:t>responseObserver.onNext</a:t>
-            </a:r>
-            <a:r>
-              <a:rPr lang="nl-NL" sz="2000" dirty="0" smtClean="0">
-                <a:latin typeface="Consolas" panose="020B0609020204030204" pitchFamily="49" charset="0"/>
-                <a:cs typeface="Consolas" panose="020B0609020204030204" pitchFamily="49" charset="0"/>
-              </a:rPr>
-              <a:t>(Feature);</a:t>
-            </a:r>
-            <a:endParaRPr lang="nl-NL" sz="2000" dirty="0">
-              <a:latin typeface="Consolas" panose="020B0609020204030204" pitchFamily="49" charset="0"/>
-              <a:cs typeface="Consolas" panose="020B0609020204030204" pitchFamily="49" charset="0"/>
-            </a:endParaRPr>
-          </a:p>
-          <a:p>
-            <a:pPr marL="0" indent="0">
-              <a:buNone/>
-            </a:pPr>
-            <a:r>
-              <a:rPr lang="nl-NL" sz="2000" dirty="0">
-                <a:latin typeface="Consolas" panose="020B0609020204030204" pitchFamily="49" charset="0"/>
-                <a:cs typeface="Consolas" panose="020B0609020204030204" pitchFamily="49" charset="0"/>
-              </a:rPr>
-              <a:t>  </a:t>
-            </a:r>
-            <a:r>
-              <a:rPr lang="nl-NL" sz="2000" dirty="0" err="1">
-                <a:latin typeface="Consolas" panose="020B0609020204030204" pitchFamily="49" charset="0"/>
-                <a:cs typeface="Consolas" panose="020B0609020204030204" pitchFamily="49" charset="0"/>
-              </a:rPr>
-              <a:t>responseObserver.onCompleted</a:t>
-            </a:r>
-            <a:r>
-              <a:rPr lang="nl-NL" sz="2000" dirty="0">
-                <a:latin typeface="Consolas" panose="020B0609020204030204" pitchFamily="49" charset="0"/>
-                <a:cs typeface="Consolas" panose="020B0609020204030204" pitchFamily="49" charset="0"/>
-              </a:rPr>
-              <a:t>();</a:t>
-            </a:r>
-          </a:p>
-          <a:p>
-            <a:pPr marL="0" indent="0">
-              <a:buNone/>
-            </a:pPr>
-            <a:r>
-              <a:rPr lang="nl-NL" sz="2000" dirty="0">
-                <a:latin typeface="Consolas" panose="020B0609020204030204" pitchFamily="49" charset="0"/>
-                <a:cs typeface="Consolas" panose="020B0609020204030204" pitchFamily="49" charset="0"/>
-              </a:rPr>
-              <a:t>}</a:t>
-            </a:r>
-          </a:p>
         </p:txBody>
       </p:sp>
     </p:spTree>
     <p:extLst>
       <p:ext uri="{BB962C8B-B14F-4D97-AF65-F5344CB8AC3E}">
-        <p14:creationId xmlns:p14="http://schemas.microsoft.com/office/powerpoint/2010/main" val="2020738734"/>
+        <p14:creationId xmlns:p14="http://schemas.microsoft.com/office/powerpoint/2010/main" val="1903909156"/>
       </p:ext>
     </p:extLst>
   </p:cSld>
@@ -6375,11 +7104,7 @@
             </a:r>
             <a:r>
               <a:rPr lang="nl-NL" sz="2800" dirty="0" smtClean="0"/>
-              <a:t> code vervolg </a:t>
-            </a:r>
-            <a:r>
-              <a:rPr lang="nl-NL" sz="2800" dirty="0" smtClean="0"/>
-              <a:t>.. 3</a:t>
+              <a:t> code vervolg .. 2</a:t>
             </a:r>
             <a:endParaRPr lang="nl-NL" sz="2800" dirty="0"/>
           </a:p>
@@ -6408,7 +7133,7 @@
         </p:spPr>
         <p:txBody>
           <a:bodyPr>
-            <a:normAutofit fontScale="85000" lnSpcReduction="20000"/>
+            <a:normAutofit/>
           </a:bodyPr>
           <a:lstStyle/>
           <a:p>
@@ -6450,37 +7175,55 @@
                   <a:schemeClr val="tx2"/>
                 </a:solidFill>
               </a:rPr>
-              <a:t>Voorbeeld:  </a:t>
-            </a:r>
-            <a:r>
-              <a:rPr lang="en-US" sz="1800" dirty="0" err="1"/>
-              <a:t>rpc</a:t>
-            </a:r>
-            <a:r>
-              <a:rPr lang="en-US" sz="1800" dirty="0"/>
+              <a:t>Maak een class die: </a:t>
+            </a:r>
+            <a:r>
+              <a:rPr lang="nl-NL" sz="2000" dirty="0" err="1" smtClean="0">
+                <a:solidFill>
+                  <a:schemeClr val="tx2"/>
+                </a:solidFill>
+                <a:latin typeface="Consolas" panose="020B0609020204030204" pitchFamily="49" charset="0"/>
+                <a:cs typeface="Consolas" panose="020B0609020204030204" pitchFamily="49" charset="0"/>
+              </a:rPr>
+              <a:t>ServiceNaamGrpc.ServiceNaamImplBase</a:t>
+            </a:r>
+            <a:r>
+              <a:rPr lang="nl-NL" sz="2000" dirty="0">
+                <a:solidFill>
+                  <a:schemeClr val="tx2"/>
+                </a:solidFill>
+              </a:rPr>
               <a:t> </a:t>
             </a:r>
             <a:r>
-              <a:rPr lang="en-US" sz="1800" dirty="0" err="1"/>
-              <a:t>RecordRoute</a:t>
-            </a:r>
-            <a:r>
-              <a:rPr lang="en-US" sz="1800" dirty="0"/>
-              <a:t>(stream Point) returns (</a:t>
-            </a:r>
-            <a:r>
-              <a:rPr lang="en-US" sz="1800" dirty="0" err="1"/>
-              <a:t>RouteSummary</a:t>
-            </a:r>
-            <a:r>
-              <a:rPr lang="en-US" sz="1800" dirty="0"/>
-              <a:t>) {}</a:t>
-            </a:r>
-            <a:endParaRPr lang="nl-NL" sz="2000" dirty="0" smtClean="0">
-              <a:solidFill>
-                <a:schemeClr val="tx2"/>
-              </a:solidFill>
-            </a:endParaRPr>
+              <a:rPr lang="nl-NL" sz="2000" dirty="0" err="1" smtClean="0">
+                <a:solidFill>
+                  <a:schemeClr val="tx2"/>
+                </a:solidFill>
+              </a:rPr>
+              <a:t>extends</a:t>
+            </a:r>
+            <a:r>
+              <a:rPr lang="nl-NL" sz="2000" dirty="0" smtClean="0">
+                <a:solidFill>
+                  <a:schemeClr val="tx2"/>
+                </a:solidFill>
+              </a:rPr>
+              <a:t>, en implementeer de bijbehorende methodes. </a:t>
+            </a:r>
+          </a:p>
+          <a:p>
+            <a:pPr marL="0" indent="0">
+              <a:buNone/>
+            </a:pPr>
+            <a:r>
+              <a:rPr lang="nl-NL" sz="2000" dirty="0" smtClean="0">
+                <a:solidFill>
+                  <a:schemeClr val="tx2"/>
+                </a:solidFill>
+              </a:rPr>
+              <a:t>Voorbeeld returns(Feature) {} </a:t>
+            </a:r>
           </a:p>
           <a:p>
             <a:pPr marL="0" indent="0">
@@ -6500,53 +7243,6 @@
                 <a:latin typeface="Consolas" panose="020B0609020204030204" pitchFamily="49" charset="0"/>
                 <a:cs typeface="Consolas" panose="020B0609020204030204" pitchFamily="49" charset="0"/>
               </a:rPr>
-              <a:t>return </a:t>
-            </a:r>
-            <a:r>
-              <a:rPr lang="nl-NL" sz="2000" dirty="0">
-                <a:latin typeface="Consolas" panose="020B0609020204030204" pitchFamily="49" charset="0"/>
-                <a:cs typeface="Consolas" panose="020B0609020204030204" pitchFamily="49" charset="0"/>
-              </a:rPr>
-              <a:t>new </a:t>
-            </a:r>
-            <a:r>
-              <a:rPr lang="nl-NL" sz="2000" dirty="0" err="1">
-                <a:latin typeface="Consolas" panose="020B0609020204030204" pitchFamily="49" charset="0"/>
-                <a:cs typeface="Consolas" panose="020B0609020204030204" pitchFamily="49" charset="0"/>
-              </a:rPr>
-              <a:t>StreamObserver</a:t>
-            </a:r>
-            <a:r>
-              <a:rPr lang="nl-NL" sz="2000" dirty="0">
-                <a:latin typeface="Consolas" panose="020B0609020204030204" pitchFamily="49" charset="0"/>
-                <a:cs typeface="Consolas" panose="020B0609020204030204" pitchFamily="49" charset="0"/>
-              </a:rPr>
-              <a:t>&lt;Point&gt;() {</a:t>
-            </a:r>
-          </a:p>
-          <a:p>
-            <a:pPr marL="0" indent="0">
-              <a:buNone/>
-            </a:pPr>
-            <a:r>
-              <a:rPr lang="nl-NL" sz="2000" dirty="0">
-                <a:latin typeface="Consolas" panose="020B0609020204030204" pitchFamily="49" charset="0"/>
-                <a:cs typeface="Consolas" panose="020B0609020204030204" pitchFamily="49" charset="0"/>
-              </a:rPr>
-              <a:t> </a:t>
-            </a:r>
-            <a:r>
-              <a:rPr lang="nl-NL" sz="2000" dirty="0" smtClean="0">
-                <a:latin typeface="Consolas" panose="020B0609020204030204" pitchFamily="49" charset="0"/>
-                <a:cs typeface="Consolas" panose="020B0609020204030204" pitchFamily="49" charset="0"/>
-              </a:rPr>
-              <a:t>  </a:t>
-            </a:r>
-            <a:r>
-              <a:rPr lang="nl-NL" sz="2000" dirty="0">
-                <a:latin typeface="Consolas" panose="020B0609020204030204" pitchFamily="49" charset="0"/>
-                <a:cs typeface="Consolas" panose="020B0609020204030204" pitchFamily="49" charset="0"/>
-              </a:rPr>
               <a:t>@</a:t>
             </a:r>
             <a:r>
@@ -6570,86 +7266,104 @@
                 <a:latin typeface="Consolas" panose="020B0609020204030204" pitchFamily="49" charset="0"/>
                 <a:cs typeface="Consolas" panose="020B0609020204030204" pitchFamily="49" charset="0"/>
               </a:rPr>
+              <a:t>public </a:t>
+            </a:r>
+            <a:r>
+              <a:rPr lang="nl-NL" sz="2000" dirty="0" err="1">
+                <a:latin typeface="Consolas" panose="020B0609020204030204" pitchFamily="49" charset="0"/>
+                <a:cs typeface="Consolas" panose="020B0609020204030204" pitchFamily="49" charset="0"/>
+              </a:rPr>
+              <a:t>void</a:t>
+            </a:r>
+            <a:r>
+              <a:rPr lang="nl-NL" sz="2000" dirty="0">
+                <a:latin typeface="Consolas" panose="020B0609020204030204" pitchFamily="49" charset="0"/>
+                <a:cs typeface="Consolas" panose="020B0609020204030204" pitchFamily="49" charset="0"/>
+              </a:rPr>
               <a:t> </a:t>
             </a:r>
             <a:r>
+              <a:rPr lang="nl-NL" sz="2000" dirty="0" err="1">
+                <a:latin typeface="Consolas" panose="020B0609020204030204" pitchFamily="49" charset="0"/>
+                <a:cs typeface="Consolas" panose="020B0609020204030204" pitchFamily="49" charset="0"/>
+              </a:rPr>
+              <a:t>getFeature</a:t>
+            </a:r>
+            <a:r>
+              <a:rPr lang="nl-NL" sz="2000" dirty="0">
+                <a:latin typeface="Consolas" panose="020B0609020204030204" pitchFamily="49" charset="0"/>
+                <a:cs typeface="Consolas" panose="020B0609020204030204" pitchFamily="49" charset="0"/>
+              </a:rPr>
+              <a:t>(Point </a:t>
+            </a:r>
+            <a:r>
+              <a:rPr lang="nl-NL" sz="2000" dirty="0" err="1">
+                <a:latin typeface="Consolas" panose="020B0609020204030204" pitchFamily="49" charset="0"/>
+                <a:cs typeface="Consolas" panose="020B0609020204030204" pitchFamily="49" charset="0"/>
+              </a:rPr>
+              <a:t>request</a:t>
+            </a:r>
+            <a:r>
+              <a:rPr lang="nl-NL" sz="2000" dirty="0">
+                <a:latin typeface="Consolas" panose="020B0609020204030204" pitchFamily="49" charset="0"/>
+                <a:cs typeface="Consolas" panose="020B0609020204030204" pitchFamily="49" charset="0"/>
+              </a:rPr>
+              <a:t>, </a:t>
+            </a:r>
+            <a:r>
+              <a:rPr lang="nl-NL" sz="2000" dirty="0" err="1">
+                <a:latin typeface="Consolas" panose="020B0609020204030204" pitchFamily="49" charset="0"/>
+                <a:cs typeface="Consolas" panose="020B0609020204030204" pitchFamily="49" charset="0"/>
+              </a:rPr>
+              <a:t>StreamObserver</a:t>
+            </a:r>
+            <a:r>
+              <a:rPr lang="nl-NL" sz="2000" dirty="0">
+                <a:latin typeface="Consolas" panose="020B0609020204030204" pitchFamily="49" charset="0"/>
+                <a:cs typeface="Consolas" panose="020B0609020204030204" pitchFamily="49" charset="0"/>
+              </a:rPr>
+              <a:t>&lt;Feature&gt; </a:t>
+            </a:r>
+            <a:r>
+              <a:rPr lang="nl-NL" sz="2000" dirty="0" err="1" smtClean="0">
+                <a:latin typeface="Consolas" panose="020B0609020204030204" pitchFamily="49" charset="0"/>
+                <a:cs typeface="Consolas" panose="020B0609020204030204" pitchFamily="49" charset="0"/>
+              </a:rPr>
+              <a:t>esponseObserver</a:t>
+            </a:r>
+            <a:r>
+              <a:rPr lang="nl-NL" sz="2000" dirty="0">
+                <a:latin typeface="Consolas" panose="020B0609020204030204" pitchFamily="49" charset="0"/>
+                <a:cs typeface="Consolas" panose="020B0609020204030204" pitchFamily="49" charset="0"/>
+              </a:rPr>
+              <a:t>) {</a:t>
+            </a:r>
+          </a:p>
+          <a:p>
+            <a:pPr marL="0" indent="0">
+              <a:buNone/>
+            </a:pPr>
+            <a:r>
+              <a:rPr lang="nl-NL" sz="2000" dirty="0">
+                <a:latin typeface="Consolas" panose="020B0609020204030204" pitchFamily="49" charset="0"/>
+                <a:cs typeface="Consolas" panose="020B0609020204030204" pitchFamily="49" charset="0"/>
+              </a:rPr>
+              <a:t>  </a:t>
+            </a:r>
+            <a:r>
+              <a:rPr lang="nl-NL" sz="2000" dirty="0" err="1" smtClean="0">
+                <a:latin typeface="Consolas" panose="020B0609020204030204" pitchFamily="49" charset="0"/>
+                <a:cs typeface="Consolas" panose="020B0609020204030204" pitchFamily="49" charset="0"/>
+              </a:rPr>
+              <a:t>responseObserver.onNext</a:t>
+            </a:r>
+            <a:r>
               <a:rPr lang="nl-NL" sz="2000" dirty="0" smtClean="0">
                 <a:latin typeface="Consolas" panose="020B0609020204030204" pitchFamily="49" charset="0"/>
                 <a:cs typeface="Consolas" panose="020B0609020204030204" pitchFamily="49" charset="0"/>
               </a:rPr>
-              <a:t>  </a:t>
-            </a:r>
-            <a:r>
-              <a:rPr lang="nl-NL" sz="2000" dirty="0">
-                <a:latin typeface="Consolas" panose="020B0609020204030204" pitchFamily="49" charset="0"/>
-                <a:cs typeface="Consolas" panose="020B0609020204030204" pitchFamily="49" charset="0"/>
-              </a:rPr>
-              <a:t>public </a:t>
-            </a:r>
-            <a:r>
-              <a:rPr lang="nl-NL" sz="2000" dirty="0" err="1">
-                <a:latin typeface="Consolas" panose="020B0609020204030204" pitchFamily="49" charset="0"/>
-                <a:cs typeface="Consolas" panose="020B0609020204030204" pitchFamily="49" charset="0"/>
-              </a:rPr>
-              <a:t>void</a:t>
-            </a:r>
-            <a:r>
-              <a:rPr lang="nl-NL" sz="2000" dirty="0">
-                <a:latin typeface="Consolas" panose="020B0609020204030204" pitchFamily="49" charset="0"/>
-                <a:cs typeface="Consolas" panose="020B0609020204030204" pitchFamily="49" charset="0"/>
-              </a:rPr>
-              <a:t> </a:t>
-            </a:r>
-            <a:r>
-              <a:rPr lang="nl-NL" sz="2000" dirty="0" err="1">
-                <a:latin typeface="Consolas" panose="020B0609020204030204" pitchFamily="49" charset="0"/>
-                <a:cs typeface="Consolas" panose="020B0609020204030204" pitchFamily="49" charset="0"/>
-              </a:rPr>
-              <a:t>onNext</a:t>
-            </a:r>
-            <a:r>
-              <a:rPr lang="nl-NL" sz="2000" dirty="0">
-                <a:latin typeface="Consolas" panose="020B0609020204030204" pitchFamily="49" charset="0"/>
-                <a:cs typeface="Consolas" panose="020B0609020204030204" pitchFamily="49" charset="0"/>
-              </a:rPr>
-              <a:t>(Point point) {</a:t>
-            </a:r>
-          </a:p>
-          <a:p>
-            <a:pPr marL="0" indent="0">
-              <a:buNone/>
-            </a:pPr>
-            <a:r>
-              <a:rPr lang="nl-NL" sz="2000" dirty="0">
-                <a:latin typeface="Consolas" panose="020B0609020204030204" pitchFamily="49" charset="0"/>
-                <a:cs typeface="Consolas" panose="020B0609020204030204" pitchFamily="49" charset="0"/>
-              </a:rPr>
-              <a:t>	...</a:t>
-            </a:r>
-          </a:p>
-          <a:p>
-            <a:pPr marL="0" indent="0">
-              <a:buNone/>
-            </a:pPr>
-            <a:r>
-              <a:rPr lang="nl-NL" sz="2000" dirty="0" smtClean="0">
-                <a:latin typeface="Consolas" panose="020B0609020204030204" pitchFamily="49" charset="0"/>
-                <a:cs typeface="Consolas" panose="020B0609020204030204" pitchFamily="49" charset="0"/>
-              </a:rPr>
-              <a:t>   </a:t>
-            </a:r>
-            <a:r>
-              <a:rPr lang="nl-NL" sz="2000" dirty="0">
-                <a:latin typeface="Consolas" panose="020B0609020204030204" pitchFamily="49" charset="0"/>
-                <a:cs typeface="Consolas" panose="020B0609020204030204" pitchFamily="49" charset="0"/>
-              </a:rPr>
-              <a:t>}</a:t>
-            </a:r>
-          </a:p>
-          <a:p>
-            <a:pPr marL="0" indent="0">
-              <a:buNone/>
-            </a:pPr>
+              <a:t>(Feature);</a:t>
+            </a:r>
             <a:endParaRPr lang="nl-NL" sz="2000" dirty="0">
               <a:latin typeface="Consolas" panose="020B0609020204030204" pitchFamily="49" charset="0"/>
               <a:cs typeface="Consolas" panose="020B0609020204030204" pitchFamily="49" charset="0"/>
@@ -6660,359 +7374,45 @@
               <a:buNone/>
             </a:pPr>
             <a:r>
-              <a:rPr lang="nl-NL" sz="2000" dirty="0" smtClean="0">
-                <a:latin typeface="Consolas" panose="020B0609020204030204" pitchFamily="49" charset="0"/>
-                <a:cs typeface="Consolas" panose="020B0609020204030204" pitchFamily="49" charset="0"/>
-              </a:rPr>
-              <a:t>   </a:t>
-            </a:r>
-            <a:r>
               <a:rPr lang="nl-NL" sz="2000" dirty="0">
                 <a:latin typeface="Consolas" panose="020B0609020204030204" pitchFamily="49" charset="0"/>
                 <a:cs typeface="Consolas" panose="020B0609020204030204" pitchFamily="49" charset="0"/>
               </a:rPr>
-              <a:t>@</a:t>
+              <a:t>  </a:t>
             </a:r>
             <a:r>
               <a:rPr lang="nl-NL" sz="2000" dirty="0" err="1">
                 <a:latin typeface="Consolas" panose="020B0609020204030204" pitchFamily="49" charset="0"/>
                 <a:cs typeface="Consolas" panose="020B0609020204030204" pitchFamily="49" charset="0"/>
               </a:rPr>
-              <a:t>Override</a:t>
-            </a:r>
-            <a:endParaRPr lang="nl-NL" sz="2000" dirty="0">
-              <a:latin typeface="Consolas" panose="020B0609020204030204" pitchFamily="49" charset="0"/>
-              <a:cs typeface="Consolas" panose="020B0609020204030204" pitchFamily="49" charset="0"/>
-            </a:endParaRPr>
-          </a:p>
-          <a:p>
-            <a:pPr marL="0" indent="0">
-              <a:buNone/>
-            </a:pPr>
-            <a:r>
-              <a:rPr lang="nl-NL" sz="2000" dirty="0" smtClean="0">
-                <a:latin typeface="Consolas" panose="020B0609020204030204" pitchFamily="49" charset="0"/>
-                <a:cs typeface="Consolas" panose="020B0609020204030204" pitchFamily="49" charset="0"/>
-              </a:rPr>
-              <a:t>   </a:t>
+              <a:t>responseObserver.onCompleted</a:t>
             </a:r>
             <a:r>
               <a:rPr lang="nl-NL" sz="2000" dirty="0">
                 <a:latin typeface="Consolas" panose="020B0609020204030204" pitchFamily="49" charset="0"/>
                 <a:cs typeface="Consolas" panose="020B0609020204030204" pitchFamily="49" charset="0"/>
               </a:rPr>
-              <a:t>public </a:t>
-            </a:r>
-            <a:r>
-              <a:rPr lang="nl-NL" sz="2000" dirty="0" err="1">
-                <a:latin typeface="Consolas" panose="020B0609020204030204" pitchFamily="49" charset="0"/>
-                <a:cs typeface="Consolas" panose="020B0609020204030204" pitchFamily="49" charset="0"/>
-              </a:rPr>
-              <a:t>void</a:t>
-            </a:r>
+              <a:t>();</a:t>
+            </a:r>
+          </a:p>
+          <a:p>
+            <a:pPr marL="0" indent="0">
+              <a:buNone/>
+            </a:pPr>
             <a:r>
               <a:rPr lang="nl-NL" sz="2000" dirty="0">
                 <a:latin typeface="Consolas" panose="020B0609020204030204" pitchFamily="49" charset="0"/>
                 <a:cs typeface="Consolas" panose="020B0609020204030204" pitchFamily="49" charset="0"/>
               </a:rPr>
-              <a:t> </a:t>
-            </a:r>
-            <a:r>
-              <a:rPr lang="nl-NL" sz="2000" dirty="0" err="1">
-                <a:latin typeface="Consolas" panose="020B0609020204030204" pitchFamily="49" charset="0"/>
-                <a:cs typeface="Consolas" panose="020B0609020204030204" pitchFamily="49" charset="0"/>
-              </a:rPr>
-              <a:t>onError</a:t>
-            </a:r>
-            <a:r>
-              <a:rPr lang="nl-NL" sz="2000" dirty="0">
-                <a:latin typeface="Consolas" panose="020B0609020204030204" pitchFamily="49" charset="0"/>
-                <a:cs typeface="Consolas" panose="020B0609020204030204" pitchFamily="49" charset="0"/>
-              </a:rPr>
-              <a:t>(</a:t>
-            </a:r>
-            <a:r>
-              <a:rPr lang="nl-NL" sz="2000" dirty="0" err="1">
-                <a:latin typeface="Consolas" panose="020B0609020204030204" pitchFamily="49" charset="0"/>
-                <a:cs typeface="Consolas" panose="020B0609020204030204" pitchFamily="49" charset="0"/>
-              </a:rPr>
-              <a:t>Throwable</a:t>
-            </a:r>
-            <a:r>
-              <a:rPr lang="nl-NL" sz="2000" dirty="0">
-                <a:latin typeface="Consolas" panose="020B0609020204030204" pitchFamily="49" charset="0"/>
-                <a:cs typeface="Consolas" panose="020B0609020204030204" pitchFamily="49" charset="0"/>
-              </a:rPr>
-              <a:t> t) {</a:t>
-            </a:r>
-          </a:p>
-          <a:p>
-            <a:pPr marL="0" indent="0">
-              <a:buNone/>
-            </a:pPr>
-            <a:r>
-              <a:rPr lang="nl-NL" sz="2000" dirty="0" smtClean="0">
-                <a:latin typeface="Consolas" panose="020B0609020204030204" pitchFamily="49" charset="0"/>
-                <a:cs typeface="Consolas" panose="020B0609020204030204" pitchFamily="49" charset="0"/>
-              </a:rPr>
-              <a:t>     </a:t>
-            </a:r>
-            <a:r>
-              <a:rPr lang="nl-NL" sz="2000" dirty="0">
-                <a:latin typeface="Consolas" panose="020B0609020204030204" pitchFamily="49" charset="0"/>
-                <a:cs typeface="Consolas" panose="020B0609020204030204" pitchFamily="49" charset="0"/>
-              </a:rPr>
-              <a:t>...</a:t>
-            </a:r>
-          </a:p>
-          <a:p>
-            <a:pPr marL="0" indent="0">
-              <a:buNone/>
-            </a:pPr>
-            <a:r>
-              <a:rPr lang="nl-NL" sz="2000" dirty="0" smtClean="0">
-                <a:latin typeface="Consolas" panose="020B0609020204030204" pitchFamily="49" charset="0"/>
-                <a:cs typeface="Consolas" panose="020B0609020204030204" pitchFamily="49" charset="0"/>
-              </a:rPr>
-              <a:t>   </a:t>
-            </a:r>
-            <a:r>
-              <a:rPr lang="nl-NL" sz="2000" dirty="0">
-                <a:latin typeface="Consolas" panose="020B0609020204030204" pitchFamily="49" charset="0"/>
-                <a:cs typeface="Consolas" panose="020B0609020204030204" pitchFamily="49" charset="0"/>
-              </a:rPr>
               <a:t>}</a:t>
             </a:r>
-          </a:p>
-          <a:p>
-            <a:pPr marL="0" indent="0">
-              <a:buNone/>
-            </a:pPr>
-            <a:endParaRPr lang="nl-NL" sz="2000" dirty="0">
-              <a:latin typeface="Consolas" panose="020B0609020204030204" pitchFamily="49" charset="0"/>
-              <a:cs typeface="Consolas" panose="020B0609020204030204" pitchFamily="49" charset="0"/>
-            </a:endParaRPr>
-          </a:p>
-          <a:p>
-            <a:pPr marL="0" indent="0">
-              <a:buNone/>
-            </a:pPr>
-            <a:r>
-              <a:rPr lang="nl-NL" sz="2000" dirty="0" smtClean="0">
-                <a:latin typeface="Consolas" panose="020B0609020204030204" pitchFamily="49" charset="0"/>
-                <a:cs typeface="Consolas" panose="020B0609020204030204" pitchFamily="49" charset="0"/>
-              </a:rPr>
-              <a:t>   @</a:t>
-            </a:r>
-            <a:r>
-              <a:rPr lang="nl-NL" sz="2000" dirty="0" err="1">
-                <a:latin typeface="Consolas" panose="020B0609020204030204" pitchFamily="49" charset="0"/>
-                <a:cs typeface="Consolas" panose="020B0609020204030204" pitchFamily="49" charset="0"/>
-              </a:rPr>
-              <a:t>Override</a:t>
-            </a:r>
-            <a:endParaRPr lang="nl-NL" sz="2000" dirty="0">
-              <a:latin typeface="Consolas" panose="020B0609020204030204" pitchFamily="49" charset="0"/>
-              <a:cs typeface="Consolas" panose="020B0609020204030204" pitchFamily="49" charset="0"/>
-            </a:endParaRPr>
-          </a:p>
-          <a:p>
-            <a:pPr marL="0" indent="0">
-              <a:buNone/>
-            </a:pPr>
-            <a:r>
-              <a:rPr lang="nl-NL" sz="2000" dirty="0">
-                <a:latin typeface="Consolas" panose="020B0609020204030204" pitchFamily="49" charset="0"/>
-                <a:cs typeface="Consolas" panose="020B0609020204030204" pitchFamily="49" charset="0"/>
-              </a:rPr>
-              <a:t> </a:t>
-            </a:r>
-            <a:r>
-              <a:rPr lang="nl-NL" sz="2000" dirty="0" smtClean="0">
-                <a:latin typeface="Consolas" panose="020B0609020204030204" pitchFamily="49" charset="0"/>
-                <a:cs typeface="Consolas" panose="020B0609020204030204" pitchFamily="49" charset="0"/>
-              </a:rPr>
-              <a:t>  public </a:t>
-            </a:r>
-            <a:r>
-              <a:rPr lang="nl-NL" sz="2000" dirty="0" err="1">
-                <a:latin typeface="Consolas" panose="020B0609020204030204" pitchFamily="49" charset="0"/>
-                <a:cs typeface="Consolas" panose="020B0609020204030204" pitchFamily="49" charset="0"/>
-              </a:rPr>
-              <a:t>void</a:t>
-            </a:r>
-            <a:r>
-              <a:rPr lang="nl-NL" sz="2000" dirty="0">
-                <a:latin typeface="Consolas" panose="020B0609020204030204" pitchFamily="49" charset="0"/>
-                <a:cs typeface="Consolas" panose="020B0609020204030204" pitchFamily="49" charset="0"/>
-              </a:rPr>
-              <a:t> </a:t>
-            </a:r>
-            <a:r>
-              <a:rPr lang="nl-NL" sz="2000" dirty="0" err="1">
-                <a:latin typeface="Consolas" panose="020B0609020204030204" pitchFamily="49" charset="0"/>
-                <a:cs typeface="Consolas" panose="020B0609020204030204" pitchFamily="49" charset="0"/>
-              </a:rPr>
-              <a:t>onCompleted</a:t>
-            </a:r>
-            <a:r>
-              <a:rPr lang="nl-NL" sz="2000" dirty="0">
-                <a:latin typeface="Consolas" panose="020B0609020204030204" pitchFamily="49" charset="0"/>
-                <a:cs typeface="Consolas" panose="020B0609020204030204" pitchFamily="49" charset="0"/>
-              </a:rPr>
-              <a:t>() {</a:t>
-            </a:r>
-          </a:p>
-          <a:p>
-            <a:pPr marL="0" indent="0">
-              <a:buNone/>
-            </a:pPr>
-            <a:r>
-              <a:rPr lang="nl-NL" sz="2000" dirty="0">
-                <a:latin typeface="Consolas" panose="020B0609020204030204" pitchFamily="49" charset="0"/>
-                <a:cs typeface="Consolas" panose="020B0609020204030204" pitchFamily="49" charset="0"/>
-              </a:rPr>
-              <a:t> </a:t>
-            </a:r>
-            <a:r>
-              <a:rPr lang="nl-NL" sz="2000" dirty="0" smtClean="0">
-                <a:latin typeface="Consolas" panose="020B0609020204030204" pitchFamily="49" charset="0"/>
-                <a:cs typeface="Consolas" panose="020B0609020204030204" pitchFamily="49" charset="0"/>
-              </a:rPr>
-              <a:t>    </a:t>
-            </a:r>
-            <a:r>
-              <a:rPr lang="nl-NL" sz="2000" dirty="0" err="1" smtClean="0">
-                <a:latin typeface="Consolas" panose="020B0609020204030204" pitchFamily="49" charset="0"/>
-                <a:cs typeface="Consolas" panose="020B0609020204030204" pitchFamily="49" charset="0"/>
-              </a:rPr>
-              <a:t>responseObserver.onNext</a:t>
-            </a:r>
-            <a:r>
-              <a:rPr lang="nl-NL" sz="2000" dirty="0" smtClean="0">
-                <a:latin typeface="Consolas" panose="020B0609020204030204" pitchFamily="49" charset="0"/>
-                <a:cs typeface="Consolas" panose="020B0609020204030204" pitchFamily="49" charset="0"/>
-              </a:rPr>
-              <a:t>(</a:t>
-            </a:r>
-            <a:r>
-              <a:rPr lang="nl-NL" sz="2000" dirty="0" err="1" smtClean="0">
-                <a:latin typeface="Consolas" panose="020B0609020204030204" pitchFamily="49" charset="0"/>
-                <a:cs typeface="Consolas" panose="020B0609020204030204" pitchFamily="49" charset="0"/>
-              </a:rPr>
-              <a:t>RouteSummary.newBuilder</a:t>
-            </a:r>
-            <a:r>
-              <a:rPr lang="nl-NL" sz="2000" dirty="0" smtClean="0">
-                <a:latin typeface="Consolas" panose="020B0609020204030204" pitchFamily="49" charset="0"/>
-                <a:cs typeface="Consolas" panose="020B0609020204030204" pitchFamily="49" charset="0"/>
-              </a:rPr>
-              <a:t>()..</a:t>
-            </a:r>
-            <a:r>
-              <a:rPr lang="nl-NL" sz="2000" dirty="0" err="1" smtClean="0">
-                <a:latin typeface="Consolas" panose="020B0609020204030204" pitchFamily="49" charset="0"/>
-                <a:cs typeface="Consolas" panose="020B0609020204030204" pitchFamily="49" charset="0"/>
-              </a:rPr>
-              <a:t>build</a:t>
-            </a:r>
-            <a:r>
-              <a:rPr lang="nl-NL" sz="2000" dirty="0" smtClean="0">
-                <a:latin typeface="Consolas" panose="020B0609020204030204" pitchFamily="49" charset="0"/>
-                <a:cs typeface="Consolas" panose="020B0609020204030204" pitchFamily="49" charset="0"/>
-              </a:rPr>
-              <a:t>();</a:t>
-            </a:r>
-            <a:endParaRPr lang="nl-NL" sz="2000" dirty="0">
-              <a:latin typeface="Consolas" panose="020B0609020204030204" pitchFamily="49" charset="0"/>
-              <a:cs typeface="Consolas" panose="020B0609020204030204" pitchFamily="49" charset="0"/>
-            </a:endParaRPr>
-          </a:p>
-          <a:p>
-            <a:pPr marL="0" indent="0">
-              <a:buNone/>
-            </a:pPr>
-            <a:r>
-              <a:rPr lang="nl-NL" sz="2000" dirty="0">
-                <a:latin typeface="Consolas" panose="020B0609020204030204" pitchFamily="49" charset="0"/>
-                <a:cs typeface="Consolas" panose="020B0609020204030204" pitchFamily="49" charset="0"/>
-              </a:rPr>
-              <a:t>  </a:t>
-            </a:r>
-            <a:r>
-              <a:rPr lang="nl-NL" sz="2000" dirty="0" smtClean="0">
-                <a:latin typeface="Consolas" panose="020B0609020204030204" pitchFamily="49" charset="0"/>
-                <a:cs typeface="Consolas" panose="020B0609020204030204" pitchFamily="49" charset="0"/>
-              </a:rPr>
-              <a:t>   </a:t>
-            </a:r>
-            <a:r>
-              <a:rPr lang="nl-NL" sz="2000" dirty="0" err="1" smtClean="0">
-                <a:latin typeface="Consolas" panose="020B0609020204030204" pitchFamily="49" charset="0"/>
-                <a:cs typeface="Consolas" panose="020B0609020204030204" pitchFamily="49" charset="0"/>
-              </a:rPr>
-              <a:t>responseObserver.onCompleted</a:t>
-            </a:r>
-            <a:r>
-              <a:rPr lang="nl-NL" sz="2000" dirty="0">
-                <a:latin typeface="Consolas" panose="020B0609020204030204" pitchFamily="49" charset="0"/>
-                <a:cs typeface="Consolas" panose="020B0609020204030204" pitchFamily="49" charset="0"/>
-              </a:rPr>
-              <a:t>();</a:t>
-            </a:r>
-          </a:p>
-          <a:p>
-            <a:pPr marL="0" indent="0">
-              <a:buNone/>
-            </a:pPr>
-            <a:r>
-              <a:rPr lang="nl-NL" sz="2000" dirty="0">
-                <a:latin typeface="Consolas" panose="020B0609020204030204" pitchFamily="49" charset="0"/>
-                <a:cs typeface="Consolas" panose="020B0609020204030204" pitchFamily="49" charset="0"/>
-              </a:rPr>
-              <a:t>  </a:t>
-            </a:r>
-            <a:r>
-              <a:rPr lang="nl-NL" sz="2000" dirty="0" smtClean="0">
-                <a:latin typeface="Consolas" panose="020B0609020204030204" pitchFamily="49" charset="0"/>
-                <a:cs typeface="Consolas" panose="020B0609020204030204" pitchFamily="49" charset="0"/>
-              </a:rPr>
-              <a:t>}</a:t>
-            </a:r>
-            <a:endParaRPr lang="nl-NL" sz="2000" dirty="0">
-              <a:latin typeface="Consolas" panose="020B0609020204030204" pitchFamily="49" charset="0"/>
-              <a:cs typeface="Consolas" panose="020B0609020204030204" pitchFamily="49" charset="0"/>
-            </a:endParaRPr>
-          </a:p>
-          <a:p>
-            <a:pPr marL="0" indent="0">
-              <a:buNone/>
-            </a:pPr>
-            <a:r>
-              <a:rPr lang="nl-NL" sz="2000" dirty="0">
-                <a:latin typeface="Consolas" panose="020B0609020204030204" pitchFamily="49" charset="0"/>
-                <a:cs typeface="Consolas" panose="020B0609020204030204" pitchFamily="49" charset="0"/>
-              </a:rPr>
-              <a:t> </a:t>
-            </a:r>
-            <a:r>
-              <a:rPr lang="nl-NL" sz="2000" dirty="0" smtClean="0">
-                <a:latin typeface="Consolas" panose="020B0609020204030204" pitchFamily="49" charset="0"/>
-                <a:cs typeface="Consolas" panose="020B0609020204030204" pitchFamily="49" charset="0"/>
-              </a:rPr>
-              <a:t>};</a:t>
-            </a:r>
-            <a:endParaRPr lang="nl-NL" sz="2000" dirty="0">
-              <a:latin typeface="Consolas" panose="020B0609020204030204" pitchFamily="49" charset="0"/>
-              <a:cs typeface="Consolas" panose="020B0609020204030204" pitchFamily="49" charset="0"/>
-            </a:endParaRPr>
           </a:p>
         </p:txBody>
       </p:sp>
     </p:spTree>
     <p:extLst>
       <p:ext uri="{BB962C8B-B14F-4D97-AF65-F5344CB8AC3E}">
-        <p14:creationId xmlns:p14="http://schemas.microsoft.com/office/powerpoint/2010/main" val="293693459"/>
+        <p14:creationId xmlns:p14="http://schemas.microsoft.com/office/powerpoint/2010/main" val="2020738734"/>
       </p:ext>
     </p:extLst>
   </p:cSld>

--- a/doc/Workshop-grpc.pptx
+++ b/doc/Workshop-grpc.pptx
@@ -299,7 +299,7 @@
           <a:p>
             <a:fld id="{B3CF53F8-45F4-4924-B9C9-305402299CCE}" type="datetimeFigureOut">
               <a:rPr lang="nl-NL" smtClean="0"/>
-              <a:t>15-5-2017</a:t>
+              <a:t>29-11-2017</a:t>
             </a:fld>
             <a:endParaRPr lang="nl-NL"/>
           </a:p>
@@ -469,7 +469,7 @@
           <a:p>
             <a:fld id="{B3CF53F8-45F4-4924-B9C9-305402299CCE}" type="datetimeFigureOut">
               <a:rPr lang="nl-NL" smtClean="0"/>
-              <a:t>15-5-2017</a:t>
+              <a:t>29-11-2017</a:t>
             </a:fld>
             <a:endParaRPr lang="nl-NL"/>
           </a:p>
@@ -649,7 +649,7 @@
           <a:p>
             <a:fld id="{B3CF53F8-45F4-4924-B9C9-305402299CCE}" type="datetimeFigureOut">
               <a:rPr lang="nl-NL" smtClean="0"/>
-              <a:t>15-5-2017</a:t>
+              <a:t>29-11-2017</a:t>
             </a:fld>
             <a:endParaRPr lang="nl-NL"/>
           </a:p>
@@ -819,7 +819,7 @@
           <a:p>
             <a:fld id="{B3CF53F8-45F4-4924-B9C9-305402299CCE}" type="datetimeFigureOut">
               <a:rPr lang="nl-NL" smtClean="0"/>
-              <a:t>15-5-2017</a:t>
+              <a:t>29-11-2017</a:t>
             </a:fld>
             <a:endParaRPr lang="nl-NL"/>
           </a:p>
@@ -1065,7 +1065,7 @@
           <a:p>
             <a:fld id="{B3CF53F8-45F4-4924-B9C9-305402299CCE}" type="datetimeFigureOut">
               <a:rPr lang="nl-NL" smtClean="0"/>
-              <a:t>15-5-2017</a:t>
+              <a:t>29-11-2017</a:t>
             </a:fld>
             <a:endParaRPr lang="nl-NL"/>
           </a:p>
@@ -1353,7 +1353,7 @@
           <a:p>
             <a:fld id="{B3CF53F8-45F4-4924-B9C9-305402299CCE}" type="datetimeFigureOut">
               <a:rPr lang="nl-NL" smtClean="0"/>
-              <a:t>15-5-2017</a:t>
+              <a:t>29-11-2017</a:t>
             </a:fld>
             <a:endParaRPr lang="nl-NL"/>
           </a:p>
@@ -1775,7 +1775,7 @@
           <a:p>
             <a:fld id="{B3CF53F8-45F4-4924-B9C9-305402299CCE}" type="datetimeFigureOut">
               <a:rPr lang="nl-NL" smtClean="0"/>
-              <a:t>15-5-2017</a:t>
+              <a:t>29-11-2017</a:t>
             </a:fld>
             <a:endParaRPr lang="nl-NL"/>
           </a:p>
@@ -1893,7 +1893,7 @@
           <a:p>
             <a:fld id="{B3CF53F8-45F4-4924-B9C9-305402299CCE}" type="datetimeFigureOut">
               <a:rPr lang="nl-NL" smtClean="0"/>
-              <a:t>15-5-2017</a:t>
+              <a:t>29-11-2017</a:t>
             </a:fld>
             <a:endParaRPr lang="nl-NL"/>
           </a:p>
@@ -1988,7 +1988,7 @@
           <a:p>
             <a:fld id="{B3CF53F8-45F4-4924-B9C9-305402299CCE}" type="datetimeFigureOut">
               <a:rPr lang="nl-NL" smtClean="0"/>
-              <a:t>15-5-2017</a:t>
+              <a:t>29-11-2017</a:t>
             </a:fld>
             <a:endParaRPr lang="nl-NL"/>
           </a:p>
@@ -2265,7 +2265,7 @@
           <a:p>
             <a:fld id="{B3CF53F8-45F4-4924-B9C9-305402299CCE}" type="datetimeFigureOut">
               <a:rPr lang="nl-NL" smtClean="0"/>
-              <a:t>15-5-2017</a:t>
+              <a:t>29-11-2017</a:t>
             </a:fld>
             <a:endParaRPr lang="nl-NL"/>
           </a:p>
@@ -2518,7 +2518,7 @@
           <a:p>
             <a:fld id="{B3CF53F8-45F4-4924-B9C9-305402299CCE}" type="datetimeFigureOut">
               <a:rPr lang="nl-NL" smtClean="0"/>
-              <a:t>15-5-2017</a:t>
+              <a:t>29-11-2017</a:t>
             </a:fld>
             <a:endParaRPr lang="nl-NL"/>
           </a:p>
@@ -2731,7 +2731,7 @@
           <a:p>
             <a:fld id="{B3CF53F8-45F4-4924-B9C9-305402299CCE}" type="datetimeFigureOut">
               <a:rPr lang="nl-NL" smtClean="0"/>
-              <a:t>15-5-2017</a:t>
+              <a:t>29-11-2017</a:t>
             </a:fld>
             <a:endParaRPr lang="nl-NL"/>
           </a:p>
@@ -3340,12 +3340,22 @@
             <a:off x="467544" y="908720"/>
             <a:ext cx="8424936" cy="5688632"/>
           </a:xfrm>
-          <a:ln>
-            <a:solidFill>
-              <a:schemeClr val="tx1"/>
-            </a:solidFill>
-          </a:ln>
+          <a:ln/>
         </p:spPr>
+        <p:style>
+          <a:lnRef idx="2">
+            <a:schemeClr val="accent1"/>
+          </a:lnRef>
+          <a:fillRef idx="1">
+            <a:schemeClr val="lt1"/>
+          </a:fillRef>
+          <a:effectRef idx="0">
+            <a:schemeClr val="accent1"/>
+          </a:effectRef>
+          <a:fontRef idx="minor">
+            <a:schemeClr val="dk1"/>
+          </a:fontRef>
+        </p:style>
         <p:txBody>
           <a:bodyPr>
             <a:normAutofit fontScale="85000" lnSpcReduction="20000"/>
@@ -3393,30 +3403,62 @@
               <a:t>Voorbeeld:  </a:t>
             </a:r>
             <a:r>
-              <a:rPr lang="en-US" sz="1800" dirty="0" err="1"/>
+              <a:rPr lang="en-US" sz="2400" dirty="0" err="1">
+                <a:solidFill>
+                  <a:schemeClr val="tx2"/>
+                </a:solidFill>
+              </a:rPr>
               <a:t>rpc</a:t>
             </a:r>
             <a:r>
-              <a:rPr lang="en-US" sz="1800" dirty="0"/>
+              <a:rPr lang="en-US" sz="2400" dirty="0">
+                <a:solidFill>
+                  <a:schemeClr val="tx2"/>
+                </a:solidFill>
+              </a:rPr>
               <a:t> </a:t>
             </a:r>
             <a:r>
-              <a:rPr lang="en-US" sz="1800" dirty="0" err="1"/>
+              <a:rPr lang="en-US" sz="2400" dirty="0" err="1">
+                <a:solidFill>
+                  <a:schemeClr val="tx2"/>
+                </a:solidFill>
+              </a:rPr>
               <a:t>RecordRoute</a:t>
             </a:r>
             <a:r>
-              <a:rPr lang="en-US" sz="1800" dirty="0"/>
-              <a:t>(stream Point) returns (</a:t>
-            </a:r>
-            <a:r>
-              <a:rPr lang="en-US" sz="1800" dirty="0" err="1"/>
+              <a:rPr lang="en-US" sz="2400" dirty="0">
+                <a:solidFill>
+                  <a:schemeClr val="tx2"/>
+                </a:solidFill>
+              </a:rPr>
+              <a:t>(stream</a:t>
+            </a:r>
+            <a:r>
+              <a:rPr lang="en-US" sz="2400" dirty="0">
+                <a:solidFill>
+                  <a:schemeClr val="tx2"/>
+                </a:solidFill>
+              </a:rPr>
+              <a:t> Point) returns (</a:t>
+            </a:r>
+            <a:r>
+              <a:rPr lang="en-US" sz="2400" dirty="0" err="1">
+                <a:solidFill>
+                  <a:schemeClr val="tx2"/>
+                </a:solidFill>
+              </a:rPr>
               <a:t>RouteSummary</a:t>
             </a:r>
             <a:r>
-              <a:rPr lang="en-US" sz="1800" dirty="0"/>
+              <a:rPr lang="en-US" sz="2400" dirty="0">
+                <a:solidFill>
+                  <a:schemeClr val="tx2"/>
+                </a:solidFill>
+              </a:rPr>
               <a:t>) {}</a:t>
             </a:r>
-            <a:endParaRPr lang="nl-NL" sz="2000" dirty="0" smtClean="0">
+            <a:endParaRPr lang="nl-NL" sz="2400" dirty="0">
               <a:solidFill>
                 <a:schemeClr val="tx2"/>
               </a:solidFill>
@@ -3447,21 +3489,7 @@
                 <a:latin typeface="Consolas" panose="020B0609020204030204" pitchFamily="49" charset="0"/>
                 <a:cs typeface="Consolas" panose="020B0609020204030204" pitchFamily="49" charset="0"/>
               </a:rPr>
-              <a:t>new </a:t>
-            </a:r>
-            <a:r>
-              <a:rPr lang="nl-NL" sz="2000" dirty="0" err="1">
-                <a:latin typeface="Consolas" panose="020B0609020204030204" pitchFamily="49" charset="0"/>
-                <a:cs typeface="Consolas" panose="020B0609020204030204" pitchFamily="49" charset="0"/>
-              </a:rPr>
-              <a:t>StreamObserver</a:t>
-            </a:r>
-            <a:r>
-              <a:rPr lang="nl-NL" sz="2000" dirty="0">
-                <a:latin typeface="Consolas" panose="020B0609020204030204" pitchFamily="49" charset="0"/>
-                <a:cs typeface="Consolas" panose="020B0609020204030204" pitchFamily="49" charset="0"/>
-              </a:rPr>
-              <a:t>&lt;Point&gt;() {</a:t>
+              <a:t>new StreamObserver&lt;Point&gt;() {</a:t>
             </a:r>
           </a:p>
           <a:p>
@@ -4044,7 +4072,7 @@
         </p:spPr>
         <p:txBody>
           <a:bodyPr>
-            <a:normAutofit fontScale="92500" lnSpcReduction="20000"/>
+            <a:normAutofit fontScale="85000" lnSpcReduction="10000"/>
           </a:bodyPr>
           <a:lstStyle/>
           <a:p>
@@ -4057,7 +4085,23 @@
                   <a:schemeClr val="tx2"/>
                 </a:solidFill>
               </a:rPr>
-              <a:t>Server, </a:t>
+              <a:t>S</a:t>
+            </a:r>
+            <a:r>
+              <a:rPr lang="nl-NL" sz="2400" dirty="0">
+                <a:solidFill>
+                  <a:schemeClr val="tx2"/>
+                </a:solidFill>
+              </a:rPr>
+              <a:t>erve</a:t>
+            </a:r>
+            <a:r>
+              <a:rPr lang="nl-NL" sz="2400" dirty="0" smtClean="0">
+                <a:solidFill>
+                  <a:schemeClr val="tx2"/>
+                </a:solidFill>
+              </a:rPr>
+              <a:t>r, </a:t>
             </a:r>
             <a:r>
               <a:rPr lang="nl-NL" sz="2400" dirty="0" err="1" smtClean="0">
@@ -4089,46 +4133,86 @@
               <a:t>Voorbeeld: </a:t>
             </a:r>
             <a:r>
-              <a:rPr lang="en-US" sz="1800" dirty="0" err="1"/>
+              <a:rPr lang="en-US" sz="2400" dirty="0" err="1">
+                <a:solidFill>
+                  <a:schemeClr val="tx2"/>
+                </a:solidFill>
+              </a:rPr>
               <a:t>rpc</a:t>
             </a:r>
             <a:r>
-              <a:rPr lang="en-US" sz="1800" dirty="0"/>
+              <a:rPr lang="en-US" sz="2400" dirty="0">
+                <a:solidFill>
+                  <a:schemeClr val="tx2"/>
+                </a:solidFill>
+              </a:rPr>
               <a:t> </a:t>
             </a:r>
             <a:r>
-              <a:rPr lang="en-US" sz="1800" dirty="0" err="1"/>
+              <a:rPr lang="en-US" sz="2400" dirty="0" err="1">
+                <a:solidFill>
+                  <a:schemeClr val="tx2"/>
+                </a:solidFill>
+              </a:rPr>
               <a:t>RouteChat</a:t>
             </a:r>
             <a:r>
-              <a:rPr lang="en-US" sz="1800" dirty="0"/>
+              <a:rPr lang="en-US" sz="2400" dirty="0">
+                <a:solidFill>
+                  <a:schemeClr val="tx2"/>
+                </a:solidFill>
+              </a:rPr>
               <a:t>(stream </a:t>
             </a:r>
             <a:r>
-              <a:rPr lang="en-US" sz="1800" dirty="0" err="1" smtClean="0"/>
+              <a:rPr lang="en-US" sz="2400" dirty="0" err="1">
+                <a:solidFill>
+                  <a:schemeClr val="tx2"/>
+                </a:solidFill>
+              </a:rPr>
               <a:t>RouteNote</a:t>
             </a:r>
             <a:r>
-              <a:rPr lang="en-US" sz="1800" dirty="0" smtClean="0"/>
+              <a:rPr lang="en-US" sz="2400" dirty="0">
+                <a:solidFill>
+                  <a:schemeClr val="tx2"/>
+                </a:solidFill>
+              </a:rPr>
               <a:t>) </a:t>
             </a:r>
             <a:r>
-              <a:rPr lang="en-US" sz="1800" dirty="0"/>
+              <a:rPr lang="en-US" sz="2400" dirty="0">
+                <a:solidFill>
+                  <a:schemeClr val="tx2"/>
+                </a:solidFill>
+              </a:rPr>
               <a:t>returns (stream </a:t>
             </a:r>
             <a:r>
-              <a:rPr lang="en-US" sz="1800" dirty="0" err="1"/>
+              <a:rPr lang="en-US" sz="2400" dirty="0" err="1">
+                <a:solidFill>
+                  <a:schemeClr val="tx2"/>
+                </a:solidFill>
+              </a:rPr>
               <a:t>RouteNote</a:t>
             </a:r>
             <a:r>
-              <a:rPr lang="en-US" sz="1800" dirty="0" smtClean="0"/>
+              <a:rPr lang="en-US" sz="2400" dirty="0">
+                <a:solidFill>
+                  <a:schemeClr val="tx2"/>
+                </a:solidFill>
+              </a:rPr>
               <a:t>) </a:t>
             </a:r>
             <a:r>
-              <a:rPr lang="en-US" sz="1800" dirty="0"/>
+              <a:rPr lang="en-US" sz="2400" dirty="0">
+                <a:solidFill>
+                  <a:schemeClr val="tx2"/>
+                </a:solidFill>
+              </a:rPr>
               <a:t>{}</a:t>
             </a:r>
-            <a:endParaRPr lang="nl-NL" sz="2000" dirty="0" smtClean="0">
+            <a:endParaRPr lang="nl-NL" sz="2400" dirty="0">
               <a:solidFill>
                 <a:schemeClr val="tx2"/>
               </a:solidFill>
@@ -5799,6 +5883,195 @@
               </a:rPr>
               <a:t>:</a:t>
             </a:r>
+          </a:p>
+          <a:p>
+            <a:pPr marL="0" indent="0">
+              <a:buNone/>
+            </a:pPr>
+            <a:r>
+              <a:rPr lang="nl-NL" sz="1900" dirty="0" err="1" smtClean="0">
+                <a:latin typeface="Consolas" panose="020B0609020204030204" pitchFamily="49" charset="0"/>
+                <a:cs typeface="Consolas" panose="020B0609020204030204" pitchFamily="49" charset="0"/>
+              </a:rPr>
+              <a:t>message</a:t>
+            </a:r>
+            <a:r>
+              <a:rPr lang="nl-NL" sz="1900" dirty="0" smtClean="0">
+                <a:latin typeface="Consolas" panose="020B0609020204030204" pitchFamily="49" charset="0"/>
+                <a:cs typeface="Consolas" panose="020B0609020204030204" pitchFamily="49" charset="0"/>
+              </a:rPr>
+              <a:t> </a:t>
+            </a:r>
+            <a:r>
+              <a:rPr lang="nl-NL" sz="1900" dirty="0" err="1" smtClean="0">
+                <a:latin typeface="Consolas" panose="020B0609020204030204" pitchFamily="49" charset="0"/>
+                <a:cs typeface="Consolas" panose="020B0609020204030204" pitchFamily="49" charset="0"/>
+              </a:rPr>
+              <a:t>GenericMsg</a:t>
+            </a:r>
+            <a:r>
+              <a:rPr lang="nl-NL" sz="1900" dirty="0" smtClean="0">
+                <a:latin typeface="Consolas" panose="020B0609020204030204" pitchFamily="49" charset="0"/>
+                <a:cs typeface="Consolas" panose="020B0609020204030204" pitchFamily="49" charset="0"/>
+              </a:rPr>
+              <a:t> {</a:t>
+            </a:r>
+          </a:p>
+          <a:p>
+            <a:pPr marL="0" indent="0">
+              <a:buNone/>
+            </a:pPr>
+            <a:r>
+              <a:rPr lang="nl-NL" sz="1900" dirty="0">
+                <a:latin typeface="Consolas" panose="020B0609020204030204" pitchFamily="49" charset="0"/>
+                <a:cs typeface="Consolas" panose="020B0609020204030204" pitchFamily="49" charset="0"/>
+              </a:rPr>
+              <a:t> </a:t>
+            </a:r>
+            <a:r>
+              <a:rPr lang="nl-NL" sz="1900" dirty="0" smtClean="0">
+                <a:latin typeface="Consolas" panose="020B0609020204030204" pitchFamily="49" charset="0"/>
+                <a:cs typeface="Consolas" panose="020B0609020204030204" pitchFamily="49" charset="0"/>
+              </a:rPr>
+              <a:t> </a:t>
+            </a:r>
+            <a:r>
+              <a:rPr lang="nl-NL" sz="1900" dirty="0" err="1" smtClean="0">
+                <a:latin typeface="Consolas" panose="020B0609020204030204" pitchFamily="49" charset="0"/>
+                <a:cs typeface="Consolas" panose="020B0609020204030204" pitchFamily="49" charset="0"/>
+              </a:rPr>
+              <a:t>oneof</a:t>
+            </a:r>
+            <a:r>
+              <a:rPr lang="nl-NL" sz="1900" dirty="0" smtClean="0">
+                <a:latin typeface="Consolas" panose="020B0609020204030204" pitchFamily="49" charset="0"/>
+                <a:cs typeface="Consolas" panose="020B0609020204030204" pitchFamily="49" charset="0"/>
+              </a:rPr>
+              <a:t> </a:t>
+            </a:r>
+            <a:r>
+              <a:rPr lang="nl-NL" sz="1900" dirty="0" err="1" smtClean="0">
+                <a:latin typeface="Consolas" panose="020B0609020204030204" pitchFamily="49" charset="0"/>
+                <a:cs typeface="Consolas" panose="020B0609020204030204" pitchFamily="49" charset="0"/>
+              </a:rPr>
+              <a:t>value</a:t>
+            </a:r>
+            <a:r>
+              <a:rPr lang="nl-NL" sz="1900" dirty="0" smtClean="0">
+                <a:latin typeface="Consolas" panose="020B0609020204030204" pitchFamily="49" charset="0"/>
+                <a:cs typeface="Consolas" panose="020B0609020204030204" pitchFamily="49" charset="0"/>
+              </a:rPr>
+              <a:t> {</a:t>
+            </a:r>
+          </a:p>
+          <a:p>
+            <a:pPr marL="0" indent="0">
+              <a:buNone/>
+            </a:pPr>
+            <a:r>
+              <a:rPr lang="nl-NL" sz="1900" dirty="0" smtClean="0">
+                <a:latin typeface="Consolas" panose="020B0609020204030204" pitchFamily="49" charset="0"/>
+                <a:cs typeface="Consolas" panose="020B0609020204030204" pitchFamily="49" charset="0"/>
+              </a:rPr>
+              <a:t>    Specific01Msg specific01 = 1;</a:t>
+            </a:r>
+          </a:p>
+          <a:p>
+            <a:pPr marL="0" indent="0">
+              <a:buNone/>
+            </a:pPr>
+            <a:r>
+              <a:rPr lang="nl-NL" sz="1900" dirty="0">
+                <a:latin typeface="Consolas" panose="020B0609020204030204" pitchFamily="49" charset="0"/>
+                <a:cs typeface="Consolas" panose="020B0609020204030204" pitchFamily="49" charset="0"/>
+              </a:rPr>
+              <a:t>  </a:t>
+            </a:r>
+            <a:r>
+              <a:rPr lang="nl-NL" sz="1900" dirty="0" smtClean="0">
+                <a:latin typeface="Consolas" panose="020B0609020204030204" pitchFamily="49" charset="0"/>
+                <a:cs typeface="Consolas" panose="020B0609020204030204" pitchFamily="49" charset="0"/>
+              </a:rPr>
+              <a:t>  Specific02Msg specific02 </a:t>
+            </a:r>
+            <a:r>
+              <a:rPr lang="nl-NL" sz="1900" dirty="0">
+                <a:latin typeface="Consolas" panose="020B0609020204030204" pitchFamily="49" charset="0"/>
+                <a:cs typeface="Consolas" panose="020B0609020204030204" pitchFamily="49" charset="0"/>
+              </a:rPr>
+              <a:t>= </a:t>
+            </a:r>
+            <a:r>
+              <a:rPr lang="nl-NL" sz="1900" dirty="0" smtClean="0">
+                <a:latin typeface="Consolas" panose="020B0609020204030204" pitchFamily="49" charset="0"/>
+                <a:cs typeface="Consolas" panose="020B0609020204030204" pitchFamily="49" charset="0"/>
+              </a:rPr>
+              <a:t>2;</a:t>
+            </a:r>
+            <a:br>
+              <a:rPr lang="nl-NL" sz="1900" dirty="0" smtClean="0">
+                <a:latin typeface="Consolas" panose="020B0609020204030204" pitchFamily="49" charset="0"/>
+                <a:cs typeface="Consolas" panose="020B0609020204030204" pitchFamily="49" charset="0"/>
+              </a:rPr>
+            </a:br>
+            <a:r>
+              <a:rPr lang="nl-NL" sz="1900" dirty="0" smtClean="0">
+                <a:latin typeface="Consolas" panose="020B0609020204030204" pitchFamily="49" charset="0"/>
+                <a:cs typeface="Consolas" panose="020B0609020204030204" pitchFamily="49" charset="0"/>
+              </a:rPr>
+              <a:t>  }</a:t>
+            </a:r>
+            <a:br>
+              <a:rPr lang="nl-NL" sz="1900" dirty="0" smtClean="0">
+                <a:latin typeface="Consolas" panose="020B0609020204030204" pitchFamily="49" charset="0"/>
+                <a:cs typeface="Consolas" panose="020B0609020204030204" pitchFamily="49" charset="0"/>
+              </a:rPr>
+            </a:br>
+            <a:r>
+              <a:rPr lang="nl-NL" sz="1900" dirty="0" smtClean="0">
+                <a:latin typeface="Consolas" panose="020B0609020204030204" pitchFamily="49" charset="0"/>
+                <a:cs typeface="Consolas" panose="020B0609020204030204" pitchFamily="49" charset="0"/>
+              </a:rPr>
+              <a:t>  ..</a:t>
+            </a:r>
+          </a:p>
+          <a:p>
+            <a:pPr marL="0" indent="0">
+              <a:buNone/>
+            </a:pPr>
+            <a:r>
+              <a:rPr lang="nl-NL" sz="1900" dirty="0" smtClean="0">
+                <a:latin typeface="Consolas" panose="020B0609020204030204" pitchFamily="49" charset="0"/>
+                <a:cs typeface="Consolas" panose="020B0609020204030204" pitchFamily="49" charset="0"/>
+              </a:rPr>
+              <a:t>}</a:t>
+            </a:r>
+          </a:p>
+          <a:p>
+            <a:pPr marL="0" indent="0">
+              <a:buNone/>
+            </a:pPr>
+            <a:r>
+              <a:rPr lang="nl-NL" sz="1900" dirty="0" smtClean="0">
+                <a:latin typeface="Consolas" panose="020B0609020204030204" pitchFamily="49" charset="0"/>
+                <a:cs typeface="Consolas" panose="020B0609020204030204" pitchFamily="49" charset="0"/>
+              </a:rPr>
+              <a:t>//</a:t>
+            </a:r>
+            <a:r>
+              <a:rPr lang="nl-NL" sz="1900" dirty="0" err="1" smtClean="0">
+                <a:latin typeface="Consolas" panose="020B0609020204030204" pitchFamily="49" charset="0"/>
+                <a:cs typeface="Consolas" panose="020B0609020204030204" pitchFamily="49" charset="0"/>
+              </a:rPr>
+              <a:t>enumerations</a:t>
+            </a:r>
+            <a:r>
+              <a:rPr lang="nl-NL" sz="1900" smtClean="0">
+                <a:latin typeface="Consolas" panose="020B0609020204030204" pitchFamily="49" charset="0"/>
+                <a:cs typeface="Consolas" panose="020B0609020204030204" pitchFamily="49" charset="0"/>
+              </a:rPr>
+              <a:t>:</a:t>
+            </a:r>
             <a:endParaRPr lang="nl-NL" sz="1900" dirty="0" smtClean="0">
               <a:latin typeface="Consolas" panose="020B0609020204030204" pitchFamily="49" charset="0"/>
               <a:cs typeface="Consolas" panose="020B0609020204030204" pitchFamily="49" charset="0"/>
@@ -5813,7 +6086,7 @@
                 <a:latin typeface="Consolas" panose="020B0609020204030204" pitchFamily="49" charset="0"/>
                 <a:cs typeface="Consolas" panose="020B0609020204030204" pitchFamily="49" charset="0"/>
               </a:rPr>
-              <a:t>message</a:t>
+              <a:t>enum</a:t>
             </a:r>
             <a:r>
               <a:rPr lang="nl-NL" sz="1900" dirty="0" smtClean="0">
@@ -5827,7 +6100,7 @@
                 <a:latin typeface="Consolas" panose="020B0609020204030204" pitchFamily="49" charset="0"/>
                 <a:cs typeface="Consolas" panose="020B0609020204030204" pitchFamily="49" charset="0"/>
               </a:rPr>
-              <a:t>GenericMsg</a:t>
+              <a:t>GeslachtMsg</a:t>
             </a:r>
             <a:r>
               <a:rPr lang="nl-NL" sz="1900" dirty="0" smtClean="0">
@@ -5835,98 +6108,6 @@
                 <a:cs typeface="Consolas" panose="020B0609020204030204" pitchFamily="49" charset="0"/>
               </a:rPr>
               <a:t> {</a:t>
-            </a:r>
-          </a:p>
-          <a:p>
-            <a:pPr marL="0" indent="0">
-              <a:buNone/>
-            </a:pPr>
-            <a:r>
-              <a:rPr lang="nl-NL" sz="1900" dirty="0">
-                <a:latin typeface="Consolas" panose="020B0609020204030204" pitchFamily="49" charset="0"/>
-                <a:cs typeface="Consolas" panose="020B0609020204030204" pitchFamily="49" charset="0"/>
-              </a:rPr>
-              <a:t> </a:t>
-            </a:r>
-            <a:r>
-              <a:rPr lang="nl-NL" sz="1900" dirty="0" smtClean="0">
-                <a:latin typeface="Consolas" panose="020B0609020204030204" pitchFamily="49" charset="0"/>
-                <a:cs typeface="Consolas" panose="020B0609020204030204" pitchFamily="49" charset="0"/>
-              </a:rPr>
-              <a:t> </a:t>
-            </a:r>
-            <a:r>
-              <a:rPr lang="nl-NL" sz="1900" dirty="0" err="1" smtClean="0">
-                <a:latin typeface="Consolas" panose="020B0609020204030204" pitchFamily="49" charset="0"/>
-                <a:cs typeface="Consolas" panose="020B0609020204030204" pitchFamily="49" charset="0"/>
-              </a:rPr>
-              <a:t>oneof</a:t>
-            </a:r>
-            <a:r>
-              <a:rPr lang="nl-NL" sz="1900" dirty="0" smtClean="0">
-                <a:latin typeface="Consolas" panose="020B0609020204030204" pitchFamily="49" charset="0"/>
-                <a:cs typeface="Consolas" panose="020B0609020204030204" pitchFamily="49" charset="0"/>
-              </a:rPr>
-              <a:t> </a:t>
-            </a:r>
-            <a:r>
-              <a:rPr lang="nl-NL" sz="1900" dirty="0" err="1" smtClean="0">
-                <a:latin typeface="Consolas" panose="020B0609020204030204" pitchFamily="49" charset="0"/>
-                <a:cs typeface="Consolas" panose="020B0609020204030204" pitchFamily="49" charset="0"/>
-              </a:rPr>
-              <a:t>value</a:t>
-            </a:r>
-            <a:r>
-              <a:rPr lang="nl-NL" sz="1900" dirty="0" smtClean="0">
-                <a:latin typeface="Consolas" panose="020B0609020204030204" pitchFamily="49" charset="0"/>
-                <a:cs typeface="Consolas" panose="020B0609020204030204" pitchFamily="49" charset="0"/>
-              </a:rPr>
-              <a:t> {</a:t>
-            </a:r>
-          </a:p>
-          <a:p>
-            <a:pPr marL="0" indent="0">
-              <a:buNone/>
-            </a:pPr>
-            <a:r>
-              <a:rPr lang="nl-NL" sz="1900" dirty="0" smtClean="0">
-                <a:latin typeface="Consolas" panose="020B0609020204030204" pitchFamily="49" charset="0"/>
-                <a:cs typeface="Consolas" panose="020B0609020204030204" pitchFamily="49" charset="0"/>
-              </a:rPr>
-              <a:t>    Specific01Msg specific01 = 1;</a:t>
-            </a:r>
-          </a:p>
-          <a:p>
-            <a:pPr marL="0" indent="0">
-              <a:buNone/>
-            </a:pPr>
-            <a:r>
-              <a:rPr lang="nl-NL" sz="1900" dirty="0">
-                <a:latin typeface="Consolas" panose="020B0609020204030204" pitchFamily="49" charset="0"/>
-                <a:cs typeface="Consolas" panose="020B0609020204030204" pitchFamily="49" charset="0"/>
-              </a:rPr>
-              <a:t>  </a:t>
-            </a:r>
-            <a:r>
-              <a:rPr lang="nl-NL" sz="1900" dirty="0" smtClean="0">
-                <a:latin typeface="Consolas" panose="020B0609020204030204" pitchFamily="49" charset="0"/>
-                <a:cs typeface="Consolas" panose="020B0609020204030204" pitchFamily="49" charset="0"/>
-              </a:rPr>
-              <a:t>  Specific02Msg specific02 </a:t>
-            </a:r>
-            <a:r>
-              <a:rPr lang="nl-NL" sz="1900" dirty="0">
-                <a:latin typeface="Consolas" panose="020B0609020204030204" pitchFamily="49" charset="0"/>
-                <a:cs typeface="Consolas" panose="020B0609020204030204" pitchFamily="49" charset="0"/>
-              </a:rPr>
-              <a:t>= </a:t>
-            </a:r>
-            <a:r>
-              <a:rPr lang="nl-NL" sz="1900" dirty="0" smtClean="0">
-                <a:latin typeface="Consolas" panose="020B0609020204030204" pitchFamily="49" charset="0"/>
-                <a:cs typeface="Consolas" panose="020B0609020204030204" pitchFamily="49" charset="0"/>
-              </a:rPr>
-              <a:t>2;</a:t>
             </a:r>
             <a:br>
               <a:rPr lang="nl-NL" sz="1900" dirty="0" smtClean="0">
@@ -5935,35 +6116,49 @@
               </a:rPr>
             </a:br>
             <a:r>
+              <a:rPr lang="nl-NL" sz="1700" dirty="0" smtClean="0">
+                <a:latin typeface="Consolas" panose="020B0609020204030204" pitchFamily="49" charset="0"/>
+                <a:cs typeface="Consolas" panose="020B0609020204030204" pitchFamily="49" charset="0"/>
+              </a:rPr>
+              <a:t>   MAN = 0;</a:t>
+            </a:r>
+            <a:br>
+              <a:rPr lang="nl-NL" sz="1700" dirty="0" smtClean="0">
+                <a:latin typeface="Consolas" panose="020B0609020204030204" pitchFamily="49" charset="0"/>
+                <a:cs typeface="Consolas" panose="020B0609020204030204" pitchFamily="49" charset="0"/>
+              </a:rPr>
+            </a:br>
+            <a:r>
+              <a:rPr lang="nl-NL" sz="1700" dirty="0" smtClean="0">
+                <a:latin typeface="Consolas" panose="020B0609020204030204" pitchFamily="49" charset="0"/>
+                <a:cs typeface="Consolas" panose="020B0609020204030204" pitchFamily="49" charset="0"/>
+              </a:rPr>
+              <a:t>   VROUW = 1;</a:t>
+            </a:r>
+            <a:br>
+              <a:rPr lang="nl-NL" sz="1700" dirty="0" smtClean="0">
+                <a:latin typeface="Consolas" panose="020B0609020204030204" pitchFamily="49" charset="0"/>
+                <a:cs typeface="Consolas" panose="020B0609020204030204" pitchFamily="49" charset="0"/>
+              </a:rPr>
+            </a:br>
+            <a:r>
+              <a:rPr lang="nl-NL" sz="1700" dirty="0" smtClean="0">
+                <a:latin typeface="Consolas" panose="020B0609020204030204" pitchFamily="49" charset="0"/>
+                <a:cs typeface="Consolas" panose="020B0609020204030204" pitchFamily="49" charset="0"/>
+              </a:rPr>
+              <a:t>   NEUTRAAL = 2;</a:t>
+            </a:r>
+            <a:br>
+              <a:rPr lang="nl-NL" sz="1700" dirty="0" smtClean="0">
+                <a:latin typeface="Consolas" panose="020B0609020204030204" pitchFamily="49" charset="0"/>
+                <a:cs typeface="Consolas" panose="020B0609020204030204" pitchFamily="49" charset="0"/>
+              </a:rPr>
+            </a:br>
+            <a:r>
               <a:rPr lang="nl-NL" sz="1900" dirty="0" smtClean="0">
                 <a:latin typeface="Consolas" panose="020B0609020204030204" pitchFamily="49" charset="0"/>
                 <a:cs typeface="Consolas" panose="020B0609020204030204" pitchFamily="49" charset="0"/>
               </a:rPr>
-              <a:t>  }</a:t>
-            </a:r>
-            <a:br>
-              <a:rPr lang="nl-NL" sz="1900" dirty="0" smtClean="0">
-                <a:latin typeface="Consolas" panose="020B0609020204030204" pitchFamily="49" charset="0"/>
-                <a:cs typeface="Consolas" panose="020B0609020204030204" pitchFamily="49" charset="0"/>
-              </a:rPr>
-            </a:br>
-            <a:r>
-              <a:rPr lang="nl-NL" sz="1900" dirty="0" smtClean="0">
-                <a:latin typeface="Consolas" panose="020B0609020204030204" pitchFamily="49" charset="0"/>
-                <a:cs typeface="Consolas" panose="020B0609020204030204" pitchFamily="49" charset="0"/>
-              </a:rPr>
-              <a:t>  ..</a:t>
-            </a:r>
-          </a:p>
-          <a:p>
-            <a:pPr marL="0" indent="0">
-              <a:buNone/>
-            </a:pPr>
-            <a:r>
-              <a:rPr lang="nl-NL" sz="1900" dirty="0" smtClean="0">
-                <a:latin typeface="Consolas" panose="020B0609020204030204" pitchFamily="49" charset="0"/>
-                <a:cs typeface="Consolas" panose="020B0609020204030204" pitchFamily="49" charset="0"/>
-              </a:rPr>
               <a:t>}</a:t>
             </a:r>
           </a:p>
@@ -5971,27 +6166,6 @@
             <a:pPr marL="0" indent="0">
               <a:buNone/>
             </a:pPr>
-            <a:r>
-              <a:rPr lang="nl-NL" sz="1900" dirty="0" smtClean="0">
-                <a:latin typeface="Consolas" panose="020B0609020204030204" pitchFamily="49" charset="0"/>
-                <a:cs typeface="Consolas" panose="020B0609020204030204" pitchFamily="49" charset="0"/>
-              </a:rPr>
-              <a:t>//</a:t>
-            </a:r>
-            <a:r>
-              <a:rPr lang="nl-NL" sz="1900" dirty="0" err="1" smtClean="0">
-                <a:latin typeface="Consolas" panose="020B0609020204030204" pitchFamily="49" charset="0"/>
-                <a:cs typeface="Consolas" panose="020B0609020204030204" pitchFamily="49" charset="0"/>
-              </a:rPr>
-              <a:t>enumerations</a:t>
-            </a:r>
-            <a:r>
-              <a:rPr lang="nl-NL" sz="1900" smtClean="0">
-                <a:latin typeface="Consolas" panose="020B0609020204030204" pitchFamily="49" charset="0"/>
-                <a:cs typeface="Consolas" panose="020B0609020204030204" pitchFamily="49" charset="0"/>
-              </a:rPr>
-              <a:t>:</a:t>
-            </a:r>
             <a:endParaRPr lang="nl-NL" sz="1900" dirty="0" smtClean="0">
               <a:latin typeface="Consolas" panose="020B0609020204030204" pitchFamily="49" charset="0"/>
               <a:cs typeface="Consolas" panose="020B0609020204030204" pitchFamily="49" charset="0"/>
@@ -6002,100 +6176,6 @@
               <a:buNone/>
             </a:pPr>
             <a:r>
-              <a:rPr lang="nl-NL" sz="1900" dirty="0" err="1" smtClean="0">
-                <a:latin typeface="Consolas" panose="020B0609020204030204" pitchFamily="49" charset="0"/>
-                <a:cs typeface="Consolas" panose="020B0609020204030204" pitchFamily="49" charset="0"/>
-              </a:rPr>
-              <a:t>enum</a:t>
-            </a:r>
-            <a:r>
-              <a:rPr lang="nl-NL" sz="1900" dirty="0" smtClean="0">
-                <a:latin typeface="Consolas" panose="020B0609020204030204" pitchFamily="49" charset="0"/>
-                <a:cs typeface="Consolas" panose="020B0609020204030204" pitchFamily="49" charset="0"/>
-              </a:rPr>
-              <a:t> </a:t>
-            </a:r>
-            <a:r>
-              <a:rPr lang="nl-NL" sz="1900" dirty="0" err="1" smtClean="0">
-                <a:latin typeface="Consolas" panose="020B0609020204030204" pitchFamily="49" charset="0"/>
-                <a:cs typeface="Consolas" panose="020B0609020204030204" pitchFamily="49" charset="0"/>
-              </a:rPr>
-              <a:t>GeslachtMsg</a:t>
-            </a:r>
-            <a:r>
-              <a:rPr lang="nl-NL" sz="1900" dirty="0" smtClean="0">
-                <a:latin typeface="Consolas" panose="020B0609020204030204" pitchFamily="49" charset="0"/>
-                <a:cs typeface="Consolas" panose="020B0609020204030204" pitchFamily="49" charset="0"/>
-              </a:rPr>
-              <a:t> {</a:t>
-            </a:r>
-            <a:br>
-              <a:rPr lang="nl-NL" sz="1900" dirty="0" smtClean="0">
-                <a:latin typeface="Consolas" panose="020B0609020204030204" pitchFamily="49" charset="0"/>
-                <a:cs typeface="Consolas" panose="020B0609020204030204" pitchFamily="49" charset="0"/>
-              </a:rPr>
-            </a:br>
-            <a:r>
-              <a:rPr lang="nl-NL" sz="1700" dirty="0" smtClean="0">
-                <a:latin typeface="Consolas" panose="020B0609020204030204" pitchFamily="49" charset="0"/>
-                <a:cs typeface="Consolas" panose="020B0609020204030204" pitchFamily="49" charset="0"/>
-              </a:rPr>
-              <a:t>   MAN = 0;</a:t>
-            </a:r>
-            <a:br>
-              <a:rPr lang="nl-NL" sz="1700" dirty="0" smtClean="0">
-                <a:latin typeface="Consolas" panose="020B0609020204030204" pitchFamily="49" charset="0"/>
-                <a:cs typeface="Consolas" panose="020B0609020204030204" pitchFamily="49" charset="0"/>
-              </a:rPr>
-            </a:br>
-            <a:r>
-              <a:rPr lang="nl-NL" sz="1700" dirty="0" smtClean="0">
-                <a:latin typeface="Consolas" panose="020B0609020204030204" pitchFamily="49" charset="0"/>
-                <a:cs typeface="Consolas" panose="020B0609020204030204" pitchFamily="49" charset="0"/>
-              </a:rPr>
-              <a:t>   VROUW = 1;</a:t>
-            </a:r>
-            <a:br>
-              <a:rPr lang="nl-NL" sz="1700" dirty="0" smtClean="0">
-                <a:latin typeface="Consolas" panose="020B0609020204030204" pitchFamily="49" charset="0"/>
-                <a:cs typeface="Consolas" panose="020B0609020204030204" pitchFamily="49" charset="0"/>
-              </a:rPr>
-            </a:br>
-            <a:r>
-              <a:rPr lang="nl-NL" sz="1700" dirty="0" smtClean="0">
-                <a:latin typeface="Consolas" panose="020B0609020204030204" pitchFamily="49" charset="0"/>
-                <a:cs typeface="Consolas" panose="020B0609020204030204" pitchFamily="49" charset="0"/>
-              </a:rPr>
-              <a:t>   NEUTRAAL = 2;</a:t>
-            </a:r>
-            <a:br>
-              <a:rPr lang="nl-NL" sz="1700" dirty="0" smtClean="0">
-                <a:latin typeface="Consolas" panose="020B0609020204030204" pitchFamily="49" charset="0"/>
-                <a:cs typeface="Consolas" panose="020B0609020204030204" pitchFamily="49" charset="0"/>
-              </a:rPr>
-            </a:br>
-            <a:r>
-              <a:rPr lang="nl-NL" sz="1900" dirty="0" smtClean="0">
-                <a:latin typeface="Consolas" panose="020B0609020204030204" pitchFamily="49" charset="0"/>
-                <a:cs typeface="Consolas" panose="020B0609020204030204" pitchFamily="49" charset="0"/>
-              </a:rPr>
-              <a:t>}</a:t>
-            </a:r>
-          </a:p>
-          <a:p>
-            <a:pPr marL="0" indent="0">
-              <a:buNone/>
-            </a:pPr>
-            <a:endParaRPr lang="nl-NL" sz="1900" dirty="0" smtClean="0">
-              <a:latin typeface="Consolas" panose="020B0609020204030204" pitchFamily="49" charset="0"/>
-              <a:cs typeface="Consolas" panose="020B0609020204030204" pitchFamily="49" charset="0"/>
-            </a:endParaRPr>
-          </a:p>
-          <a:p>
-            <a:pPr marL="0" indent="0">
-              <a:buNone/>
-            </a:pPr>
-            <a:r>
               <a:rPr lang="nl-NL" sz="1900" dirty="0" smtClean="0">
                 <a:latin typeface="Consolas" panose="020B0609020204030204" pitchFamily="49" charset="0"/>
                 <a:cs typeface="Consolas" panose="020B0609020204030204" pitchFamily="49" charset="0"/>
@@ -6186,14 +6266,7 @@
                 <a:latin typeface="Consolas" panose="020B0609020204030204" pitchFamily="49" charset="0"/>
                 <a:cs typeface="Consolas" panose="020B0609020204030204" pitchFamily="49" charset="0"/>
               </a:rPr>
-              <a:t>import </a:t>
-            </a:r>
-            <a:r>
-              <a:rPr lang="nl-NL" sz="2200" dirty="0" smtClean="0">
-                <a:latin typeface="Consolas" panose="020B0609020204030204" pitchFamily="49" charset="0"/>
-                <a:cs typeface="Consolas" panose="020B0609020204030204" pitchFamily="49" charset="0"/>
-              </a:rPr>
-              <a:t>“</a:t>
+              <a:t>import “</a:t>
             </a:r>
             <a:r>
               <a:rPr lang="nl-NL" sz="2200" dirty="0" err="1" smtClean="0">
@@ -7217,18 +7290,28 @@
               <a:buNone/>
             </a:pPr>
             <a:r>
+              <a:rPr lang="nl-NL" sz="2000" dirty="0">
+                <a:solidFill>
+                  <a:schemeClr val="tx2"/>
+                </a:solidFill>
+              </a:rPr>
+              <a:t>Voorbeeld:  rpc GetFeature(Point) returns (Feature) </a:t>
+            </a:r>
+            <a:r>
               <a:rPr lang="nl-NL" sz="2000" dirty="0" smtClean="0">
                 <a:solidFill>
                   <a:schemeClr val="tx2"/>
                 </a:solidFill>
               </a:rPr>
-              <a:t>Voorbeeld returns(Feature) {} </a:t>
-            </a:r>
-          </a:p>
-          <a:p>
-            <a:pPr marL="0" indent="0">
-              <a:buNone/>
-            </a:pPr>
+              <a:t>{}</a:t>
+            </a:r>
+            <a:br>
+              <a:rPr lang="nl-NL" sz="2000" dirty="0" smtClean="0">
+                <a:solidFill>
+                  <a:schemeClr val="tx2"/>
+                </a:solidFill>
+              </a:rPr>
+            </a:br>
             <a:endParaRPr lang="nl-NL" sz="2000" dirty="0" smtClean="0">
               <a:latin typeface="Consolas" panose="020B0609020204030204" pitchFamily="49" charset="0"/>
               <a:cs typeface="Consolas" panose="020B0609020204030204" pitchFamily="49" charset="0"/>
@@ -7269,67 +7352,46 @@
               <a:t>public </a:t>
             </a:r>
             <a:r>
-              <a:rPr lang="nl-NL" sz="2000" dirty="0" err="1">
+              <a:rPr lang="nl-NL" sz="2000" dirty="0" smtClean="0">
+                <a:effectLst>
+                  <a:glow rad="63500">
+                    <a:schemeClr val="accent1">
+                      <a:satMod val="175000"/>
+                      <a:alpha val="40000"/>
+                    </a:schemeClr>
+                  </a:glow>
+                </a:effectLst>
                 <a:latin typeface="Consolas" panose="020B0609020204030204" pitchFamily="49" charset="0"/>
                 <a:cs typeface="Consolas" panose="020B0609020204030204" pitchFamily="49" charset="0"/>
               </a:rPr>
               <a:t>void</a:t>
             </a:r>
             <a:r>
+              <a:rPr lang="nl-NL" sz="2000" dirty="0" smtClean="0">
+                <a:solidFill>
+                  <a:schemeClr val="tx2">
+                    <a:lumMod val="60000"/>
+                    <a:lumOff val="40000"/>
+                  </a:schemeClr>
+                </a:solidFill>
+                <a:latin typeface="Consolas" panose="020B0609020204030204" pitchFamily="49" charset="0"/>
+                <a:cs typeface="Consolas" panose="020B0609020204030204" pitchFamily="49" charset="0"/>
+              </a:rPr>
+              <a:t> </a:t>
+            </a:r>
+            <a:r>
               <a:rPr lang="nl-NL" sz="2000" dirty="0">
                 <a:latin typeface="Consolas" panose="020B0609020204030204" pitchFamily="49" charset="0"/>
                 <a:cs typeface="Consolas" panose="020B0609020204030204" pitchFamily="49" charset="0"/>
               </a:rPr>
-              <a:t> </a:t>
-            </a:r>
-            <a:r>
-              <a:rPr lang="nl-NL" sz="2000" dirty="0" err="1">
-                <a:latin typeface="Consolas" panose="020B0609020204030204" pitchFamily="49" charset="0"/>
-                <a:cs typeface="Consolas" panose="020B0609020204030204" pitchFamily="49" charset="0"/>
-              </a:rPr>
-              <a:t>getFeature</a:t>
-            </a:r>
-            <a:r>
-              <a:rPr lang="nl-NL" sz="2000" dirty="0">
-                <a:latin typeface="Consolas" panose="020B0609020204030204" pitchFamily="49" charset="0"/>
-                <a:cs typeface="Consolas" panose="020B0609020204030204" pitchFamily="49" charset="0"/>
-              </a:rPr>
-              <a:t>(Point </a:t>
-            </a:r>
-            <a:r>
-              <a:rPr lang="nl-NL" sz="2000" dirty="0" err="1">
-                <a:latin typeface="Consolas" panose="020B0609020204030204" pitchFamily="49" charset="0"/>
-                <a:cs typeface="Consolas" panose="020B0609020204030204" pitchFamily="49" charset="0"/>
-              </a:rPr>
-              <a:t>request</a:t>
-            </a:r>
-            <a:r>
-              <a:rPr lang="nl-NL" sz="2000" dirty="0">
-                <a:latin typeface="Consolas" panose="020B0609020204030204" pitchFamily="49" charset="0"/>
-                <a:cs typeface="Consolas" panose="020B0609020204030204" pitchFamily="49" charset="0"/>
-              </a:rPr>
-              <a:t>, </a:t>
-            </a:r>
-            <a:r>
-              <a:rPr lang="nl-NL" sz="2000" dirty="0" err="1">
-                <a:latin typeface="Consolas" panose="020B0609020204030204" pitchFamily="49" charset="0"/>
-                <a:cs typeface="Consolas" panose="020B0609020204030204" pitchFamily="49" charset="0"/>
-              </a:rPr>
-              <a:t>StreamObserver</a:t>
-            </a:r>
-            <a:r>
-              <a:rPr lang="nl-NL" sz="2000" dirty="0">
-                <a:latin typeface="Consolas" panose="020B0609020204030204" pitchFamily="49" charset="0"/>
-                <a:cs typeface="Consolas" panose="020B0609020204030204" pitchFamily="49" charset="0"/>
-              </a:rPr>
-              <a:t>&lt;Feature&gt; </a:t>
-            </a:r>
-            <a:r>
-              <a:rPr lang="nl-NL" sz="2000" dirty="0" err="1" smtClean="0">
-                <a:latin typeface="Consolas" panose="020B0609020204030204" pitchFamily="49" charset="0"/>
-                <a:cs typeface="Consolas" panose="020B0609020204030204" pitchFamily="49" charset="0"/>
-              </a:rPr>
-              <a:t>esponseObserver</a:t>
+              <a:t>getFeature(Point request, StreamObserver&lt;Feature&gt; </a:t>
+            </a:r>
+            <a:r>
+              <a:rPr lang="nl-NL" sz="2000" dirty="0" smtClean="0">
+                <a:latin typeface="Consolas" panose="020B0609020204030204" pitchFamily="49" charset="0"/>
+                <a:cs typeface="Consolas" panose="020B0609020204030204" pitchFamily="49" charset="0"/>
+              </a:rPr>
+              <a:t>responseObserver</a:t>
             </a:r>
             <a:r>
               <a:rPr lang="nl-NL" sz="2000" dirty="0">
